--- a/chap3/chap3.pptx
+++ b/chap3/chap3.pptx
@@ -5,7 +5,7 @@
     <p:sldMasterId id="2147483786" r:id="rId1"/>
   </p:sldMasterIdLst>
   <p:notesMasterIdLst>
-    <p:notesMasterId r:id="rId25"/>
+    <p:notesMasterId r:id="rId26"/>
   </p:notesMasterIdLst>
   <p:sldIdLst>
     <p:sldId id="369" r:id="rId2"/>
@@ -20,17 +20,18 @@
     <p:sldId id="392" r:id="rId11"/>
     <p:sldId id="399" r:id="rId12"/>
     <p:sldId id="402" r:id="rId13"/>
-    <p:sldId id="401" r:id="rId14"/>
-    <p:sldId id="403" r:id="rId15"/>
-    <p:sldId id="390" r:id="rId16"/>
-    <p:sldId id="389" r:id="rId17"/>
-    <p:sldId id="404" r:id="rId18"/>
-    <p:sldId id="405" r:id="rId19"/>
-    <p:sldId id="406" r:id="rId20"/>
-    <p:sldId id="394" r:id="rId21"/>
-    <p:sldId id="386" r:id="rId22"/>
-    <p:sldId id="387" r:id="rId23"/>
-    <p:sldId id="379" r:id="rId24"/>
+    <p:sldId id="408" r:id="rId14"/>
+    <p:sldId id="401" r:id="rId15"/>
+    <p:sldId id="403" r:id="rId16"/>
+    <p:sldId id="390" r:id="rId17"/>
+    <p:sldId id="389" r:id="rId18"/>
+    <p:sldId id="404" r:id="rId19"/>
+    <p:sldId id="405" r:id="rId20"/>
+    <p:sldId id="406" r:id="rId21"/>
+    <p:sldId id="394" r:id="rId22"/>
+    <p:sldId id="386" r:id="rId23"/>
+    <p:sldId id="387" r:id="rId24"/>
+    <p:sldId id="379" r:id="rId25"/>
   </p:sldIdLst>
   <p:sldSz cx="12192000" cy="6858000"/>
   <p:notesSz cx="9866313" cy="6735763"/>
@@ -146,6 +147,7 @@
             <p14:sldId id="392"/>
             <p14:sldId id="399"/>
             <p14:sldId id="402"/>
+            <p14:sldId id="408"/>
             <p14:sldId id="401"/>
             <p14:sldId id="403"/>
             <p14:sldId id="390"/>
@@ -993,7 +995,7 @@
     </p:spTree>
     <p:extLst>
       <p:ext uri="{BB962C8B-B14F-4D97-AF65-F5344CB8AC3E}">
-        <p14:creationId xmlns:p14="http://schemas.microsoft.com/office/powerpoint/2010/main" val="2216164229"/>
+        <p14:creationId xmlns:p14="http://schemas.microsoft.com/office/powerpoint/2010/main" val="9198669"/>
       </p:ext>
     </p:extLst>
   </p:cSld>
@@ -1080,7 +1082,7 @@
     </p:spTree>
     <p:extLst>
       <p:ext uri="{BB962C8B-B14F-4D97-AF65-F5344CB8AC3E}">
-        <p14:creationId xmlns:p14="http://schemas.microsoft.com/office/powerpoint/2010/main" val="1123038979"/>
+        <p14:creationId xmlns:p14="http://schemas.microsoft.com/office/powerpoint/2010/main" val="2216164229"/>
       </p:ext>
     </p:extLst>
   </p:cSld>
@@ -1167,7 +1169,7 @@
     </p:spTree>
     <p:extLst>
       <p:ext uri="{BB962C8B-B14F-4D97-AF65-F5344CB8AC3E}">
-        <p14:creationId xmlns:p14="http://schemas.microsoft.com/office/powerpoint/2010/main" val="137994261"/>
+        <p14:creationId xmlns:p14="http://schemas.microsoft.com/office/powerpoint/2010/main" val="1123038979"/>
       </p:ext>
     </p:extLst>
   </p:cSld>
@@ -1254,7 +1256,7 @@
     </p:spTree>
     <p:extLst>
       <p:ext uri="{BB962C8B-B14F-4D97-AF65-F5344CB8AC3E}">
-        <p14:creationId xmlns:p14="http://schemas.microsoft.com/office/powerpoint/2010/main" val="3168308491"/>
+        <p14:creationId xmlns:p14="http://schemas.microsoft.com/office/powerpoint/2010/main" val="137994261"/>
       </p:ext>
     </p:extLst>
   </p:cSld>
@@ -1341,7 +1343,7 @@
     </p:spTree>
     <p:extLst>
       <p:ext uri="{BB962C8B-B14F-4D97-AF65-F5344CB8AC3E}">
-        <p14:creationId xmlns:p14="http://schemas.microsoft.com/office/powerpoint/2010/main" val="3647111968"/>
+        <p14:creationId xmlns:p14="http://schemas.microsoft.com/office/powerpoint/2010/main" val="3168308491"/>
       </p:ext>
     </p:extLst>
   </p:cSld>
@@ -1428,7 +1430,7 @@
     </p:spTree>
     <p:extLst>
       <p:ext uri="{BB962C8B-B14F-4D97-AF65-F5344CB8AC3E}">
-        <p14:creationId xmlns:p14="http://schemas.microsoft.com/office/powerpoint/2010/main" val="2791961687"/>
+        <p14:creationId xmlns:p14="http://schemas.microsoft.com/office/powerpoint/2010/main" val="3647111968"/>
       </p:ext>
     </p:extLst>
   </p:cSld>
@@ -1515,7 +1517,7 @@
     </p:spTree>
     <p:extLst>
       <p:ext uri="{BB962C8B-B14F-4D97-AF65-F5344CB8AC3E}">
-        <p14:creationId xmlns:p14="http://schemas.microsoft.com/office/powerpoint/2010/main" val="2066045884"/>
+        <p14:creationId xmlns:p14="http://schemas.microsoft.com/office/powerpoint/2010/main" val="2791961687"/>
       </p:ext>
     </p:extLst>
   </p:cSld>
@@ -1702,7 +1704,7 @@
     </p:spTree>
     <p:extLst>
       <p:ext uri="{BB962C8B-B14F-4D97-AF65-F5344CB8AC3E}">
-        <p14:creationId xmlns:p14="http://schemas.microsoft.com/office/powerpoint/2010/main" val="3172512783"/>
+        <p14:creationId xmlns:p14="http://schemas.microsoft.com/office/powerpoint/2010/main" val="2066045884"/>
       </p:ext>
     </p:extLst>
   </p:cSld>
@@ -1758,21 +1760,8 @@
           <a:p>
             <a:r>
               <a:rPr kumimoji="1" lang="ja-JP" altLang="en-US" dirty="0"/>
-              <a:t>背景と問題設定を説明したのち，</a:t>
-            </a:r>
-            <a:r>
-              <a:rPr kumimoji="1" lang="en-US" altLang="ja-JP" dirty="0"/>
-              <a:t>2</a:t>
-            </a:r>
-            <a:r>
-              <a:rPr kumimoji="1" lang="ja-JP" altLang="en-US" dirty="0"/>
-              <a:t>つの実験を基に考察を進める</a:t>
-            </a:r>
-            <a:r>
-              <a:rPr kumimoji="1" lang="en-US" altLang="ja-JP" dirty="0"/>
-              <a:t>(01:00)</a:t>
-            </a:r>
-            <a:endParaRPr kumimoji="1" lang="ja-JP" altLang="en-US" dirty="0"/>
+              <a:t>流体の対象</a:t>
+            </a:r>
           </a:p>
         </p:txBody>
       </p:sp>
@@ -1802,7 +1791,7 @@
     </p:spTree>
     <p:extLst>
       <p:ext uri="{BB962C8B-B14F-4D97-AF65-F5344CB8AC3E}">
-        <p14:creationId xmlns:p14="http://schemas.microsoft.com/office/powerpoint/2010/main" val="2958785849"/>
+        <p14:creationId xmlns:p14="http://schemas.microsoft.com/office/powerpoint/2010/main" val="3172512783"/>
       </p:ext>
     </p:extLst>
   </p:cSld>
@@ -1902,7 +1891,7 @@
     </p:spTree>
     <p:extLst>
       <p:ext uri="{BB962C8B-B14F-4D97-AF65-F5344CB8AC3E}">
-        <p14:creationId xmlns:p14="http://schemas.microsoft.com/office/powerpoint/2010/main" val="3677087837"/>
+        <p14:creationId xmlns:p14="http://schemas.microsoft.com/office/powerpoint/2010/main" val="2958785849"/>
       </p:ext>
     </p:extLst>
   </p:cSld>
@@ -1994,6 +1983,106 @@
             <a:fld id="{0B311EE7-BE1C-474C-B503-D3110B776225}" type="slidenum">
               <a:rPr kumimoji="1" lang="ja-JP" altLang="en-US" smtClean="0"/>
               <a:t>23</a:t>
+            </a:fld>
+            <a:endParaRPr kumimoji="1" lang="ja-JP" altLang="en-US"/>
+          </a:p>
+        </p:txBody>
+      </p:sp>
+    </p:spTree>
+    <p:extLst>
+      <p:ext uri="{BB962C8B-B14F-4D97-AF65-F5344CB8AC3E}">
+        <p14:creationId xmlns:p14="http://schemas.microsoft.com/office/powerpoint/2010/main" val="3677087837"/>
+      </p:ext>
+    </p:extLst>
+  </p:cSld>
+  <p:clrMapOvr>
+    <a:masterClrMapping/>
+  </p:clrMapOvr>
+</p:notes>
+</file>
+
+<file path=ppt/notesSlides/notesSlide24.xml><?xml version="1.0" encoding="utf-8"?>
+<p:notes xmlns:a="http://schemas.openxmlformats.org/drawingml/2006/main" xmlns:r="http://schemas.openxmlformats.org/officeDocument/2006/relationships" xmlns:p="http://schemas.openxmlformats.org/presentationml/2006/main">
+  <p:cSld>
+    <p:spTree>
+      <p:nvGrpSpPr>
+        <p:cNvPr id="1" name=""/>
+        <p:cNvGrpSpPr/>
+        <p:nvPr/>
+      </p:nvGrpSpPr>
+      <p:grpSpPr>
+        <a:xfrm>
+          <a:off x="0" y="0"/>
+          <a:ext cx="0" cy="0"/>
+          <a:chOff x="0" y="0"/>
+          <a:chExt cx="0" cy="0"/>
+        </a:xfrm>
+      </p:grpSpPr>
+      <p:sp>
+        <p:nvSpPr>
+          <p:cNvPr id="2" name="スライド イメージ プレースホルダー 1"/>
+          <p:cNvSpPr>
+            <a:spLocks noGrp="1" noRot="1" noChangeAspect="1"/>
+          </p:cNvSpPr>
+          <p:nvPr>
+            <p:ph type="sldImg"/>
+          </p:nvPr>
+        </p:nvSpPr>
+        <p:spPr/>
+      </p:sp>
+      <p:sp>
+        <p:nvSpPr>
+          <p:cNvPr id="3" name="ノート プレースホルダー 2"/>
+          <p:cNvSpPr>
+            <a:spLocks noGrp="1"/>
+          </p:cNvSpPr>
+          <p:nvPr>
+            <p:ph type="body" idx="1"/>
+          </p:nvPr>
+        </p:nvSpPr>
+        <p:spPr/>
+        <p:txBody>
+          <a:bodyPr/>
+          <a:lstStyle/>
+          <a:p>
+            <a:r>
+              <a:rPr kumimoji="1" lang="ja-JP" altLang="en-US" dirty="0"/>
+              <a:t>背景と問題設定を説明したのち，</a:t>
+            </a:r>
+            <a:r>
+              <a:rPr kumimoji="1" lang="en-US" altLang="ja-JP" dirty="0"/>
+              <a:t>2</a:t>
+            </a:r>
+            <a:r>
+              <a:rPr kumimoji="1" lang="ja-JP" altLang="en-US" dirty="0"/>
+              <a:t>つの実験を基に考察を進める</a:t>
+            </a:r>
+            <a:r>
+              <a:rPr kumimoji="1" lang="en-US" altLang="ja-JP" dirty="0"/>
+              <a:t>(01:00)</a:t>
+            </a:r>
+            <a:endParaRPr kumimoji="1" lang="ja-JP" altLang="en-US" dirty="0"/>
+          </a:p>
+        </p:txBody>
+      </p:sp>
+      <p:sp>
+        <p:nvSpPr>
+          <p:cNvPr id="4" name="スライド番号プレースホルダー 3"/>
+          <p:cNvSpPr>
+            <a:spLocks noGrp="1"/>
+          </p:cNvSpPr>
+          <p:nvPr>
+            <p:ph type="sldNum" sz="quarter" idx="5"/>
+          </p:nvPr>
+        </p:nvSpPr>
+        <p:spPr/>
+        <p:txBody>
+          <a:bodyPr/>
+          <a:lstStyle/>
+          <a:p>
+            <a:fld id="{0B311EE7-BE1C-474C-B503-D3110B776225}" type="slidenum">
+              <a:rPr kumimoji="1" lang="ja-JP" altLang="en-US" smtClean="0"/>
+              <a:t>24</a:t>
             </a:fld>
             <a:endParaRPr kumimoji="1" lang="ja-JP" altLang="en-US"/>
           </a:p>
@@ -6072,8 +6161,8 @@
           </a:p>
         </p:txBody>
       </p:sp>
-      <mc:AlternateContent xmlns:mc="http://schemas.openxmlformats.org/markup-compatibility/2006">
-        <mc:Choice xmlns:a14="http://schemas.microsoft.com/office/drawing/2010/main" Requires="a14">
+      <mc:AlternateContent xmlns:mc="http://schemas.openxmlformats.org/markup-compatibility/2006" xmlns:a14="http://schemas.microsoft.com/office/drawing/2010/main">
+        <mc:Choice Requires="a14">
           <p:sp>
             <p:nvSpPr>
               <p:cNvPr id="3" name="コンテンツ プレースホルダー 2">
@@ -6528,7 +6617,7 @@
             </p:txBody>
           </p:sp>
         </mc:Choice>
-        <mc:Fallback>
+        <mc:Fallback xmlns="">
           <p:sp>
             <p:nvSpPr>
               <p:cNvPr id="3" name="コンテンツ プレースホルダー 2">
@@ -7190,8 +7279,8 @@
           </mc:Fallback>
         </mc:AlternateContent>
       </p:grpSp>
-      <mc:AlternateContent xmlns:mc="http://schemas.openxmlformats.org/markup-compatibility/2006">
-        <mc:Choice xmlns:a14="http://schemas.microsoft.com/office/drawing/2010/main" Requires="a14">
+      <mc:AlternateContent xmlns:mc="http://schemas.openxmlformats.org/markup-compatibility/2006" xmlns:a14="http://schemas.microsoft.com/office/drawing/2010/main">
+        <mc:Choice Requires="a14">
           <p:sp>
             <p:nvSpPr>
               <p:cNvPr id="16" name="テキスト ボックス 15">
@@ -7532,7 +7621,7 @@
             </p:txBody>
           </p:sp>
         </mc:Choice>
-        <mc:Fallback>
+        <mc:Fallback xmlns="">
           <p:sp>
             <p:nvSpPr>
               <p:cNvPr id="16" name="テキスト ボックス 15">
@@ -8189,8 +8278,8 @@
           </a:p>
         </p:txBody>
       </p:sp>
-      <mc:AlternateContent xmlns:mc="http://schemas.openxmlformats.org/markup-compatibility/2006">
-        <mc:Choice xmlns:a14="http://schemas.microsoft.com/office/drawing/2010/main" Requires="a14">
+      <mc:AlternateContent xmlns:mc="http://schemas.openxmlformats.org/markup-compatibility/2006" xmlns:a14="http://schemas.microsoft.com/office/drawing/2010/main">
+        <mc:Choice Requires="a14">
           <p:sp>
             <p:nvSpPr>
               <p:cNvPr id="3" name="コンテンツ プレースホルダー 2">
@@ -9483,7 +9572,7 @@
             </p:txBody>
           </p:sp>
         </mc:Choice>
-        <mc:Fallback>
+        <mc:Fallback xmlns="">
           <p:sp>
             <p:nvSpPr>
               <p:cNvPr id="3" name="コンテンツ プレースホルダー 2">
@@ -9613,306 +9702,2358 @@
             </a:r>
             <a:r>
               <a:rPr kumimoji="1" lang="en-US" altLang="ja-JP" dirty="0"/>
-              <a:t>.3	MUSCL</a:t>
+              <a:t>.2.5	</a:t>
             </a:r>
             <a:r>
               <a:rPr kumimoji="1" lang="ja-JP" altLang="en-US" dirty="0"/>
-              <a:t>と</a:t>
-            </a:r>
-            <a:r>
-              <a:rPr lang="en-US" altLang="ja-JP" dirty="0"/>
-              <a:t>TVD</a:t>
-            </a:r>
-            <a:r>
-              <a:rPr lang="ja-JP" altLang="en-US" dirty="0"/>
-              <a:t>条件（</a:t>
-            </a:r>
-            <a:r>
-              <a:rPr lang="en-US" altLang="ja-JP" dirty="0"/>
-              <a:t>1/2</a:t>
-            </a:r>
-            <a:r>
-              <a:rPr lang="ja-JP" altLang="en-US" dirty="0"/>
-              <a:t>）</a:t>
-            </a:r>
-            <a:endParaRPr kumimoji="1" lang="ja-JP" altLang="en-US" dirty="0"/>
+              <a:t>近似</a:t>
+            </a:r>
+            <a:r>
+              <a:rPr kumimoji="1" lang="en-US" altLang="ja-JP" dirty="0"/>
+              <a:t>Riemann</a:t>
+            </a:r>
+            <a:r>
+              <a:rPr kumimoji="1" lang="ja-JP" altLang="en-US" dirty="0"/>
+              <a:t>ソルバーの一例</a:t>
+            </a:r>
           </a:p>
         </p:txBody>
       </p:sp>
-      <p:sp>
-        <p:nvSpPr>
-          <p:cNvPr id="3" name="コンテンツ プレースホルダー 2">
-            <a:extLst>
-              <a:ext uri="{FF2B5EF4-FFF2-40B4-BE49-F238E27FC236}">
-                <a16:creationId xmlns:a16="http://schemas.microsoft.com/office/drawing/2014/main" id="{E28381EC-519A-4A56-A509-7063CC47E794}"/>
-              </a:ext>
-            </a:extLst>
-          </p:cNvPr>
-          <p:cNvSpPr>
-            <a:spLocks noGrp="1"/>
-          </p:cNvSpPr>
-          <p:nvPr>
-            <p:ph idx="1"/>
-          </p:nvPr>
-        </p:nvSpPr>
-        <p:spPr>
-          <a:xfrm>
-            <a:off x="838200" y="1825624"/>
-            <a:ext cx="10515600" cy="5032375"/>
-          </a:xfrm>
-        </p:spPr>
-        <p:txBody>
-          <a:bodyPr>
-            <a:normAutofit/>
-          </a:bodyPr>
-          <a:lstStyle/>
-          <a:p>
-            <a:pPr marL="0" indent="0">
-              <a:buNone/>
-            </a:pPr>
-            <a:r>
-              <a:rPr lang="en-US" altLang="ja-JP" sz="2400" dirty="0">
-                <a:latin typeface="游明朝" panose="02020400000000000000" pitchFamily="18" charset="-128"/>
-                <a:ea typeface="游明朝" panose="02020400000000000000" pitchFamily="18" charset="-128"/>
-              </a:rPr>
-              <a:t>Monotone Upwind Scheme for Conversation Laws</a:t>
-            </a:r>
-          </a:p>
-          <a:p>
-            <a:pPr marL="0" indent="0">
-              <a:buNone/>
-            </a:pPr>
-            <a:r>
-              <a:rPr lang="en-US" altLang="ja-JP" sz="2400" dirty="0">
-                <a:latin typeface="游明朝" panose="02020400000000000000" pitchFamily="18" charset="-128"/>
-                <a:ea typeface="游明朝" panose="02020400000000000000" pitchFamily="18" charset="-128"/>
-              </a:rPr>
-              <a:t>	</a:t>
-            </a:r>
-            <a:r>
-              <a:rPr lang="ja-JP" altLang="en-US" sz="2400" dirty="0">
-                <a:latin typeface="游明朝" panose="02020400000000000000" pitchFamily="18" charset="-128"/>
-                <a:ea typeface="游明朝" panose="02020400000000000000" pitchFamily="18" charset="-128"/>
-              </a:rPr>
-              <a:t>保存則のための単調風上スキーム</a:t>
-            </a:r>
-            <a:endParaRPr lang="en-US" altLang="ja-JP" sz="2400" dirty="0">
-              <a:latin typeface="游明朝" panose="02020400000000000000" pitchFamily="18" charset="-128"/>
-              <a:ea typeface="游明朝" panose="02020400000000000000" pitchFamily="18" charset="-128"/>
-            </a:endParaRPr>
-          </a:p>
-          <a:p>
-            <a:pPr marL="0" indent="0">
-              <a:buNone/>
-            </a:pPr>
-            <a:r>
-              <a:rPr lang="en-US" altLang="ja-JP" sz="2400" dirty="0">
-                <a:latin typeface="游明朝" panose="02020400000000000000" pitchFamily="18" charset="-128"/>
-                <a:ea typeface="游明朝" panose="02020400000000000000" pitchFamily="18" charset="-128"/>
-              </a:rPr>
-              <a:t>	</a:t>
-            </a:r>
-            <a:r>
-              <a:rPr lang="ja-JP" altLang="en-US" sz="2400" dirty="0">
-                <a:latin typeface="游明朝" panose="02020400000000000000" pitchFamily="18" charset="-128"/>
-                <a:ea typeface="游明朝" panose="02020400000000000000" pitchFamily="18" charset="-128"/>
-              </a:rPr>
-              <a:t>高次精度化のために離散点から滑らかな値を補間する手法</a:t>
-            </a:r>
-            <a:endParaRPr lang="en-US" altLang="ja-JP" sz="2400" dirty="0">
-              <a:latin typeface="游明朝" panose="02020400000000000000" pitchFamily="18" charset="-128"/>
-              <a:ea typeface="游明朝" panose="02020400000000000000" pitchFamily="18" charset="-128"/>
-            </a:endParaRPr>
-          </a:p>
-          <a:p>
-            <a:pPr marL="0" indent="0">
-              <a:buNone/>
-            </a:pPr>
-            <a:endParaRPr lang="en-US" altLang="ja-JP" sz="2400" dirty="0">
-              <a:latin typeface="游明朝" panose="02020400000000000000" pitchFamily="18" charset="-128"/>
-              <a:ea typeface="游明朝" panose="02020400000000000000" pitchFamily="18" charset="-128"/>
-            </a:endParaRPr>
-          </a:p>
-          <a:p>
-            <a:pPr marL="0" indent="0">
-              <a:buNone/>
-            </a:pPr>
-            <a:r>
-              <a:rPr lang="en-US" altLang="ja-JP" sz="2400" dirty="0">
-                <a:latin typeface="游明朝" panose="02020400000000000000" pitchFamily="18" charset="-128"/>
-                <a:ea typeface="游明朝" panose="02020400000000000000" pitchFamily="18" charset="-128"/>
-              </a:rPr>
-              <a:t>Total Variation Diminishing</a:t>
-            </a:r>
-            <a:r>
-              <a:rPr lang="ja-JP" altLang="en-US" sz="2400" dirty="0">
-                <a:latin typeface="游明朝" panose="02020400000000000000" pitchFamily="18" charset="-128"/>
-                <a:ea typeface="游明朝" panose="02020400000000000000" pitchFamily="18" charset="-128"/>
-              </a:rPr>
-              <a:t>条件</a:t>
-            </a:r>
-            <a:endParaRPr lang="en-US" altLang="ja-JP" sz="2400" dirty="0">
-              <a:latin typeface="游明朝" panose="02020400000000000000" pitchFamily="18" charset="-128"/>
-              <a:ea typeface="游明朝" panose="02020400000000000000" pitchFamily="18" charset="-128"/>
-            </a:endParaRPr>
-          </a:p>
-          <a:p>
-            <a:pPr marL="0" indent="0">
-              <a:buNone/>
-            </a:pPr>
-            <a:r>
-              <a:rPr lang="en-US" altLang="ja-JP" sz="2400" dirty="0">
-                <a:latin typeface="游明朝" panose="02020400000000000000" pitchFamily="18" charset="-128"/>
-                <a:ea typeface="游明朝" panose="02020400000000000000" pitchFamily="18" charset="-128"/>
-              </a:rPr>
-              <a:t>	</a:t>
-            </a:r>
-            <a:r>
-              <a:rPr lang="ja-JP" altLang="en-US" sz="2400" dirty="0">
-                <a:latin typeface="游明朝" panose="02020400000000000000" pitchFamily="18" charset="-128"/>
-                <a:ea typeface="游明朝" panose="02020400000000000000" pitchFamily="18" charset="-128"/>
-              </a:rPr>
-              <a:t>・全変動量減少条件</a:t>
-            </a:r>
-            <a:endParaRPr lang="en-US" altLang="ja-JP" sz="2400" dirty="0">
-              <a:latin typeface="游明朝" panose="02020400000000000000" pitchFamily="18" charset="-128"/>
-              <a:ea typeface="游明朝" panose="02020400000000000000" pitchFamily="18" charset="-128"/>
-            </a:endParaRPr>
-          </a:p>
-          <a:p>
-            <a:pPr marL="0" indent="0">
-              <a:buNone/>
-            </a:pPr>
-            <a:r>
-              <a:rPr lang="en-US" altLang="ja-JP" sz="2400" dirty="0">
-                <a:latin typeface="游明朝" panose="02020400000000000000" pitchFamily="18" charset="-128"/>
-                <a:ea typeface="游明朝" panose="02020400000000000000" pitchFamily="18" charset="-128"/>
-              </a:rPr>
-              <a:t>	</a:t>
-            </a:r>
-            <a:r>
-              <a:rPr lang="ja-JP" altLang="en-US" sz="2400" dirty="0">
-                <a:latin typeface="游明朝" panose="02020400000000000000" pitchFamily="18" charset="-128"/>
-                <a:ea typeface="游明朝" panose="02020400000000000000" pitchFamily="18" charset="-128"/>
-              </a:rPr>
-              <a:t>・上記の補完を行う際に</a:t>
-            </a:r>
-            <a:r>
-              <a:rPr lang="en-US" altLang="ja-JP" sz="2400" dirty="0">
-                <a:latin typeface="游明朝" panose="02020400000000000000" pitchFamily="18" charset="-128"/>
-                <a:ea typeface="游明朝" panose="02020400000000000000" pitchFamily="18" charset="-128"/>
-              </a:rPr>
-              <a:t>Over/Under shoot</a:t>
-            </a:r>
-            <a:r>
-              <a:rPr lang="ja-JP" altLang="en-US" sz="2400" dirty="0">
-                <a:latin typeface="游明朝" panose="02020400000000000000" pitchFamily="18" charset="-128"/>
-                <a:ea typeface="游明朝" panose="02020400000000000000" pitchFamily="18" charset="-128"/>
-              </a:rPr>
-              <a:t>を回避するための条件</a:t>
-            </a:r>
-            <a:endParaRPr lang="en-US" altLang="ja-JP" sz="2400" dirty="0">
-              <a:latin typeface="游明朝" panose="02020400000000000000" pitchFamily="18" charset="-128"/>
-              <a:ea typeface="游明朝" panose="02020400000000000000" pitchFamily="18" charset="-128"/>
-            </a:endParaRPr>
-          </a:p>
-          <a:p>
-            <a:pPr marL="0" indent="0">
-              <a:buNone/>
-            </a:pPr>
-            <a:endParaRPr lang="en-US" altLang="ja-JP" sz="2400" dirty="0">
-              <a:latin typeface="游明朝" panose="02020400000000000000" pitchFamily="18" charset="-128"/>
-              <a:ea typeface="游明朝" panose="02020400000000000000" pitchFamily="18" charset="-128"/>
-            </a:endParaRPr>
-          </a:p>
-          <a:p>
-            <a:pPr marL="0" indent="0">
-              <a:buNone/>
-            </a:pPr>
-            <a:r>
-              <a:rPr lang="en-US" altLang="ja-JP" sz="2400" dirty="0">
-                <a:latin typeface="游明朝" panose="02020400000000000000" pitchFamily="18" charset="-128"/>
-                <a:ea typeface="游明朝" panose="02020400000000000000" pitchFamily="18" charset="-128"/>
-              </a:rPr>
-              <a:t>Flux Limiter Function</a:t>
-            </a:r>
-            <a:r>
-              <a:rPr lang="ja-JP" altLang="en-US" sz="2400" dirty="0">
-                <a:latin typeface="游明朝" panose="02020400000000000000" pitchFamily="18" charset="-128"/>
-                <a:ea typeface="游明朝" panose="02020400000000000000" pitchFamily="18" charset="-128"/>
-              </a:rPr>
-              <a:t>（流束制限関数）</a:t>
-            </a:r>
-            <a:endParaRPr lang="en-US" altLang="ja-JP" sz="2400" dirty="0">
-              <a:latin typeface="游明朝" panose="02020400000000000000" pitchFamily="18" charset="-128"/>
-              <a:ea typeface="游明朝" panose="02020400000000000000" pitchFamily="18" charset="-128"/>
-            </a:endParaRPr>
-          </a:p>
-          <a:p>
-            <a:pPr marL="0" indent="0">
-              <a:buNone/>
-            </a:pPr>
-            <a:r>
-              <a:rPr lang="en-US" altLang="ja-JP" sz="2400" dirty="0">
-                <a:latin typeface="游明朝" panose="02020400000000000000" pitchFamily="18" charset="-128"/>
-                <a:ea typeface="游明朝" panose="02020400000000000000" pitchFamily="18" charset="-128"/>
-              </a:rPr>
-              <a:t>	</a:t>
-            </a:r>
-            <a:r>
-              <a:rPr lang="ja-JP" altLang="en-US" sz="2400" dirty="0">
-                <a:latin typeface="游明朝" panose="02020400000000000000" pitchFamily="18" charset="-128"/>
-                <a:ea typeface="游明朝" panose="02020400000000000000" pitchFamily="18" charset="-128"/>
-              </a:rPr>
-              <a:t>・補間関数への</a:t>
-            </a:r>
-            <a:r>
-              <a:rPr lang="en-US" altLang="ja-JP" sz="2400" dirty="0">
-                <a:latin typeface="游明朝" panose="02020400000000000000" pitchFamily="18" charset="-128"/>
-                <a:ea typeface="游明朝" panose="02020400000000000000" pitchFamily="18" charset="-128"/>
-              </a:rPr>
-              <a:t>TVD</a:t>
-            </a:r>
-            <a:r>
-              <a:rPr lang="ja-JP" altLang="en-US" sz="2400" dirty="0">
-                <a:latin typeface="游明朝" panose="02020400000000000000" pitchFamily="18" charset="-128"/>
-                <a:ea typeface="游明朝" panose="02020400000000000000" pitchFamily="18" charset="-128"/>
-              </a:rPr>
-              <a:t>条件の付与</a:t>
-            </a:r>
-            <a:endParaRPr lang="en-US" altLang="ja-JP" sz="2400" dirty="0">
-              <a:latin typeface="游明朝" panose="02020400000000000000" pitchFamily="18" charset="-128"/>
-              <a:ea typeface="游明朝" panose="02020400000000000000" pitchFamily="18" charset="-128"/>
-            </a:endParaRPr>
-          </a:p>
-          <a:p>
-            <a:pPr marL="0" indent="0">
-              <a:buNone/>
-            </a:pPr>
-            <a:r>
-              <a:rPr lang="en-US" altLang="ja-JP" sz="2400" dirty="0">
-                <a:latin typeface="游明朝" panose="02020400000000000000" pitchFamily="18" charset="-128"/>
-                <a:ea typeface="游明朝" panose="02020400000000000000" pitchFamily="18" charset="-128"/>
-              </a:rPr>
-              <a:t>	</a:t>
-            </a:r>
-            <a:r>
-              <a:rPr lang="ja-JP" altLang="en-US" sz="2400" dirty="0">
-                <a:latin typeface="游明朝" panose="02020400000000000000" pitchFamily="18" charset="-128"/>
-                <a:ea typeface="游明朝" panose="02020400000000000000" pitchFamily="18" charset="-128"/>
-              </a:rPr>
-              <a:t>・衝撃波波面の補間を防ぐ</a:t>
-            </a:r>
-            <a:r>
-              <a:rPr lang="en-US" altLang="ja-JP" sz="2400" dirty="0">
-                <a:latin typeface="游明朝" panose="02020400000000000000" pitchFamily="18" charset="-128"/>
-                <a:ea typeface="游明朝" panose="02020400000000000000" pitchFamily="18" charset="-128"/>
-              </a:rPr>
-              <a:t>	</a:t>
-            </a:r>
-          </a:p>
-        </p:txBody>
-      </p:sp>
+      <mc:AlternateContent xmlns:mc="http://schemas.openxmlformats.org/markup-compatibility/2006">
+        <mc:Choice xmlns:a14="http://schemas.microsoft.com/office/drawing/2010/main" Requires="a14">
+          <p:sp>
+            <p:nvSpPr>
+              <p:cNvPr id="3" name="コンテンツ プレースホルダー 2">
+                <a:extLst>
+                  <a:ext uri="{FF2B5EF4-FFF2-40B4-BE49-F238E27FC236}">
+                    <a16:creationId xmlns:a16="http://schemas.microsoft.com/office/drawing/2014/main" id="{E28381EC-519A-4A56-A509-7063CC47E794}"/>
+                  </a:ext>
+                </a:extLst>
+              </p:cNvPr>
+              <p:cNvSpPr>
+                <a:spLocks noGrp="1"/>
+              </p:cNvSpPr>
+              <p:nvPr>
+                <p:ph idx="1"/>
+              </p:nvPr>
+            </p:nvSpPr>
+            <p:spPr>
+              <a:xfrm>
+                <a:off x="838200" y="1825625"/>
+                <a:ext cx="10515600" cy="4895850"/>
+              </a:xfrm>
+            </p:spPr>
+            <p:txBody>
+              <a:bodyPr>
+                <a:normAutofit fontScale="85000" lnSpcReduction="20000"/>
+              </a:bodyPr>
+              <a:lstStyle/>
+              <a:p>
+                <a:pPr marL="0" indent="0">
+                  <a:buNone/>
+                </a:pPr>
+                <a14:m>
+                  <m:oMathPara xmlns:m="http://schemas.openxmlformats.org/officeDocument/2006/math">
+                    <m:oMathParaPr>
+                      <m:jc m:val="centerGroup"/>
+                    </m:oMathParaPr>
+                    <m:oMath xmlns:m="http://schemas.openxmlformats.org/officeDocument/2006/math">
+                      <m:d>
+                        <m:dPr>
+                          <m:begChr m:val="|"/>
+                          <m:endChr m:val="|"/>
+                          <m:ctrlPr>
+                            <a:rPr lang="en-US" altLang="ja-JP" sz="2400" i="1" smtClean="0">
+                              <a:latin typeface="Cambria Math" panose="02040503050406030204" pitchFamily="18" charset="0"/>
+                              <a:ea typeface="游明朝" panose="02020400000000000000" pitchFamily="18" charset="-128"/>
+                            </a:rPr>
+                          </m:ctrlPr>
+                        </m:dPr>
+                        <m:e>
+                          <m:r>
+                            <a:rPr lang="en-US" altLang="ja-JP" sz="2400" i="1">
+                              <a:latin typeface="Cambria Math" panose="02040503050406030204" pitchFamily="18" charset="0"/>
+                              <a:ea typeface="游明朝" panose="02020400000000000000" pitchFamily="18" charset="-128"/>
+                            </a:rPr>
+                            <m:t>𝛬</m:t>
+                          </m:r>
+                        </m:e>
+                      </m:d>
+                      <m:r>
+                        <a:rPr lang="en-US" altLang="ja-JP" sz="2400" b="0" i="1" smtClean="0">
+                          <a:latin typeface="Cambria Math" panose="02040503050406030204" pitchFamily="18" charset="0"/>
+                          <a:ea typeface="游明朝" panose="02020400000000000000" pitchFamily="18" charset="-128"/>
+                        </a:rPr>
+                        <m:t>=</m:t>
+                      </m:r>
+                      <m:d>
+                        <m:dPr>
+                          <m:begChr m:val="["/>
+                          <m:endChr m:val="]"/>
+                          <m:ctrlPr>
+                            <a:rPr lang="en-US" altLang="ja-JP" sz="2400" i="1">
+                              <a:latin typeface="Cambria Math" panose="02040503050406030204" pitchFamily="18" charset="0"/>
+                            </a:rPr>
+                          </m:ctrlPr>
+                        </m:dPr>
+                        <m:e>
+                          <m:m>
+                            <m:mPr>
+                              <m:mcs>
+                                <m:mc>
+                                  <m:mcPr>
+                                    <m:count m:val="3"/>
+                                    <m:mcJc m:val="center"/>
+                                  </m:mcPr>
+                                </m:mc>
+                              </m:mcs>
+                              <m:ctrlPr>
+                                <a:rPr lang="en-US" altLang="ja-JP" sz="2400" i="1" smtClean="0">
+                                  <a:latin typeface="Cambria Math" panose="02040503050406030204" pitchFamily="18" charset="0"/>
+                                </a:rPr>
+                              </m:ctrlPr>
+                            </m:mPr>
+                            <m:mr>
+                              <m:e>
+                                <m:r>
+                                  <a:rPr lang="en-US" altLang="ja-JP" sz="2400" b="0" i="1" smtClean="0">
+                                    <a:latin typeface="Cambria Math" panose="02040503050406030204" pitchFamily="18" charset="0"/>
+                                  </a:rPr>
+                                  <m:t>𝜙</m:t>
+                                </m:r>
+                                <m:d>
+                                  <m:dPr>
+                                    <m:ctrlPr>
+                                      <a:rPr lang="en-US" altLang="ja-JP" sz="2400" b="0" i="1" smtClean="0">
+                                        <a:latin typeface="Cambria Math" panose="02040503050406030204" pitchFamily="18" charset="0"/>
+                                      </a:rPr>
+                                    </m:ctrlPr>
+                                  </m:dPr>
+                                  <m:e>
+                                    <m:d>
+                                      <m:dPr>
+                                        <m:begChr m:val="|"/>
+                                        <m:endChr m:val="|"/>
+                                        <m:ctrlPr>
+                                          <a:rPr lang="en-US" altLang="ja-JP" sz="2400" i="1">
+                                            <a:latin typeface="Cambria Math" panose="02040503050406030204" pitchFamily="18" charset="0"/>
+                                          </a:rPr>
+                                        </m:ctrlPr>
+                                      </m:dPr>
+                                      <m:e>
+                                        <m:r>
+                                          <a:rPr lang="en-US" altLang="ja-JP" sz="2400" i="1">
+                                            <a:latin typeface="Cambria Math" panose="02040503050406030204" pitchFamily="18" charset="0"/>
+                                          </a:rPr>
+                                          <m:t>𝑢</m:t>
+                                        </m:r>
+                                        <m:r>
+                                          <a:rPr lang="en-US" altLang="ja-JP" sz="2400" i="1">
+                                            <a:latin typeface="Cambria Math" panose="02040503050406030204" pitchFamily="18" charset="0"/>
+                                          </a:rPr>
+                                          <m:t>−</m:t>
+                                        </m:r>
+                                        <m:r>
+                                          <a:rPr lang="en-US" altLang="ja-JP" sz="2400" i="1">
+                                            <a:latin typeface="Cambria Math" panose="02040503050406030204" pitchFamily="18" charset="0"/>
+                                          </a:rPr>
+                                          <m:t>𝑐</m:t>
+                                        </m:r>
+                                      </m:e>
+                                    </m:d>
+                                  </m:e>
+                                </m:d>
+                              </m:e>
+                              <m:e>
+                                <m:r>
+                                  <a:rPr lang="en-US" altLang="ja-JP" sz="2400" b="0" i="1" smtClean="0">
+                                    <a:latin typeface="Cambria Math" panose="02040503050406030204" pitchFamily="18" charset="0"/>
+                                  </a:rPr>
+                                  <m:t>0</m:t>
+                                </m:r>
+                              </m:e>
+                              <m:e>
+                                <m:r>
+                                  <a:rPr lang="en-US" altLang="ja-JP" sz="2400" b="0" i="1" smtClean="0">
+                                    <a:latin typeface="Cambria Math" panose="02040503050406030204" pitchFamily="18" charset="0"/>
+                                  </a:rPr>
+                                  <m:t>0</m:t>
+                                </m:r>
+                              </m:e>
+                            </m:mr>
+                            <m:mr>
+                              <m:e>
+                                <m:r>
+                                  <a:rPr lang="en-US" altLang="ja-JP" sz="2400" b="0" i="1" smtClean="0">
+                                    <a:latin typeface="Cambria Math" panose="02040503050406030204" pitchFamily="18" charset="0"/>
+                                  </a:rPr>
+                                  <m:t>0</m:t>
+                                </m:r>
+                              </m:e>
+                              <m:e>
+                                <m:r>
+                                  <a:rPr lang="en-US" altLang="ja-JP" sz="2400" b="0" i="1" smtClean="0">
+                                    <a:latin typeface="Cambria Math" panose="02040503050406030204" pitchFamily="18" charset="0"/>
+                                  </a:rPr>
+                                  <m:t>𝜙</m:t>
+                                </m:r>
+                                <m:d>
+                                  <m:dPr>
+                                    <m:ctrlPr>
+                                      <a:rPr lang="en-US" altLang="ja-JP" sz="2400" b="0" i="1" smtClean="0">
+                                        <a:latin typeface="Cambria Math" panose="02040503050406030204" pitchFamily="18" charset="0"/>
+                                      </a:rPr>
+                                    </m:ctrlPr>
+                                  </m:dPr>
+                                  <m:e>
+                                    <m:d>
+                                      <m:dPr>
+                                        <m:begChr m:val="|"/>
+                                        <m:endChr m:val="|"/>
+                                        <m:ctrlPr>
+                                          <a:rPr lang="en-US" altLang="ja-JP" sz="2400" i="1">
+                                            <a:latin typeface="Cambria Math" panose="02040503050406030204" pitchFamily="18" charset="0"/>
+                                          </a:rPr>
+                                        </m:ctrlPr>
+                                      </m:dPr>
+                                      <m:e>
+                                        <m:r>
+                                          <a:rPr lang="en-US" altLang="ja-JP" sz="2400" i="1">
+                                            <a:latin typeface="Cambria Math" panose="02040503050406030204" pitchFamily="18" charset="0"/>
+                                          </a:rPr>
+                                          <m:t>𝑢</m:t>
+                                        </m:r>
+                                      </m:e>
+                                    </m:d>
+                                  </m:e>
+                                </m:d>
+                              </m:e>
+                              <m:e>
+                                <m:r>
+                                  <a:rPr lang="en-US" altLang="ja-JP" sz="2400" b="0" i="1" smtClean="0">
+                                    <a:latin typeface="Cambria Math" panose="02040503050406030204" pitchFamily="18" charset="0"/>
+                                  </a:rPr>
+                                  <m:t>0</m:t>
+                                </m:r>
+                              </m:e>
+                            </m:mr>
+                            <m:mr>
+                              <m:e>
+                                <m:r>
+                                  <a:rPr lang="en-US" altLang="ja-JP" sz="2400" b="0" i="1" smtClean="0">
+                                    <a:latin typeface="Cambria Math" panose="02040503050406030204" pitchFamily="18" charset="0"/>
+                                  </a:rPr>
+                                  <m:t>0</m:t>
+                                </m:r>
+                              </m:e>
+                              <m:e>
+                                <m:r>
+                                  <a:rPr lang="en-US" altLang="ja-JP" sz="2400" b="0" i="1" smtClean="0">
+                                    <a:latin typeface="Cambria Math" panose="02040503050406030204" pitchFamily="18" charset="0"/>
+                                  </a:rPr>
+                                  <m:t>0</m:t>
+                                </m:r>
+                              </m:e>
+                              <m:e>
+                                <m:r>
+                                  <a:rPr lang="en-US" altLang="ja-JP" sz="2400" b="0" i="1" smtClean="0">
+                                    <a:latin typeface="Cambria Math" panose="02040503050406030204" pitchFamily="18" charset="0"/>
+                                  </a:rPr>
+                                  <m:t>𝜙</m:t>
+                                </m:r>
+                                <m:d>
+                                  <m:dPr>
+                                    <m:ctrlPr>
+                                      <a:rPr lang="en-US" altLang="ja-JP" sz="2400" b="0" i="1" smtClean="0">
+                                        <a:latin typeface="Cambria Math" panose="02040503050406030204" pitchFamily="18" charset="0"/>
+                                      </a:rPr>
+                                    </m:ctrlPr>
+                                  </m:dPr>
+                                  <m:e>
+                                    <m:d>
+                                      <m:dPr>
+                                        <m:begChr m:val="|"/>
+                                        <m:endChr m:val="|"/>
+                                        <m:ctrlPr>
+                                          <a:rPr lang="en-US" altLang="ja-JP" sz="2400" i="1">
+                                            <a:latin typeface="Cambria Math" panose="02040503050406030204" pitchFamily="18" charset="0"/>
+                                          </a:rPr>
+                                        </m:ctrlPr>
+                                      </m:dPr>
+                                      <m:e>
+                                        <m:r>
+                                          <a:rPr lang="en-US" altLang="ja-JP" sz="2400" i="1">
+                                            <a:latin typeface="Cambria Math" panose="02040503050406030204" pitchFamily="18" charset="0"/>
+                                          </a:rPr>
+                                          <m:t>𝑢</m:t>
+                                        </m:r>
+                                        <m:r>
+                                          <a:rPr lang="en-US" altLang="ja-JP" sz="2400" i="1">
+                                            <a:latin typeface="Cambria Math" panose="02040503050406030204" pitchFamily="18" charset="0"/>
+                                          </a:rPr>
+                                          <m:t>+</m:t>
+                                        </m:r>
+                                        <m:r>
+                                          <a:rPr lang="en-US" altLang="ja-JP" sz="2400" i="1">
+                                            <a:latin typeface="Cambria Math" panose="02040503050406030204" pitchFamily="18" charset="0"/>
+                                          </a:rPr>
+                                          <m:t>𝑐</m:t>
+                                        </m:r>
+                                      </m:e>
+                                    </m:d>
+                                  </m:e>
+                                </m:d>
+                              </m:e>
+                            </m:mr>
+                          </m:m>
+                        </m:e>
+                      </m:d>
+                      <m:r>
+                        <a:rPr lang="en-US" altLang="ja-JP" sz="2400" b="0" i="1" smtClean="0">
+                          <a:latin typeface="Cambria Math" panose="02040503050406030204" pitchFamily="18" charset="0"/>
+                        </a:rPr>
+                        <m:t>,  </m:t>
+                      </m:r>
+                      <m:r>
+                        <a:rPr lang="en-US" altLang="ja-JP" sz="2400" b="0" i="1" smtClean="0">
+                          <a:latin typeface="Cambria Math" panose="02040503050406030204" pitchFamily="18" charset="0"/>
+                        </a:rPr>
+                        <m:t>𝜙</m:t>
+                      </m:r>
+                      <m:d>
+                        <m:dPr>
+                          <m:ctrlPr>
+                            <a:rPr lang="en-US" altLang="ja-JP" sz="2400" b="0" i="1" smtClean="0">
+                              <a:latin typeface="Cambria Math" panose="02040503050406030204" pitchFamily="18" charset="0"/>
+                            </a:rPr>
+                          </m:ctrlPr>
+                        </m:dPr>
+                        <m:e>
+                          <m:r>
+                            <a:rPr lang="en-US" altLang="ja-JP" sz="2400" b="0" i="1" smtClean="0">
+                              <a:latin typeface="Cambria Math" panose="02040503050406030204" pitchFamily="18" charset="0"/>
+                            </a:rPr>
+                            <m:t>𝑥</m:t>
+                          </m:r>
+                          <m:r>
+                            <a:rPr lang="en-US" altLang="ja-JP" sz="2400" b="0" i="1" smtClean="0">
+                              <a:latin typeface="Cambria Math" panose="02040503050406030204" pitchFamily="18" charset="0"/>
+                            </a:rPr>
+                            <m:t>|</m:t>
+                          </m:r>
+                          <m:r>
+                            <a:rPr lang="en-US" altLang="ja-JP" sz="2400" b="0" i="1" smtClean="0">
+                              <a:latin typeface="Cambria Math" panose="02040503050406030204" pitchFamily="18" charset="0"/>
+                            </a:rPr>
+                            <m:t>𝜀</m:t>
+                          </m:r>
+                        </m:e>
+                      </m:d>
+                      <m:r>
+                        <a:rPr lang="en-US" altLang="ja-JP" sz="2400" b="0" i="1" smtClean="0">
+                          <a:latin typeface="Cambria Math" panose="02040503050406030204" pitchFamily="18" charset="0"/>
+                        </a:rPr>
+                        <m:t>=</m:t>
+                      </m:r>
+                      <m:d>
+                        <m:dPr>
+                          <m:begChr m:val="{"/>
+                          <m:endChr m:val=""/>
+                          <m:ctrlPr>
+                            <a:rPr lang="en-US" altLang="ja-JP" sz="2400" b="0" i="1" smtClean="0">
+                              <a:latin typeface="Cambria Math" panose="02040503050406030204" pitchFamily="18" charset="0"/>
+                            </a:rPr>
+                          </m:ctrlPr>
+                        </m:dPr>
+                        <m:e>
+                          <m:eqArr>
+                            <m:eqArrPr>
+                              <m:ctrlPr>
+                                <a:rPr lang="en-US" altLang="ja-JP" sz="2400" b="0" i="1" smtClean="0">
+                                  <a:latin typeface="Cambria Math" panose="02040503050406030204" pitchFamily="18" charset="0"/>
+                                </a:rPr>
+                              </m:ctrlPr>
+                            </m:eqArrPr>
+                            <m:e>
+                              <m:r>
+                                <a:rPr lang="en-US" altLang="ja-JP" sz="2400" b="0" i="1" smtClean="0">
+                                  <a:latin typeface="Cambria Math" panose="02040503050406030204" pitchFamily="18" charset="0"/>
+                                </a:rPr>
+                                <m:t>𝑥</m:t>
+                              </m:r>
+                              <m:r>
+                                <a:rPr lang="en-US" altLang="ja-JP" sz="2400" b="0" i="1" smtClean="0">
+                                  <a:latin typeface="Cambria Math" panose="02040503050406030204" pitchFamily="18" charset="0"/>
+                                </a:rPr>
+                                <m:t>,  </m:t>
+                              </m:r>
+                              <m:r>
+                                <a:rPr lang="en-US" altLang="ja-JP" sz="2400" b="0" i="1" smtClean="0">
+                                  <a:latin typeface="Cambria Math" panose="02040503050406030204" pitchFamily="18" charset="0"/>
+                                </a:rPr>
+                                <m:t>𝑥</m:t>
+                              </m:r>
+                              <m:r>
+                                <a:rPr lang="en-US" altLang="ja-JP" sz="2400" b="0" i="1" smtClean="0">
+                                  <a:latin typeface="Cambria Math" panose="02040503050406030204" pitchFamily="18" charset="0"/>
+                                </a:rPr>
+                                <m:t>≥</m:t>
+                              </m:r>
+                              <m:r>
+                                <a:rPr lang="en-US" altLang="ja-JP" sz="2400" b="0" i="1" smtClean="0">
+                                  <a:latin typeface="Cambria Math" panose="02040503050406030204" pitchFamily="18" charset="0"/>
+                                </a:rPr>
+                                <m:t>𝜀</m:t>
+                              </m:r>
+                            </m:e>
+                            <m:e>
+                              <m:r>
+                                <a:rPr lang="en-US" altLang="ja-JP" sz="2400" b="0" i="1" smtClean="0">
+                                  <a:latin typeface="Cambria Math" panose="02040503050406030204" pitchFamily="18" charset="0"/>
+                                </a:rPr>
+                                <m:t>&amp;</m:t>
+                              </m:r>
+                              <m:f>
+                                <m:fPr>
+                                  <m:ctrlPr>
+                                    <a:rPr lang="en-US" altLang="ja-JP" sz="2400" b="0" i="1" smtClean="0">
+                                      <a:latin typeface="Cambria Math" panose="02040503050406030204" pitchFamily="18" charset="0"/>
+                                    </a:rPr>
+                                  </m:ctrlPr>
+                                </m:fPr>
+                                <m:num>
+                                  <m:sSup>
+                                    <m:sSupPr>
+                                      <m:ctrlPr>
+                                        <a:rPr lang="en-US" altLang="ja-JP" sz="2400" b="0" i="1" smtClean="0">
+                                          <a:latin typeface="Cambria Math" panose="02040503050406030204" pitchFamily="18" charset="0"/>
+                                        </a:rPr>
+                                      </m:ctrlPr>
+                                    </m:sSupPr>
+                                    <m:e>
+                                      <m:r>
+                                        <a:rPr lang="en-US" altLang="ja-JP" sz="2400" b="0" i="1" smtClean="0">
+                                          <a:latin typeface="Cambria Math" panose="02040503050406030204" pitchFamily="18" charset="0"/>
+                                        </a:rPr>
+                                        <m:t>𝑥</m:t>
+                                      </m:r>
+                                    </m:e>
+                                    <m:sup>
+                                      <m:r>
+                                        <a:rPr lang="en-US" altLang="ja-JP" sz="2400" b="0" i="1" smtClean="0">
+                                          <a:latin typeface="Cambria Math" panose="02040503050406030204" pitchFamily="18" charset="0"/>
+                                        </a:rPr>
+                                        <m:t>2</m:t>
+                                      </m:r>
+                                    </m:sup>
+                                  </m:sSup>
+                                  <m:r>
+                                    <a:rPr lang="en-US" altLang="ja-JP" sz="2400" i="1">
+                                      <a:latin typeface="Cambria Math" panose="02040503050406030204" pitchFamily="18" charset="0"/>
+                                    </a:rPr>
+                                    <m:t>+</m:t>
+                                  </m:r>
+                                  <m:sSup>
+                                    <m:sSupPr>
+                                      <m:ctrlPr>
+                                        <a:rPr lang="en-US" altLang="ja-JP" sz="2400" i="1">
+                                          <a:latin typeface="Cambria Math" panose="02040503050406030204" pitchFamily="18" charset="0"/>
+                                        </a:rPr>
+                                      </m:ctrlPr>
+                                    </m:sSupPr>
+                                    <m:e>
+                                      <m:r>
+                                        <a:rPr lang="en-US" altLang="ja-JP" sz="2400" i="1">
+                                          <a:latin typeface="Cambria Math" panose="02040503050406030204" pitchFamily="18" charset="0"/>
+                                        </a:rPr>
+                                        <m:t>𝜀</m:t>
+                                      </m:r>
+                                    </m:e>
+                                    <m:sup>
+                                      <m:r>
+                                        <a:rPr lang="en-US" altLang="ja-JP" sz="2400" i="1">
+                                          <a:latin typeface="Cambria Math" panose="02040503050406030204" pitchFamily="18" charset="0"/>
+                                        </a:rPr>
+                                        <m:t>2</m:t>
+                                      </m:r>
+                                    </m:sup>
+                                  </m:sSup>
+                                </m:num>
+                                <m:den>
+                                  <m:r>
+                                    <a:rPr lang="en-US" altLang="ja-JP" sz="2400" b="0" i="1" smtClean="0">
+                                      <a:latin typeface="Cambria Math" panose="02040503050406030204" pitchFamily="18" charset="0"/>
+                                    </a:rPr>
+                                    <m:t>2</m:t>
+                                  </m:r>
+                                </m:den>
+                              </m:f>
+                              <m:r>
+                                <a:rPr lang="en-US" altLang="ja-JP" sz="2400" b="0" i="1" smtClean="0">
+                                  <a:latin typeface="Cambria Math" panose="02040503050406030204" pitchFamily="18" charset="0"/>
+                                </a:rPr>
+                                <m:t>,  </m:t>
+                              </m:r>
+                              <m:r>
+                                <a:rPr lang="en-US" altLang="ja-JP" sz="2400" b="0" i="1" smtClean="0">
+                                  <a:latin typeface="Cambria Math" panose="02040503050406030204" pitchFamily="18" charset="0"/>
+                                </a:rPr>
+                                <m:t>𝑥</m:t>
+                              </m:r>
+                              <m:r>
+                                <a:rPr lang="en-US" altLang="ja-JP" sz="2400" b="0" i="1" smtClean="0">
+                                  <a:latin typeface="Cambria Math" panose="02040503050406030204" pitchFamily="18" charset="0"/>
+                                </a:rPr>
+                                <m:t>&lt;</m:t>
+                              </m:r>
+                              <m:r>
+                                <a:rPr lang="en-US" altLang="ja-JP" sz="2400" i="1">
+                                  <a:latin typeface="Cambria Math" panose="02040503050406030204" pitchFamily="18" charset="0"/>
+                                </a:rPr>
+                                <m:t>𝜀</m:t>
+                              </m:r>
+                            </m:e>
+                          </m:eqArr>
+                        </m:e>
+                      </m:d>
+                    </m:oMath>
+                    <m:oMath xmlns:m="http://schemas.openxmlformats.org/officeDocument/2006/math">
+                      <m:r>
+                        <a:rPr lang="en-US" altLang="ja-JP" sz="2400" b="0" i="1" smtClean="0">
+                          <a:latin typeface="Cambria Math" panose="02040503050406030204" pitchFamily="18" charset="0"/>
+                        </a:rPr>
+                        <m:t> </m:t>
+                      </m:r>
+                    </m:oMath>
+                  </m:oMathPara>
+                </a14:m>
+                <a:endParaRPr lang="en-US" altLang="ja-JP" sz="2400" b="0" i="1" dirty="0">
+                  <a:latin typeface="Cambria Math" panose="02040503050406030204" pitchFamily="18" charset="0"/>
+                  <a:ea typeface="游明朝" panose="02020400000000000000" pitchFamily="18" charset="-128"/>
+                </a:endParaRPr>
+              </a:p>
+              <a:p>
+                <a:pPr marL="0" indent="0">
+                  <a:buNone/>
+                </a:pPr>
+                <a14:m>
+                  <m:oMathPara xmlns:m="http://schemas.openxmlformats.org/officeDocument/2006/math">
+                    <m:oMathParaPr>
+                      <m:jc m:val="centerGroup"/>
+                    </m:oMathParaPr>
+                    <m:oMath xmlns:m="http://schemas.openxmlformats.org/officeDocument/2006/math">
+                      <m:sSubSup>
+                        <m:sSubSupPr>
+                          <m:ctrlPr>
+                            <a:rPr lang="en-US" altLang="ja-JP" sz="2400" b="0" i="1" dirty="0" smtClean="0">
+                              <a:latin typeface="Cambria Math" panose="02040503050406030204" pitchFamily="18" charset="0"/>
+                              <a:ea typeface="游明朝" panose="02020400000000000000" pitchFamily="18" charset="-128"/>
+                            </a:rPr>
+                          </m:ctrlPr>
+                        </m:sSubSupPr>
+                        <m:e>
+                          <m:r>
+                            <a:rPr lang="en-US" altLang="ja-JP" sz="2400" b="0" i="1" dirty="0" smtClean="0">
+                              <a:latin typeface="Cambria Math" panose="02040503050406030204" pitchFamily="18" charset="0"/>
+                              <a:ea typeface="游明朝" panose="02020400000000000000" pitchFamily="18" charset="-128"/>
+                            </a:rPr>
+                            <m:t>𝑅</m:t>
+                          </m:r>
+                        </m:e>
+                        <m:sub>
+                          <m:r>
+                            <a:rPr lang="en-US" altLang="ja-JP" sz="2400" b="0" i="1" dirty="0" smtClean="0">
+                              <a:latin typeface="Cambria Math" panose="02040503050406030204" pitchFamily="18" charset="0"/>
+                              <a:ea typeface="游明朝" panose="02020400000000000000" pitchFamily="18" charset="-128"/>
+                            </a:rPr>
+                            <m:t>𝑟𝑜𝑒</m:t>
+                          </m:r>
+                        </m:sub>
+                        <m:sup/>
+                      </m:sSubSup>
+                      <m:r>
+                        <a:rPr lang="en-US" altLang="ja-JP" sz="2400" b="0" i="1" dirty="0" smtClean="0">
+                          <a:latin typeface="Cambria Math" panose="02040503050406030204" pitchFamily="18" charset="0"/>
+                          <a:ea typeface="游明朝" panose="02020400000000000000" pitchFamily="18" charset="-128"/>
+                        </a:rPr>
+                        <m:t>=</m:t>
+                      </m:r>
+                      <m:d>
+                        <m:dPr>
+                          <m:begChr m:val="["/>
+                          <m:endChr m:val="]"/>
+                          <m:ctrlPr>
+                            <a:rPr lang="en-US" altLang="ja-JP" sz="2400" i="1">
+                              <a:latin typeface="Cambria Math" panose="02040503050406030204" pitchFamily="18" charset="0"/>
+                            </a:rPr>
+                          </m:ctrlPr>
+                        </m:dPr>
+                        <m:e>
+                          <m:m>
+                            <m:mPr>
+                              <m:mcs>
+                                <m:mc>
+                                  <m:mcPr>
+                                    <m:count m:val="3"/>
+                                    <m:mcJc m:val="center"/>
+                                  </m:mcPr>
+                                </m:mc>
+                              </m:mcs>
+                              <m:ctrlPr>
+                                <a:rPr lang="en-US" altLang="ja-JP" sz="2400" i="1">
+                                  <a:latin typeface="Cambria Math" panose="02040503050406030204" pitchFamily="18" charset="0"/>
+                                </a:rPr>
+                              </m:ctrlPr>
+                            </m:mPr>
+                            <m:mr>
+                              <m:e>
+                                <m:r>
+                                  <a:rPr lang="en-US" altLang="ja-JP" sz="2400" i="1">
+                                    <a:latin typeface="Cambria Math" panose="02040503050406030204" pitchFamily="18" charset="0"/>
+                                  </a:rPr>
+                                  <m:t>1</m:t>
+                                </m:r>
+                              </m:e>
+                              <m:e>
+                                <m:r>
+                                  <a:rPr lang="en-US" altLang="ja-JP" sz="2400" b="0" i="1" smtClean="0">
+                                    <a:latin typeface="Cambria Math" panose="02040503050406030204" pitchFamily="18" charset="0"/>
+                                  </a:rPr>
+                                  <m:t>1</m:t>
+                                </m:r>
+                              </m:e>
+                              <m:e>
+                                <m:r>
+                                  <a:rPr lang="en-US" altLang="ja-JP" sz="2400" b="0" i="1" smtClean="0">
+                                    <a:latin typeface="Cambria Math" panose="02040503050406030204" pitchFamily="18" charset="0"/>
+                                  </a:rPr>
+                                  <m:t>1</m:t>
+                                </m:r>
+                              </m:e>
+                            </m:mr>
+                            <m:mr>
+                              <m:e>
+                                <m:r>
+                                  <a:rPr lang="en-US" altLang="ja-JP" sz="2400" i="1">
+                                    <a:latin typeface="Cambria Math" panose="02040503050406030204" pitchFamily="18" charset="0"/>
+                                  </a:rPr>
+                                  <m:t>𝑢</m:t>
+                                </m:r>
+                                <m:r>
+                                  <a:rPr lang="en-US" altLang="ja-JP" sz="2400" b="0" i="1" smtClean="0">
+                                    <a:latin typeface="Cambria Math" panose="02040503050406030204" pitchFamily="18" charset="0"/>
+                                  </a:rPr>
+                                  <m:t>−</m:t>
+                                </m:r>
+                                <m:r>
+                                  <a:rPr lang="en-US" altLang="ja-JP" sz="2400" b="0" i="1" smtClean="0">
+                                    <a:latin typeface="Cambria Math" panose="02040503050406030204" pitchFamily="18" charset="0"/>
+                                  </a:rPr>
+                                  <m:t>𝑐</m:t>
+                                </m:r>
+                              </m:e>
+                              <m:e>
+                                <m:r>
+                                  <a:rPr lang="en-US" altLang="ja-JP" sz="2400" b="0" i="1" smtClean="0">
+                                    <a:latin typeface="Cambria Math" panose="02040503050406030204" pitchFamily="18" charset="0"/>
+                                  </a:rPr>
+                                  <m:t>𝑢</m:t>
+                                </m:r>
+                              </m:e>
+                              <m:e>
+                                <m:r>
+                                  <a:rPr lang="en-US" altLang="ja-JP" sz="2400" b="0" i="1" smtClean="0">
+                                    <a:latin typeface="Cambria Math" panose="02040503050406030204" pitchFamily="18" charset="0"/>
+                                  </a:rPr>
+                                  <m:t>𝑢</m:t>
+                                </m:r>
+                                <m:r>
+                                  <a:rPr lang="en-US" altLang="ja-JP" sz="2400" b="0" i="1" smtClean="0">
+                                    <a:latin typeface="Cambria Math" panose="02040503050406030204" pitchFamily="18" charset="0"/>
+                                  </a:rPr>
+                                  <m:t>+</m:t>
+                                </m:r>
+                                <m:r>
+                                  <a:rPr lang="en-US" altLang="ja-JP" sz="2400" b="0" i="1" smtClean="0">
+                                    <a:latin typeface="Cambria Math" panose="02040503050406030204" pitchFamily="18" charset="0"/>
+                                  </a:rPr>
+                                  <m:t>𝑐</m:t>
+                                </m:r>
+                              </m:e>
+                            </m:mr>
+                            <m:mr>
+                              <m:e>
+                                <m:r>
+                                  <a:rPr lang="en-US" altLang="ja-JP" sz="2400" b="0" i="1" smtClean="0">
+                                    <a:latin typeface="Cambria Math" panose="02040503050406030204" pitchFamily="18" charset="0"/>
+                                  </a:rPr>
+                                  <m:t>𝐻</m:t>
+                                </m:r>
+                                <m:r>
+                                  <a:rPr lang="en-US" altLang="ja-JP" sz="2400" b="0" i="1" smtClean="0">
+                                    <a:latin typeface="Cambria Math" panose="02040503050406030204" pitchFamily="18" charset="0"/>
+                                  </a:rPr>
+                                  <m:t>−</m:t>
+                                </m:r>
+                                <m:r>
+                                  <a:rPr lang="en-US" altLang="ja-JP" sz="2400" b="0" i="1" smtClean="0">
+                                    <a:latin typeface="Cambria Math" panose="02040503050406030204" pitchFamily="18" charset="0"/>
+                                  </a:rPr>
+                                  <m:t>𝑢𝑐</m:t>
+                                </m:r>
+                              </m:e>
+                              <m:e>
+                                <m:f>
+                                  <m:fPr>
+                                    <m:ctrlPr>
+                                      <a:rPr lang="en-US" altLang="ja-JP" sz="2400" b="0" i="1" smtClean="0">
+                                        <a:latin typeface="Cambria Math" panose="02040503050406030204" pitchFamily="18" charset="0"/>
+                                      </a:rPr>
+                                    </m:ctrlPr>
+                                  </m:fPr>
+                                  <m:num>
+                                    <m:sSup>
+                                      <m:sSupPr>
+                                        <m:ctrlPr>
+                                          <a:rPr lang="en-US" altLang="ja-JP" sz="2400" b="0" i="1" smtClean="0">
+                                            <a:latin typeface="Cambria Math" panose="02040503050406030204" pitchFamily="18" charset="0"/>
+                                          </a:rPr>
+                                        </m:ctrlPr>
+                                      </m:sSupPr>
+                                      <m:e>
+                                        <m:r>
+                                          <a:rPr lang="en-US" altLang="ja-JP" sz="2400" b="0" i="1" smtClean="0">
+                                            <a:latin typeface="Cambria Math" panose="02040503050406030204" pitchFamily="18" charset="0"/>
+                                          </a:rPr>
+                                          <m:t>𝑢</m:t>
+                                        </m:r>
+                                      </m:e>
+                                      <m:sup>
+                                        <m:r>
+                                          <a:rPr lang="en-US" altLang="ja-JP" sz="2400" b="0" i="1" smtClean="0">
+                                            <a:latin typeface="Cambria Math" panose="02040503050406030204" pitchFamily="18" charset="0"/>
+                                          </a:rPr>
+                                          <m:t>2</m:t>
+                                        </m:r>
+                                      </m:sup>
+                                    </m:sSup>
+                                  </m:num>
+                                  <m:den>
+                                    <m:r>
+                                      <a:rPr lang="en-US" altLang="ja-JP" sz="2400" b="0" i="1" smtClean="0">
+                                        <a:latin typeface="Cambria Math" panose="02040503050406030204" pitchFamily="18" charset="0"/>
+                                      </a:rPr>
+                                      <m:t>2</m:t>
+                                    </m:r>
+                                  </m:den>
+                                </m:f>
+                              </m:e>
+                              <m:e>
+                                <m:r>
+                                  <a:rPr lang="en-US" altLang="ja-JP" sz="2400" b="0" i="1" smtClean="0">
+                                    <a:latin typeface="Cambria Math" panose="02040503050406030204" pitchFamily="18" charset="0"/>
+                                  </a:rPr>
+                                  <m:t>𝐻</m:t>
+                                </m:r>
+                                <m:r>
+                                  <a:rPr lang="en-US" altLang="ja-JP" sz="2400" b="0" i="1" smtClean="0">
+                                    <a:latin typeface="Cambria Math" panose="02040503050406030204" pitchFamily="18" charset="0"/>
+                                  </a:rPr>
+                                  <m:t>+</m:t>
+                                </m:r>
+                                <m:r>
+                                  <a:rPr lang="en-US" altLang="ja-JP" sz="2400" b="0" i="1" smtClean="0">
+                                    <a:latin typeface="Cambria Math" panose="02040503050406030204" pitchFamily="18" charset="0"/>
+                                  </a:rPr>
+                                  <m:t>𝑢𝑐</m:t>
+                                </m:r>
+                              </m:e>
+                            </m:mr>
+                          </m:m>
+                        </m:e>
+                      </m:d>
+                      <m:r>
+                        <a:rPr lang="en-US" altLang="ja-JP" sz="2400" b="0" i="1" smtClean="0">
+                          <a:latin typeface="Cambria Math" panose="02040503050406030204" pitchFamily="18" charset="0"/>
+                        </a:rPr>
+                        <m:t>,  </m:t>
+                      </m:r>
+                      <m:sSubSup>
+                        <m:sSubSupPr>
+                          <m:ctrlPr>
+                            <a:rPr lang="en-US" altLang="ja-JP" sz="2400" b="0" i="1" smtClean="0">
+                              <a:latin typeface="Cambria Math" panose="02040503050406030204" pitchFamily="18" charset="0"/>
+                              <a:ea typeface="游明朝" panose="02020400000000000000" pitchFamily="18" charset="-128"/>
+                            </a:rPr>
+                          </m:ctrlPr>
+                        </m:sSubSupPr>
+                        <m:e>
+                          <m:r>
+                            <a:rPr lang="en-US" altLang="ja-JP" sz="2400" b="0" i="1" smtClean="0">
+                              <a:latin typeface="Cambria Math" panose="02040503050406030204" pitchFamily="18" charset="0"/>
+                              <a:ea typeface="游明朝" panose="02020400000000000000" pitchFamily="18" charset="-128"/>
+                            </a:rPr>
+                            <m:t>𝑅</m:t>
+                          </m:r>
+                        </m:e>
+                        <m:sub>
+                          <m:r>
+                            <a:rPr lang="en-US" altLang="ja-JP" sz="2400" b="0" i="1" smtClean="0">
+                              <a:latin typeface="Cambria Math" panose="02040503050406030204" pitchFamily="18" charset="0"/>
+                              <a:ea typeface="游明朝" panose="02020400000000000000" pitchFamily="18" charset="-128"/>
+                            </a:rPr>
+                            <m:t>𝑟𝑜𝑒</m:t>
+                          </m:r>
+                        </m:sub>
+                        <m:sup>
+                          <m:r>
+                            <a:rPr lang="en-US" altLang="ja-JP" sz="2400" b="0" i="1" smtClean="0">
+                              <a:latin typeface="Cambria Math" panose="02040503050406030204" pitchFamily="18" charset="0"/>
+                              <a:ea typeface="游明朝" panose="02020400000000000000" pitchFamily="18" charset="-128"/>
+                            </a:rPr>
+                            <m:t>−1</m:t>
+                          </m:r>
+                        </m:sup>
+                      </m:sSubSup>
+                      <m:r>
+                        <a:rPr lang="en-US" altLang="ja-JP" sz="2400" b="0" i="1" smtClean="0">
+                          <a:latin typeface="Cambria Math" panose="02040503050406030204" pitchFamily="18" charset="0"/>
+                          <a:ea typeface="游明朝" panose="02020400000000000000" pitchFamily="18" charset="-128"/>
+                        </a:rPr>
+                        <m:t>=</m:t>
+                      </m:r>
+                      <m:d>
+                        <m:dPr>
+                          <m:begChr m:val="["/>
+                          <m:endChr m:val="]"/>
+                          <m:ctrlPr>
+                            <a:rPr lang="en-US" altLang="ja-JP" sz="2400" i="1">
+                              <a:latin typeface="Cambria Math" panose="02040503050406030204" pitchFamily="18" charset="0"/>
+                            </a:rPr>
+                          </m:ctrlPr>
+                        </m:dPr>
+                        <m:e>
+                          <m:m>
+                            <m:mPr>
+                              <m:mcs>
+                                <m:mc>
+                                  <m:mcPr>
+                                    <m:count m:val="3"/>
+                                    <m:mcJc m:val="center"/>
+                                  </m:mcPr>
+                                </m:mc>
+                              </m:mcs>
+                              <m:ctrlPr>
+                                <a:rPr lang="en-US" altLang="ja-JP" sz="2400" i="1">
+                                  <a:latin typeface="Cambria Math" panose="02040503050406030204" pitchFamily="18" charset="0"/>
+                                </a:rPr>
+                              </m:ctrlPr>
+                            </m:mPr>
+                            <m:mr>
+                              <m:e>
+                                <m:f>
+                                  <m:fPr>
+                                    <m:ctrlPr>
+                                      <a:rPr lang="en-US" altLang="ja-JP" sz="2400" b="0" i="1" smtClean="0">
+                                        <a:latin typeface="Cambria Math" panose="02040503050406030204" pitchFamily="18" charset="0"/>
+                                      </a:rPr>
+                                    </m:ctrlPr>
+                                  </m:fPr>
+                                  <m:num>
+                                    <m:r>
+                                      <m:rPr>
+                                        <m:brk m:alnAt="7"/>
+                                      </m:rPr>
+                                      <a:rPr lang="en-US" altLang="ja-JP" sz="2400" b="0" i="1" smtClean="0">
+                                        <a:latin typeface="Cambria Math" panose="02040503050406030204" pitchFamily="18" charset="0"/>
+                                      </a:rPr>
+                                      <m:t>1</m:t>
+                                    </m:r>
+                                  </m:num>
+                                  <m:den>
+                                    <m:r>
+                                      <m:rPr>
+                                        <m:brk m:alnAt="7"/>
+                                      </m:rPr>
+                                      <a:rPr lang="en-US" altLang="ja-JP" sz="2400" b="0" i="1" smtClean="0">
+                                        <a:latin typeface="Cambria Math" panose="02040503050406030204" pitchFamily="18" charset="0"/>
+                                      </a:rPr>
+                                      <m:t>2</m:t>
+                                    </m:r>
+                                  </m:den>
+                                </m:f>
+                                <m:d>
+                                  <m:dPr>
+                                    <m:ctrlPr>
+                                      <a:rPr lang="en-US" altLang="ja-JP" sz="2400" b="0" i="1" smtClean="0">
+                                        <a:latin typeface="Cambria Math" panose="02040503050406030204" pitchFamily="18" charset="0"/>
+                                      </a:rPr>
+                                    </m:ctrlPr>
+                                  </m:dPr>
+                                  <m:e>
+                                    <m:sSub>
+                                      <m:sSubPr>
+                                        <m:ctrlPr>
+                                          <a:rPr lang="en-US" altLang="ja-JP" sz="2400" b="0" i="1" smtClean="0">
+                                            <a:latin typeface="Cambria Math" panose="02040503050406030204" pitchFamily="18" charset="0"/>
+                                          </a:rPr>
+                                        </m:ctrlPr>
+                                      </m:sSubPr>
+                                      <m:e>
+                                        <m:r>
+                                          <a:rPr lang="en-US" altLang="ja-JP" sz="2400" b="0" i="1" smtClean="0">
+                                            <a:latin typeface="Cambria Math" panose="02040503050406030204" pitchFamily="18" charset="0"/>
+                                          </a:rPr>
+                                          <m:t>𝛽</m:t>
+                                        </m:r>
+                                      </m:e>
+                                      <m:sub>
+                                        <m:r>
+                                          <a:rPr lang="en-US" altLang="ja-JP" sz="2400" b="0" i="1" smtClean="0">
+                                            <a:latin typeface="Cambria Math" panose="02040503050406030204" pitchFamily="18" charset="0"/>
+                                          </a:rPr>
+                                          <m:t>1</m:t>
+                                        </m:r>
+                                      </m:sub>
+                                    </m:sSub>
+                                    <m:r>
+                                      <a:rPr lang="en-US" altLang="ja-JP" sz="2400" b="0" i="1" smtClean="0">
+                                        <a:latin typeface="Cambria Math" panose="02040503050406030204" pitchFamily="18" charset="0"/>
+                                      </a:rPr>
+                                      <m:t>+</m:t>
+                                    </m:r>
+                                    <m:f>
+                                      <m:fPr>
+                                        <m:ctrlPr>
+                                          <a:rPr lang="en-US" altLang="ja-JP" sz="2400" b="0" i="1" smtClean="0">
+                                            <a:latin typeface="Cambria Math" panose="02040503050406030204" pitchFamily="18" charset="0"/>
+                                          </a:rPr>
+                                        </m:ctrlPr>
+                                      </m:fPr>
+                                      <m:num>
+                                        <m:r>
+                                          <a:rPr lang="en-US" altLang="ja-JP" sz="2400" b="0" i="1" smtClean="0">
+                                            <a:latin typeface="Cambria Math" panose="02040503050406030204" pitchFamily="18" charset="0"/>
+                                          </a:rPr>
+                                          <m:t>𝑢</m:t>
+                                        </m:r>
+                                      </m:num>
+                                      <m:den>
+                                        <m:r>
+                                          <a:rPr lang="en-US" altLang="ja-JP" sz="2400" b="0" i="1" smtClean="0">
+                                            <a:latin typeface="Cambria Math" panose="02040503050406030204" pitchFamily="18" charset="0"/>
+                                          </a:rPr>
+                                          <m:t>𝑐</m:t>
+                                        </m:r>
+                                      </m:den>
+                                    </m:f>
+                                  </m:e>
+                                </m:d>
+                              </m:e>
+                              <m:e>
+                                <m:r>
+                                  <a:rPr lang="en-US" altLang="ja-JP" sz="2400" b="0" i="1" smtClean="0">
+                                    <a:latin typeface="Cambria Math" panose="02040503050406030204" pitchFamily="18" charset="0"/>
+                                  </a:rPr>
+                                  <m:t>−</m:t>
+                                </m:r>
+                                <m:f>
+                                  <m:fPr>
+                                    <m:ctrlPr>
+                                      <a:rPr lang="en-US" altLang="ja-JP" sz="2400" b="0" i="1" smtClean="0">
+                                        <a:latin typeface="Cambria Math" panose="02040503050406030204" pitchFamily="18" charset="0"/>
+                                      </a:rPr>
+                                    </m:ctrlPr>
+                                  </m:fPr>
+                                  <m:num>
+                                    <m:r>
+                                      <a:rPr lang="en-US" altLang="ja-JP" sz="2400" b="0" i="1" smtClean="0">
+                                        <a:latin typeface="Cambria Math" panose="02040503050406030204" pitchFamily="18" charset="0"/>
+                                      </a:rPr>
+                                      <m:t>1</m:t>
+                                    </m:r>
+                                  </m:num>
+                                  <m:den>
+                                    <m:r>
+                                      <a:rPr lang="en-US" altLang="ja-JP" sz="2400" b="0" i="1" smtClean="0">
+                                        <a:latin typeface="Cambria Math" panose="02040503050406030204" pitchFamily="18" charset="0"/>
+                                      </a:rPr>
+                                      <m:t>2</m:t>
+                                    </m:r>
+                                  </m:den>
+                                </m:f>
+                                <m:r>
+                                  <a:rPr lang="en-US" altLang="ja-JP" sz="2400" b="0" i="1" smtClean="0">
+                                    <a:latin typeface="Cambria Math" panose="02040503050406030204" pitchFamily="18" charset="0"/>
+                                  </a:rPr>
+                                  <m:t>(</m:t>
+                                </m:r>
+                                <m:f>
+                                  <m:fPr>
+                                    <m:ctrlPr>
+                                      <a:rPr lang="en-US" altLang="ja-JP" sz="2400" b="0" i="1" smtClean="0">
+                                        <a:latin typeface="Cambria Math" panose="02040503050406030204" pitchFamily="18" charset="0"/>
+                                      </a:rPr>
+                                    </m:ctrlPr>
+                                  </m:fPr>
+                                  <m:num>
+                                    <m:r>
+                                      <a:rPr lang="en-US" altLang="ja-JP" sz="2400" b="0" i="1" smtClean="0">
+                                        <a:latin typeface="Cambria Math" panose="02040503050406030204" pitchFamily="18" charset="0"/>
+                                      </a:rPr>
+                                      <m:t>1</m:t>
+                                    </m:r>
+                                  </m:num>
+                                  <m:den>
+                                    <m:r>
+                                      <a:rPr lang="en-US" altLang="ja-JP" sz="2400" b="0" i="1" smtClean="0">
+                                        <a:latin typeface="Cambria Math" panose="02040503050406030204" pitchFamily="18" charset="0"/>
+                                      </a:rPr>
+                                      <m:t>𝑐</m:t>
+                                    </m:r>
+                                  </m:den>
+                                </m:f>
+                                <m:r>
+                                  <a:rPr lang="en-US" altLang="ja-JP" sz="2400" b="0" i="1" smtClean="0">
+                                    <a:latin typeface="Cambria Math" panose="02040503050406030204" pitchFamily="18" charset="0"/>
+                                  </a:rPr>
+                                  <m:t>+</m:t>
+                                </m:r>
+                                <m:r>
+                                  <a:rPr lang="en-US" altLang="ja-JP" sz="2400" b="0" i="1" smtClean="0">
+                                    <a:latin typeface="Cambria Math" panose="02040503050406030204" pitchFamily="18" charset="0"/>
+                                  </a:rPr>
+                                  <m:t>𝑢</m:t>
+                                </m:r>
+                                <m:sSub>
+                                  <m:sSubPr>
+                                    <m:ctrlPr>
+                                      <a:rPr lang="en-US" altLang="ja-JP" sz="2400" b="0" i="1" smtClean="0">
+                                        <a:latin typeface="Cambria Math" panose="02040503050406030204" pitchFamily="18" charset="0"/>
+                                      </a:rPr>
+                                    </m:ctrlPr>
+                                  </m:sSubPr>
+                                  <m:e>
+                                    <m:r>
+                                      <a:rPr lang="en-US" altLang="ja-JP" sz="2400" b="0" i="1" smtClean="0">
+                                        <a:latin typeface="Cambria Math" panose="02040503050406030204" pitchFamily="18" charset="0"/>
+                                      </a:rPr>
+                                      <m:t>𝛽</m:t>
+                                    </m:r>
+                                  </m:e>
+                                  <m:sub>
+                                    <m:r>
+                                      <a:rPr lang="en-US" altLang="ja-JP" sz="2400" b="0" i="1" smtClean="0">
+                                        <a:latin typeface="Cambria Math" panose="02040503050406030204" pitchFamily="18" charset="0"/>
+                                      </a:rPr>
+                                      <m:t>2</m:t>
+                                    </m:r>
+                                  </m:sub>
+                                </m:sSub>
+                                <m:r>
+                                  <a:rPr lang="en-US" altLang="ja-JP" sz="2400" b="0" i="1" smtClean="0">
+                                    <a:latin typeface="Cambria Math" panose="02040503050406030204" pitchFamily="18" charset="0"/>
+                                  </a:rPr>
+                                  <m:t>)</m:t>
+                                </m:r>
+                              </m:e>
+                              <m:e>
+                                <m:f>
+                                  <m:fPr>
+                                    <m:ctrlPr>
+                                      <a:rPr lang="en-US" altLang="ja-JP" sz="2400" b="0" i="1" smtClean="0">
+                                        <a:latin typeface="Cambria Math" panose="02040503050406030204" pitchFamily="18" charset="0"/>
+                                      </a:rPr>
+                                    </m:ctrlPr>
+                                  </m:fPr>
+                                  <m:num>
+                                    <m:sSub>
+                                      <m:sSubPr>
+                                        <m:ctrlPr>
+                                          <a:rPr lang="en-US" altLang="ja-JP" sz="2400" b="0" i="1" smtClean="0">
+                                            <a:latin typeface="Cambria Math" panose="02040503050406030204" pitchFamily="18" charset="0"/>
+                                          </a:rPr>
+                                        </m:ctrlPr>
+                                      </m:sSubPr>
+                                      <m:e>
+                                        <m:r>
+                                          <a:rPr lang="en-US" altLang="ja-JP" sz="2400" b="0" i="1" smtClean="0">
+                                            <a:latin typeface="Cambria Math" panose="02040503050406030204" pitchFamily="18" charset="0"/>
+                                          </a:rPr>
+                                          <m:t>𝛽</m:t>
+                                        </m:r>
+                                      </m:e>
+                                      <m:sub>
+                                        <m:r>
+                                          <a:rPr lang="en-US" altLang="ja-JP" sz="2400" b="0" i="1" smtClean="0">
+                                            <a:latin typeface="Cambria Math" panose="02040503050406030204" pitchFamily="18" charset="0"/>
+                                          </a:rPr>
+                                          <m:t>2</m:t>
+                                        </m:r>
+                                      </m:sub>
+                                    </m:sSub>
+                                  </m:num>
+                                  <m:den>
+                                    <m:r>
+                                      <a:rPr lang="en-US" altLang="ja-JP" sz="2400" b="0" i="1" smtClean="0">
+                                        <a:latin typeface="Cambria Math" panose="02040503050406030204" pitchFamily="18" charset="0"/>
+                                      </a:rPr>
+                                      <m:t>2</m:t>
+                                    </m:r>
+                                  </m:den>
+                                </m:f>
+                              </m:e>
+                            </m:mr>
+                            <m:mr>
+                              <m:e>
+                                <m:r>
+                                  <a:rPr lang="en-US" altLang="ja-JP" sz="2400" b="0" i="1" smtClean="0">
+                                    <a:latin typeface="Cambria Math" panose="02040503050406030204" pitchFamily="18" charset="0"/>
+                                  </a:rPr>
+                                  <m:t>1−</m:t>
+                                </m:r>
+                                <m:sSub>
+                                  <m:sSubPr>
+                                    <m:ctrlPr>
+                                      <a:rPr lang="en-US" altLang="ja-JP" sz="2400" b="0" i="1" smtClean="0">
+                                        <a:latin typeface="Cambria Math" panose="02040503050406030204" pitchFamily="18" charset="0"/>
+                                      </a:rPr>
+                                    </m:ctrlPr>
+                                  </m:sSubPr>
+                                  <m:e>
+                                    <m:r>
+                                      <a:rPr lang="en-US" altLang="ja-JP" sz="2400" b="0" i="1" smtClean="0">
+                                        <a:latin typeface="Cambria Math" panose="02040503050406030204" pitchFamily="18" charset="0"/>
+                                      </a:rPr>
+                                      <m:t>𝛽</m:t>
+                                    </m:r>
+                                  </m:e>
+                                  <m:sub>
+                                    <m:r>
+                                      <a:rPr lang="en-US" altLang="ja-JP" sz="2400" b="0" i="1" smtClean="0">
+                                        <a:latin typeface="Cambria Math" panose="02040503050406030204" pitchFamily="18" charset="0"/>
+                                      </a:rPr>
+                                      <m:t>1</m:t>
+                                    </m:r>
+                                  </m:sub>
+                                </m:sSub>
+                              </m:e>
+                              <m:e>
+                                <m:r>
+                                  <a:rPr lang="en-US" altLang="ja-JP" sz="2400" b="0" i="1" smtClean="0">
+                                    <a:latin typeface="Cambria Math" panose="02040503050406030204" pitchFamily="18" charset="0"/>
+                                  </a:rPr>
+                                  <m:t>𝑢</m:t>
+                                </m:r>
+                                <m:sSub>
+                                  <m:sSubPr>
+                                    <m:ctrlPr>
+                                      <a:rPr lang="en-US" altLang="ja-JP" sz="2400" b="0" i="1" smtClean="0">
+                                        <a:latin typeface="Cambria Math" panose="02040503050406030204" pitchFamily="18" charset="0"/>
+                                      </a:rPr>
+                                    </m:ctrlPr>
+                                  </m:sSubPr>
+                                  <m:e>
+                                    <m:r>
+                                      <a:rPr lang="en-US" altLang="ja-JP" sz="2400" b="0" i="1" smtClean="0">
+                                        <a:latin typeface="Cambria Math" panose="02040503050406030204" pitchFamily="18" charset="0"/>
+                                      </a:rPr>
+                                      <m:t>𝛽</m:t>
+                                    </m:r>
+                                  </m:e>
+                                  <m:sub>
+                                    <m:r>
+                                      <a:rPr lang="en-US" altLang="ja-JP" sz="2400" b="0" i="1" smtClean="0">
+                                        <a:latin typeface="Cambria Math" panose="02040503050406030204" pitchFamily="18" charset="0"/>
+                                      </a:rPr>
+                                      <m:t>2</m:t>
+                                    </m:r>
+                                  </m:sub>
+                                </m:sSub>
+                              </m:e>
+                              <m:e>
+                                <m:r>
+                                  <a:rPr lang="en-US" altLang="ja-JP" sz="2400" b="0" i="1" smtClean="0">
+                                    <a:latin typeface="Cambria Math" panose="02040503050406030204" pitchFamily="18" charset="0"/>
+                                  </a:rPr>
+                                  <m:t>−</m:t>
+                                </m:r>
+                                <m:sSub>
+                                  <m:sSubPr>
+                                    <m:ctrlPr>
+                                      <a:rPr lang="en-US" altLang="ja-JP" sz="2400" b="0" i="1" smtClean="0">
+                                        <a:latin typeface="Cambria Math" panose="02040503050406030204" pitchFamily="18" charset="0"/>
+                                      </a:rPr>
+                                    </m:ctrlPr>
+                                  </m:sSubPr>
+                                  <m:e>
+                                    <m:r>
+                                      <a:rPr lang="en-US" altLang="ja-JP" sz="2400" b="0" i="1" smtClean="0">
+                                        <a:latin typeface="Cambria Math" panose="02040503050406030204" pitchFamily="18" charset="0"/>
+                                      </a:rPr>
+                                      <m:t>𝛽</m:t>
+                                    </m:r>
+                                  </m:e>
+                                  <m:sub>
+                                    <m:r>
+                                      <a:rPr lang="en-US" altLang="ja-JP" sz="2400" b="0" i="1" smtClean="0">
+                                        <a:latin typeface="Cambria Math" panose="02040503050406030204" pitchFamily="18" charset="0"/>
+                                      </a:rPr>
+                                      <m:t>2</m:t>
+                                    </m:r>
+                                  </m:sub>
+                                </m:sSub>
+                              </m:e>
+                            </m:mr>
+                            <m:mr>
+                              <m:e>
+                                <m:f>
+                                  <m:fPr>
+                                    <m:ctrlPr>
+                                      <a:rPr lang="en-US" altLang="ja-JP" sz="2400" i="1">
+                                        <a:latin typeface="Cambria Math" panose="02040503050406030204" pitchFamily="18" charset="0"/>
+                                      </a:rPr>
+                                    </m:ctrlPr>
+                                  </m:fPr>
+                                  <m:num>
+                                    <m:r>
+                                      <a:rPr lang="en-US" altLang="ja-JP" sz="2400" b="0" i="1" smtClean="0">
+                                        <a:latin typeface="Cambria Math" panose="02040503050406030204" pitchFamily="18" charset="0"/>
+                                      </a:rPr>
+                                      <m:t>1</m:t>
+                                    </m:r>
+                                  </m:num>
+                                  <m:den>
+                                    <m:r>
+                                      <a:rPr lang="en-US" altLang="ja-JP" sz="2400" i="1">
+                                        <a:latin typeface="Cambria Math" panose="02040503050406030204" pitchFamily="18" charset="0"/>
+                                      </a:rPr>
+                                      <m:t>2</m:t>
+                                    </m:r>
+                                  </m:den>
+                                </m:f>
+                                <m:d>
+                                  <m:dPr>
+                                    <m:ctrlPr>
+                                      <a:rPr lang="en-US" altLang="ja-JP" sz="2400" b="0" i="1" smtClean="0">
+                                        <a:latin typeface="Cambria Math" panose="02040503050406030204" pitchFamily="18" charset="0"/>
+                                      </a:rPr>
+                                    </m:ctrlPr>
+                                  </m:dPr>
+                                  <m:e>
+                                    <m:sSub>
+                                      <m:sSubPr>
+                                        <m:ctrlPr>
+                                          <a:rPr lang="en-US" altLang="ja-JP" sz="2400" i="1">
+                                            <a:latin typeface="Cambria Math" panose="02040503050406030204" pitchFamily="18" charset="0"/>
+                                          </a:rPr>
+                                        </m:ctrlPr>
+                                      </m:sSubPr>
+                                      <m:e>
+                                        <m:r>
+                                          <a:rPr lang="en-US" altLang="ja-JP" sz="2400" i="1">
+                                            <a:latin typeface="Cambria Math" panose="02040503050406030204" pitchFamily="18" charset="0"/>
+                                          </a:rPr>
+                                          <m:t>𝛽</m:t>
+                                        </m:r>
+                                      </m:e>
+                                      <m:sub>
+                                        <m:r>
+                                          <a:rPr lang="en-US" altLang="ja-JP" sz="2400" i="1">
+                                            <a:latin typeface="Cambria Math" panose="02040503050406030204" pitchFamily="18" charset="0"/>
+                                          </a:rPr>
+                                          <m:t>1</m:t>
+                                        </m:r>
+                                      </m:sub>
+                                    </m:sSub>
+                                    <m:r>
+                                      <a:rPr lang="en-US" altLang="ja-JP" sz="2400" i="1">
+                                        <a:latin typeface="Cambria Math" panose="02040503050406030204" pitchFamily="18" charset="0"/>
+                                      </a:rPr>
+                                      <m:t>−</m:t>
+                                    </m:r>
+                                    <m:f>
+                                      <m:fPr>
+                                        <m:ctrlPr>
+                                          <a:rPr lang="en-US" altLang="ja-JP" sz="2400" i="1">
+                                            <a:latin typeface="Cambria Math" panose="02040503050406030204" pitchFamily="18" charset="0"/>
+                                          </a:rPr>
+                                        </m:ctrlPr>
+                                      </m:fPr>
+                                      <m:num>
+                                        <m:r>
+                                          <a:rPr lang="en-US" altLang="ja-JP" sz="2400" i="1">
+                                            <a:latin typeface="Cambria Math" panose="02040503050406030204" pitchFamily="18" charset="0"/>
+                                          </a:rPr>
+                                          <m:t>𝑢</m:t>
+                                        </m:r>
+                                      </m:num>
+                                      <m:den>
+                                        <m:r>
+                                          <a:rPr lang="en-US" altLang="ja-JP" sz="2400" i="1">
+                                            <a:latin typeface="Cambria Math" panose="02040503050406030204" pitchFamily="18" charset="0"/>
+                                          </a:rPr>
+                                          <m:t>𝑐</m:t>
+                                        </m:r>
+                                      </m:den>
+                                    </m:f>
+                                  </m:e>
+                                </m:d>
+                              </m:e>
+                              <m:e>
+                                <m:f>
+                                  <m:fPr>
+                                    <m:ctrlPr>
+                                      <a:rPr lang="en-US" altLang="ja-JP" sz="2400" b="0" i="1" smtClean="0">
+                                        <a:latin typeface="Cambria Math" panose="02040503050406030204" pitchFamily="18" charset="0"/>
+                                      </a:rPr>
+                                    </m:ctrlPr>
+                                  </m:fPr>
+                                  <m:num>
+                                    <m:r>
+                                      <a:rPr lang="en-US" altLang="ja-JP" sz="2400" b="0" i="1" smtClean="0">
+                                        <a:latin typeface="Cambria Math" panose="02040503050406030204" pitchFamily="18" charset="0"/>
+                                      </a:rPr>
+                                      <m:t>1</m:t>
+                                    </m:r>
+                                  </m:num>
+                                  <m:den>
+                                    <m:r>
+                                      <a:rPr lang="en-US" altLang="ja-JP" sz="2400" b="0" i="1" smtClean="0">
+                                        <a:latin typeface="Cambria Math" panose="02040503050406030204" pitchFamily="18" charset="0"/>
+                                      </a:rPr>
+                                      <m:t>2</m:t>
+                                    </m:r>
+                                  </m:den>
+                                </m:f>
+                                <m:d>
+                                  <m:dPr>
+                                    <m:ctrlPr>
+                                      <a:rPr lang="en-US" altLang="ja-JP" sz="2400" b="0" i="1" smtClean="0">
+                                        <a:latin typeface="Cambria Math" panose="02040503050406030204" pitchFamily="18" charset="0"/>
+                                      </a:rPr>
+                                    </m:ctrlPr>
+                                  </m:dPr>
+                                  <m:e>
+                                    <m:f>
+                                      <m:fPr>
+                                        <m:ctrlPr>
+                                          <a:rPr lang="en-US" altLang="ja-JP" sz="2400" b="0" i="1" smtClean="0">
+                                            <a:latin typeface="Cambria Math" panose="02040503050406030204" pitchFamily="18" charset="0"/>
+                                          </a:rPr>
+                                        </m:ctrlPr>
+                                      </m:fPr>
+                                      <m:num>
+                                        <m:r>
+                                          <a:rPr lang="en-US" altLang="ja-JP" sz="2400" b="0" i="1" smtClean="0">
+                                            <a:latin typeface="Cambria Math" panose="02040503050406030204" pitchFamily="18" charset="0"/>
+                                          </a:rPr>
+                                          <m:t>1</m:t>
+                                        </m:r>
+                                      </m:num>
+                                      <m:den>
+                                        <m:r>
+                                          <a:rPr lang="en-US" altLang="ja-JP" sz="2400" b="0" i="1" smtClean="0">
+                                            <a:latin typeface="Cambria Math" panose="02040503050406030204" pitchFamily="18" charset="0"/>
+                                          </a:rPr>
+                                          <m:t>𝑐</m:t>
+                                        </m:r>
+                                      </m:den>
+                                    </m:f>
+                                    <m:r>
+                                      <a:rPr lang="en-US" altLang="ja-JP" sz="2400" b="0" i="1" smtClean="0">
+                                        <a:latin typeface="Cambria Math" panose="02040503050406030204" pitchFamily="18" charset="0"/>
+                                      </a:rPr>
+                                      <m:t>−</m:t>
+                                    </m:r>
+                                    <m:r>
+                                      <a:rPr lang="en-US" altLang="ja-JP" sz="2400" b="0" i="1" smtClean="0">
+                                        <a:latin typeface="Cambria Math" panose="02040503050406030204" pitchFamily="18" charset="0"/>
+                                      </a:rPr>
+                                      <m:t>𝑢</m:t>
+                                    </m:r>
+                                    <m:sSub>
+                                      <m:sSubPr>
+                                        <m:ctrlPr>
+                                          <a:rPr lang="en-US" altLang="ja-JP" sz="2400" b="0" i="1" smtClean="0">
+                                            <a:latin typeface="Cambria Math" panose="02040503050406030204" pitchFamily="18" charset="0"/>
+                                          </a:rPr>
+                                        </m:ctrlPr>
+                                      </m:sSubPr>
+                                      <m:e>
+                                        <m:r>
+                                          <a:rPr lang="en-US" altLang="ja-JP" sz="2400" b="0" i="1" smtClean="0">
+                                            <a:latin typeface="Cambria Math" panose="02040503050406030204" pitchFamily="18" charset="0"/>
+                                          </a:rPr>
+                                          <m:t>𝛽</m:t>
+                                        </m:r>
+                                      </m:e>
+                                      <m:sub>
+                                        <m:r>
+                                          <a:rPr lang="en-US" altLang="ja-JP" sz="2400" b="0" i="1" smtClean="0">
+                                            <a:latin typeface="Cambria Math" panose="02040503050406030204" pitchFamily="18" charset="0"/>
+                                          </a:rPr>
+                                          <m:t>2</m:t>
+                                        </m:r>
+                                      </m:sub>
+                                    </m:sSub>
+                                  </m:e>
+                                </m:d>
+                              </m:e>
+                              <m:e>
+                                <m:f>
+                                  <m:fPr>
+                                    <m:ctrlPr>
+                                      <a:rPr lang="en-US" altLang="ja-JP" sz="2400" b="0" i="1" smtClean="0">
+                                        <a:latin typeface="Cambria Math" panose="02040503050406030204" pitchFamily="18" charset="0"/>
+                                      </a:rPr>
+                                    </m:ctrlPr>
+                                  </m:fPr>
+                                  <m:num>
+                                    <m:sSub>
+                                      <m:sSubPr>
+                                        <m:ctrlPr>
+                                          <a:rPr lang="en-US" altLang="ja-JP" sz="2400" i="1">
+                                            <a:latin typeface="Cambria Math" panose="02040503050406030204" pitchFamily="18" charset="0"/>
+                                          </a:rPr>
+                                        </m:ctrlPr>
+                                      </m:sSubPr>
+                                      <m:e>
+                                        <m:r>
+                                          <a:rPr lang="en-US" altLang="ja-JP" sz="2400" i="1">
+                                            <a:latin typeface="Cambria Math" panose="02040503050406030204" pitchFamily="18" charset="0"/>
+                                          </a:rPr>
+                                          <m:t>𝛽</m:t>
+                                        </m:r>
+                                      </m:e>
+                                      <m:sub>
+                                        <m:r>
+                                          <a:rPr lang="en-US" altLang="ja-JP" sz="2400" i="1">
+                                            <a:latin typeface="Cambria Math" panose="02040503050406030204" pitchFamily="18" charset="0"/>
+                                          </a:rPr>
+                                          <m:t>2</m:t>
+                                        </m:r>
+                                      </m:sub>
+                                    </m:sSub>
+                                  </m:num>
+                                  <m:den>
+                                    <m:r>
+                                      <a:rPr lang="en-US" altLang="ja-JP" sz="2400" b="0" i="1" smtClean="0">
+                                        <a:latin typeface="Cambria Math" panose="02040503050406030204" pitchFamily="18" charset="0"/>
+                                      </a:rPr>
+                                      <m:t>2</m:t>
+                                    </m:r>
+                                  </m:den>
+                                </m:f>
+                              </m:e>
+                            </m:mr>
+                          </m:m>
+                        </m:e>
+                      </m:d>
+                    </m:oMath>
+                    <m:oMath xmlns:m="http://schemas.openxmlformats.org/officeDocument/2006/math">
+                      <m:sSub>
+                        <m:sSubPr>
+                          <m:ctrlPr>
+                            <a:rPr lang="en-US" altLang="ja-JP" sz="2400" b="0" i="1" smtClean="0">
+                              <a:latin typeface="Cambria Math" panose="02040503050406030204" pitchFamily="18" charset="0"/>
+                            </a:rPr>
+                          </m:ctrlPr>
+                        </m:sSubPr>
+                        <m:e>
+                          <m:r>
+                            <a:rPr lang="en-US" altLang="ja-JP" sz="2400" b="0" i="1" smtClean="0">
+                              <a:latin typeface="Cambria Math" panose="02040503050406030204" pitchFamily="18" charset="0"/>
+                            </a:rPr>
+                            <m:t>𝛽</m:t>
+                          </m:r>
+                        </m:e>
+                        <m:sub>
+                          <m:r>
+                            <a:rPr lang="en-US" altLang="ja-JP" sz="2400" b="0" i="1" smtClean="0">
+                              <a:latin typeface="Cambria Math" panose="02040503050406030204" pitchFamily="18" charset="0"/>
+                            </a:rPr>
+                            <m:t>1</m:t>
+                          </m:r>
+                        </m:sub>
+                      </m:sSub>
+                      <m:r>
+                        <a:rPr lang="en-US" altLang="ja-JP" sz="2400" b="0" i="1" smtClean="0">
+                          <a:latin typeface="Cambria Math" panose="02040503050406030204" pitchFamily="18" charset="0"/>
+                        </a:rPr>
+                        <m:t>=</m:t>
+                      </m:r>
+                      <m:f>
+                        <m:fPr>
+                          <m:ctrlPr>
+                            <a:rPr lang="en-US" altLang="ja-JP" sz="2400" b="0" i="1" smtClean="0">
+                              <a:latin typeface="Cambria Math" panose="02040503050406030204" pitchFamily="18" charset="0"/>
+                            </a:rPr>
+                          </m:ctrlPr>
+                        </m:fPr>
+                        <m:num>
+                          <m:r>
+                            <a:rPr lang="en-US" altLang="ja-JP" sz="2400" b="0" i="1" smtClean="0">
+                              <a:latin typeface="Cambria Math" panose="02040503050406030204" pitchFamily="18" charset="0"/>
+                            </a:rPr>
+                            <m:t>1</m:t>
+                          </m:r>
+                        </m:num>
+                        <m:den>
+                          <m:r>
+                            <a:rPr lang="en-US" altLang="ja-JP" sz="2400" b="0" i="1" smtClean="0">
+                              <a:latin typeface="Cambria Math" panose="02040503050406030204" pitchFamily="18" charset="0"/>
+                            </a:rPr>
+                            <m:t>2</m:t>
+                          </m:r>
+                        </m:den>
+                      </m:f>
+                      <m:sSup>
+                        <m:sSupPr>
+                          <m:ctrlPr>
+                            <a:rPr lang="en-US" altLang="ja-JP" sz="2400" b="0" i="1" smtClean="0">
+                              <a:latin typeface="Cambria Math" panose="02040503050406030204" pitchFamily="18" charset="0"/>
+                            </a:rPr>
+                          </m:ctrlPr>
+                        </m:sSupPr>
+                        <m:e>
+                          <m:r>
+                            <a:rPr lang="en-US" altLang="ja-JP" sz="2400" b="0" i="1" smtClean="0">
+                              <a:latin typeface="Cambria Math" panose="02040503050406030204" pitchFamily="18" charset="0"/>
+                            </a:rPr>
+                            <m:t>𝑢</m:t>
+                          </m:r>
+                        </m:e>
+                        <m:sup>
+                          <m:r>
+                            <a:rPr lang="en-US" altLang="ja-JP" sz="2400" b="0" i="1" smtClean="0">
+                              <a:latin typeface="Cambria Math" panose="02040503050406030204" pitchFamily="18" charset="0"/>
+                            </a:rPr>
+                            <m:t>2</m:t>
+                          </m:r>
+                        </m:sup>
+                      </m:sSup>
+                      <m:sSub>
+                        <m:sSubPr>
+                          <m:ctrlPr>
+                            <a:rPr lang="en-US" altLang="ja-JP" sz="2400" b="0" i="1" smtClean="0">
+                              <a:latin typeface="Cambria Math" panose="02040503050406030204" pitchFamily="18" charset="0"/>
+                            </a:rPr>
+                          </m:ctrlPr>
+                        </m:sSubPr>
+                        <m:e>
+                          <m:r>
+                            <a:rPr lang="en-US" altLang="ja-JP" sz="2400" b="0" i="1" smtClean="0">
+                              <a:latin typeface="Cambria Math" panose="02040503050406030204" pitchFamily="18" charset="0"/>
+                            </a:rPr>
+                            <m:t>𝛽</m:t>
+                          </m:r>
+                        </m:e>
+                        <m:sub>
+                          <m:r>
+                            <a:rPr lang="en-US" altLang="ja-JP" sz="2400" b="0" i="1" smtClean="0">
+                              <a:latin typeface="Cambria Math" panose="02040503050406030204" pitchFamily="18" charset="0"/>
+                            </a:rPr>
+                            <m:t>2</m:t>
+                          </m:r>
+                        </m:sub>
+                      </m:sSub>
+                      <m:r>
+                        <a:rPr lang="en-US" altLang="ja-JP" sz="2400" b="0" i="1" smtClean="0">
+                          <a:latin typeface="Cambria Math" panose="02040503050406030204" pitchFamily="18" charset="0"/>
+                        </a:rPr>
+                        <m:t>,  </m:t>
+                      </m:r>
+                      <m:sSub>
+                        <m:sSubPr>
+                          <m:ctrlPr>
+                            <a:rPr lang="en-US" altLang="ja-JP" sz="2400" b="0" i="1" smtClean="0">
+                              <a:latin typeface="Cambria Math" panose="02040503050406030204" pitchFamily="18" charset="0"/>
+                            </a:rPr>
+                          </m:ctrlPr>
+                        </m:sSubPr>
+                        <m:e>
+                          <m:r>
+                            <a:rPr lang="en-US" altLang="ja-JP" sz="2400" b="0" i="1" smtClean="0">
+                              <a:latin typeface="Cambria Math" panose="02040503050406030204" pitchFamily="18" charset="0"/>
+                            </a:rPr>
+                            <m:t>𝛽</m:t>
+                          </m:r>
+                        </m:e>
+                        <m:sub>
+                          <m:r>
+                            <a:rPr lang="en-US" altLang="ja-JP" sz="2400" b="0" i="1" smtClean="0">
+                              <a:latin typeface="Cambria Math" panose="02040503050406030204" pitchFamily="18" charset="0"/>
+                            </a:rPr>
+                            <m:t>2</m:t>
+                          </m:r>
+                        </m:sub>
+                      </m:sSub>
+                      <m:r>
+                        <a:rPr lang="en-US" altLang="ja-JP" sz="2400" b="0" i="1" smtClean="0">
+                          <a:latin typeface="Cambria Math" panose="02040503050406030204" pitchFamily="18" charset="0"/>
+                        </a:rPr>
+                        <m:t>=</m:t>
+                      </m:r>
+                      <m:f>
+                        <m:fPr>
+                          <m:ctrlPr>
+                            <a:rPr lang="en-US" altLang="ja-JP" sz="2400" b="0" i="1" smtClean="0">
+                              <a:latin typeface="Cambria Math" panose="02040503050406030204" pitchFamily="18" charset="0"/>
+                            </a:rPr>
+                          </m:ctrlPr>
+                        </m:fPr>
+                        <m:num>
+                          <m:r>
+                            <a:rPr lang="en-US" altLang="ja-JP" sz="2400" b="0" i="1" smtClean="0">
+                              <a:latin typeface="Cambria Math" panose="02040503050406030204" pitchFamily="18" charset="0"/>
+                            </a:rPr>
+                            <m:t>𝛾</m:t>
+                          </m:r>
+                          <m:r>
+                            <a:rPr lang="en-US" altLang="ja-JP" sz="2400" b="0" i="1" smtClean="0">
+                              <a:latin typeface="Cambria Math" panose="02040503050406030204" pitchFamily="18" charset="0"/>
+                            </a:rPr>
+                            <m:t>−1</m:t>
+                          </m:r>
+                        </m:num>
+                        <m:den>
+                          <m:sSup>
+                            <m:sSupPr>
+                              <m:ctrlPr>
+                                <a:rPr lang="en-US" altLang="ja-JP" sz="2400" b="0" i="1" smtClean="0">
+                                  <a:latin typeface="Cambria Math" panose="02040503050406030204" pitchFamily="18" charset="0"/>
+                                </a:rPr>
+                              </m:ctrlPr>
+                            </m:sSupPr>
+                            <m:e>
+                              <m:r>
+                                <a:rPr lang="en-US" altLang="ja-JP" sz="2400" b="0" i="1" smtClean="0">
+                                  <a:latin typeface="Cambria Math" panose="02040503050406030204" pitchFamily="18" charset="0"/>
+                                </a:rPr>
+                                <m:t>𝑐</m:t>
+                              </m:r>
+                            </m:e>
+                            <m:sup>
+                              <m:r>
+                                <a:rPr lang="en-US" altLang="ja-JP" sz="2400" b="0" i="1" smtClean="0">
+                                  <a:latin typeface="Cambria Math" panose="02040503050406030204" pitchFamily="18" charset="0"/>
+                                </a:rPr>
+                                <m:t>2</m:t>
+                              </m:r>
+                            </m:sup>
+                          </m:sSup>
+                        </m:den>
+                      </m:f>
+                      <m:r>
+                        <a:rPr lang="en-US" altLang="ja-JP" sz="2400" b="0" i="1" smtClean="0">
+                          <a:latin typeface="Cambria Math" panose="02040503050406030204" pitchFamily="18" charset="0"/>
+                        </a:rPr>
+                        <m:t>,  </m:t>
+                      </m:r>
+                      <m:r>
+                        <a:rPr lang="en-US" altLang="ja-JP" sz="2400" b="0" i="1" smtClean="0">
+                          <a:latin typeface="Cambria Math" panose="02040503050406030204" pitchFamily="18" charset="0"/>
+                        </a:rPr>
+                        <m:t>𝐻</m:t>
+                      </m:r>
+                      <m:r>
+                        <a:rPr lang="en-US" altLang="ja-JP" sz="2400" b="0" i="1" smtClean="0">
+                          <a:latin typeface="Cambria Math" panose="02040503050406030204" pitchFamily="18" charset="0"/>
+                        </a:rPr>
+                        <m:t>=</m:t>
+                      </m:r>
+                      <m:r>
+                        <a:rPr lang="en-US" altLang="ja-JP" sz="2400" b="0" i="1" smtClean="0">
+                          <a:latin typeface="Cambria Math" panose="02040503050406030204" pitchFamily="18" charset="0"/>
+                        </a:rPr>
+                        <m:t>𝑒</m:t>
+                      </m:r>
+                      <m:r>
+                        <a:rPr lang="en-US" altLang="ja-JP" sz="2400" b="0" i="1" smtClean="0">
+                          <a:latin typeface="Cambria Math" panose="02040503050406030204" pitchFamily="18" charset="0"/>
+                        </a:rPr>
+                        <m:t>+</m:t>
+                      </m:r>
+                      <m:r>
+                        <a:rPr lang="en-US" altLang="ja-JP" sz="2400" b="0" i="1" smtClean="0">
+                          <a:latin typeface="Cambria Math" panose="02040503050406030204" pitchFamily="18" charset="0"/>
+                        </a:rPr>
+                        <m:t>𝑝</m:t>
+                      </m:r>
+                    </m:oMath>
+                  </m:oMathPara>
+                </a14:m>
+                <a:endParaRPr lang="en-US" altLang="ja-JP" sz="2400" dirty="0">
+                  <a:latin typeface="游明朝" panose="02020400000000000000" pitchFamily="18" charset="-128"/>
+                  <a:ea typeface="游明朝" panose="02020400000000000000" pitchFamily="18" charset="-128"/>
+                </a:endParaRPr>
+              </a:p>
+              <a:p>
+                <a:pPr marL="0" indent="0">
+                  <a:buNone/>
+                </a:pPr>
+                <a:r>
+                  <a:rPr lang="en-US" altLang="ja-JP" sz="2400" dirty="0">
+                    <a:latin typeface="游明朝" panose="02020400000000000000" pitchFamily="18" charset="-128"/>
+                    <a:ea typeface="游明朝" panose="02020400000000000000" pitchFamily="18" charset="-128"/>
+                  </a:rPr>
+                  <a:t>1.</a:t>
+                </a:r>
+                <a:r>
+                  <a:rPr lang="ja-JP" altLang="en-US" sz="2400" dirty="0">
+                    <a:latin typeface="游明朝" panose="02020400000000000000" pitchFamily="18" charset="-128"/>
+                    <a:ea typeface="游明朝" panose="02020400000000000000" pitchFamily="18" charset="-128"/>
+                  </a:rPr>
+                  <a:t>各格子点にて</a:t>
+                </a:r>
+                <a14:m>
+                  <m:oMath xmlns:m="http://schemas.openxmlformats.org/officeDocument/2006/math">
+                    <m:sSub>
+                      <m:sSubPr>
+                        <m:ctrlPr>
+                          <a:rPr lang="en-US" altLang="ja-JP" sz="2400" b="0" i="1" dirty="0" smtClean="0">
+                            <a:latin typeface="Cambria Math" panose="02040503050406030204" pitchFamily="18" charset="0"/>
+                            <a:ea typeface="游明朝" panose="02020400000000000000" pitchFamily="18" charset="-128"/>
+                          </a:rPr>
+                        </m:ctrlPr>
+                      </m:sSubPr>
+                      <m:e>
+                        <m:r>
+                          <a:rPr lang="en-US" altLang="ja-JP" sz="2400" b="0" i="1" dirty="0" smtClean="0">
+                            <a:latin typeface="Cambria Math" panose="02040503050406030204" pitchFamily="18" charset="0"/>
+                            <a:ea typeface="游明朝" panose="02020400000000000000" pitchFamily="18" charset="-128"/>
+                          </a:rPr>
+                          <m:t>𝜌</m:t>
+                        </m:r>
+                      </m:e>
+                      <m:sub>
+                        <m:r>
+                          <a:rPr lang="en-US" altLang="ja-JP" sz="2400" b="0" i="1" dirty="0" smtClean="0">
+                            <a:latin typeface="Cambria Math" panose="02040503050406030204" pitchFamily="18" charset="0"/>
+                            <a:ea typeface="游明朝" panose="02020400000000000000" pitchFamily="18" charset="-128"/>
+                          </a:rPr>
+                          <m:t>𝑖</m:t>
+                        </m:r>
+                      </m:sub>
+                    </m:sSub>
+                    <m:r>
+                      <a:rPr lang="en-US" altLang="ja-JP" sz="2400" b="0" i="1" dirty="0" smtClean="0">
+                        <a:latin typeface="Cambria Math" panose="02040503050406030204" pitchFamily="18" charset="0"/>
+                        <a:ea typeface="游明朝" panose="02020400000000000000" pitchFamily="18" charset="-128"/>
+                      </a:rPr>
+                      <m:t>, </m:t>
+                    </m:r>
+                    <m:sSub>
+                      <m:sSubPr>
+                        <m:ctrlPr>
+                          <a:rPr lang="en-US" altLang="ja-JP" sz="2400" i="1" dirty="0" smtClean="0">
+                            <a:latin typeface="Cambria Math" panose="02040503050406030204" pitchFamily="18" charset="0"/>
+                            <a:ea typeface="游明朝" panose="02020400000000000000" pitchFamily="18" charset="-128"/>
+                          </a:rPr>
+                        </m:ctrlPr>
+                      </m:sSubPr>
+                      <m:e>
+                        <m:r>
+                          <a:rPr lang="en-US" altLang="ja-JP" sz="2400" i="1" dirty="0" smtClean="0">
+                            <a:latin typeface="Cambria Math" panose="02040503050406030204" pitchFamily="18" charset="0"/>
+                            <a:ea typeface="游明朝" panose="02020400000000000000" pitchFamily="18" charset="-128"/>
+                          </a:rPr>
+                          <m:t>𝑢</m:t>
+                        </m:r>
+                      </m:e>
+                      <m:sub>
+                        <m:r>
+                          <a:rPr lang="en-US" altLang="ja-JP" sz="2400" i="1" dirty="0" smtClean="0">
+                            <a:latin typeface="Cambria Math" panose="02040503050406030204" pitchFamily="18" charset="0"/>
+                            <a:ea typeface="游明朝" panose="02020400000000000000" pitchFamily="18" charset="-128"/>
+                          </a:rPr>
+                          <m:t>𝑖</m:t>
+                        </m:r>
+                      </m:sub>
+                    </m:sSub>
+                    <m:r>
+                      <a:rPr lang="en-US" altLang="ja-JP" sz="2400" i="1" dirty="0" smtClean="0">
+                        <a:latin typeface="Cambria Math" panose="02040503050406030204" pitchFamily="18" charset="0"/>
+                        <a:ea typeface="游明朝" panose="02020400000000000000" pitchFamily="18" charset="-128"/>
+                      </a:rPr>
+                      <m:t>, </m:t>
+                    </m:r>
+                    <m:sSub>
+                      <m:sSubPr>
+                        <m:ctrlPr>
+                          <a:rPr lang="en-US" altLang="ja-JP" sz="2400" i="1" dirty="0" smtClean="0">
+                            <a:latin typeface="Cambria Math" panose="02040503050406030204" pitchFamily="18" charset="0"/>
+                            <a:ea typeface="游明朝" panose="02020400000000000000" pitchFamily="18" charset="-128"/>
+                          </a:rPr>
+                        </m:ctrlPr>
+                      </m:sSubPr>
+                      <m:e>
+                        <m:r>
+                          <a:rPr lang="en-US" altLang="ja-JP" sz="2400" i="1" dirty="0" smtClean="0">
+                            <a:latin typeface="Cambria Math" panose="02040503050406030204" pitchFamily="18" charset="0"/>
+                            <a:ea typeface="游明朝" panose="02020400000000000000" pitchFamily="18" charset="-128"/>
+                          </a:rPr>
+                          <m:t>𝐻</m:t>
+                        </m:r>
+                      </m:e>
+                      <m:sub>
+                        <m:r>
+                          <a:rPr lang="en-US" altLang="ja-JP" sz="2400" i="1" dirty="0" smtClean="0">
+                            <a:latin typeface="Cambria Math" panose="02040503050406030204" pitchFamily="18" charset="0"/>
+                            <a:ea typeface="游明朝" panose="02020400000000000000" pitchFamily="18" charset="-128"/>
+                          </a:rPr>
+                          <m:t>𝑖</m:t>
+                        </m:r>
+                      </m:sub>
+                    </m:sSub>
+                  </m:oMath>
+                </a14:m>
+                <a:r>
+                  <a:rPr lang="ja-JP" altLang="en-US" sz="2400" dirty="0">
+                    <a:latin typeface="游明朝" panose="02020400000000000000" pitchFamily="18" charset="-128"/>
+                    <a:ea typeface="游明朝" panose="02020400000000000000" pitchFamily="18" charset="-128"/>
+                  </a:rPr>
+                  <a:t>を求</a:t>
+                </a:r>
+                <a14:m>
+                  <m:oMath xmlns:m="http://schemas.openxmlformats.org/officeDocument/2006/math">
+                    <m:r>
+                      <a:rPr lang="ja-JP" altLang="en-US" sz="2400" b="0" i="1" smtClean="0">
+                        <a:latin typeface="Cambria Math" panose="02040503050406030204" pitchFamily="18" charset="0"/>
+                        <a:ea typeface="游明朝" panose="02020400000000000000" pitchFamily="18" charset="-128"/>
+                      </a:rPr>
+                      <m:t>める</m:t>
+                    </m:r>
+                    <m:r>
+                      <a:rPr lang="en-US" altLang="ja-JP" sz="2400" b="0" i="1" smtClean="0">
+                        <a:latin typeface="Cambria Math" panose="02040503050406030204" pitchFamily="18" charset="0"/>
+                        <a:ea typeface="游明朝" panose="02020400000000000000" pitchFamily="18" charset="-128"/>
+                      </a:rPr>
+                      <m:t> </m:t>
+                    </m:r>
+                  </m:oMath>
+                </a14:m>
+                <a:endParaRPr lang="en-US" altLang="ja-JP" sz="2400" b="0" dirty="0">
+                  <a:latin typeface="游明朝" panose="02020400000000000000" pitchFamily="18" charset="-128"/>
+                  <a:ea typeface="游明朝" panose="02020400000000000000" pitchFamily="18" charset="-128"/>
+                </a:endParaRPr>
+              </a:p>
+              <a:p>
+                <a:pPr marL="0" indent="0">
+                  <a:buNone/>
+                </a:pPr>
+                <a:r>
+                  <a:rPr lang="en-US" altLang="ja-JP" sz="2400" dirty="0">
+                    <a:latin typeface="游明朝" panose="02020400000000000000" pitchFamily="18" charset="-128"/>
+                    <a:ea typeface="游明朝" panose="02020400000000000000" pitchFamily="18" charset="-128"/>
+                  </a:rPr>
+                  <a:t>2.</a:t>
+                </a:r>
+                <a:r>
+                  <a:rPr lang="ja-JP" altLang="en-US" sz="2400" dirty="0">
+                    <a:ea typeface="游明朝" panose="02020400000000000000" pitchFamily="18" charset="-128"/>
+                  </a:rPr>
+                  <a:t>隣接格子点間で</a:t>
+                </a:r>
+                <a14:m>
+                  <m:oMath xmlns:m="http://schemas.openxmlformats.org/officeDocument/2006/math">
+                    <m:sSub>
+                      <m:sSubPr>
+                        <m:ctrlPr>
+                          <a:rPr lang="en-US" altLang="ja-JP" sz="2400" i="1" dirty="0">
+                            <a:latin typeface="Cambria Math" panose="02040503050406030204" pitchFamily="18" charset="0"/>
+                            <a:ea typeface="游明朝" panose="02020400000000000000" pitchFamily="18" charset="-128"/>
+                          </a:rPr>
+                        </m:ctrlPr>
+                      </m:sSubPr>
+                      <m:e>
+                        <m:r>
+                          <a:rPr lang="en-US" altLang="ja-JP" sz="2400" i="1" dirty="0">
+                            <a:latin typeface="Cambria Math" panose="02040503050406030204" pitchFamily="18" charset="0"/>
+                            <a:ea typeface="游明朝" panose="02020400000000000000" pitchFamily="18" charset="-128"/>
+                          </a:rPr>
+                          <m:t>𝑢</m:t>
+                        </m:r>
+                      </m:e>
+                      <m:sub>
+                        <m:r>
+                          <a:rPr lang="en-US" altLang="ja-JP" sz="2400" i="1" dirty="0">
+                            <a:latin typeface="Cambria Math" panose="02040503050406030204" pitchFamily="18" charset="0"/>
+                            <a:ea typeface="游明朝" panose="02020400000000000000" pitchFamily="18" charset="-128"/>
+                          </a:rPr>
+                          <m:t>𝑖</m:t>
+                        </m:r>
+                      </m:sub>
+                    </m:sSub>
+                    <m:r>
+                      <a:rPr lang="en-US" altLang="ja-JP" sz="2400" i="1" dirty="0">
+                        <a:latin typeface="Cambria Math" panose="02040503050406030204" pitchFamily="18" charset="0"/>
+                        <a:ea typeface="游明朝" panose="02020400000000000000" pitchFamily="18" charset="-128"/>
+                      </a:rPr>
+                      <m:t>, </m:t>
+                    </m:r>
+                    <m:sSub>
+                      <m:sSubPr>
+                        <m:ctrlPr>
+                          <a:rPr lang="en-US" altLang="ja-JP" sz="2400" i="1" dirty="0">
+                            <a:latin typeface="Cambria Math" panose="02040503050406030204" pitchFamily="18" charset="0"/>
+                            <a:ea typeface="游明朝" panose="02020400000000000000" pitchFamily="18" charset="-128"/>
+                          </a:rPr>
+                        </m:ctrlPr>
+                      </m:sSubPr>
+                      <m:e>
+                        <m:r>
+                          <a:rPr lang="en-US" altLang="ja-JP" sz="2400" i="1" dirty="0">
+                            <a:latin typeface="Cambria Math" panose="02040503050406030204" pitchFamily="18" charset="0"/>
+                            <a:ea typeface="游明朝" panose="02020400000000000000" pitchFamily="18" charset="-128"/>
+                          </a:rPr>
+                          <m:t>𝐻</m:t>
+                        </m:r>
+                      </m:e>
+                      <m:sub>
+                        <m:r>
+                          <a:rPr lang="en-US" altLang="ja-JP" sz="2400" i="1" dirty="0">
+                            <a:latin typeface="Cambria Math" panose="02040503050406030204" pitchFamily="18" charset="0"/>
+                            <a:ea typeface="游明朝" panose="02020400000000000000" pitchFamily="18" charset="-128"/>
+                          </a:rPr>
+                          <m:t>𝑖</m:t>
+                        </m:r>
+                      </m:sub>
+                    </m:sSub>
+                  </m:oMath>
+                </a14:m>
+                <a:r>
+                  <a:rPr lang="ja-JP" altLang="en-US" sz="2400" dirty="0">
+                    <a:ea typeface="游明朝" panose="02020400000000000000" pitchFamily="18" charset="-128"/>
+                  </a:rPr>
+                  <a:t>の</a:t>
+                </a:r>
+                <a:r>
+                  <a:rPr lang="en-US" altLang="ja-JP" sz="2400" dirty="0">
+                    <a:ea typeface="游明朝" panose="02020400000000000000" pitchFamily="18" charset="-128"/>
+                  </a:rPr>
+                  <a:t>Roe</a:t>
+                </a:r>
+                <a:r>
+                  <a:rPr lang="ja-JP" altLang="en-US" sz="2400" dirty="0">
+                    <a:ea typeface="游明朝" panose="02020400000000000000" pitchFamily="18" charset="-128"/>
+                  </a:rPr>
+                  <a:t>平均を求める</a:t>
+                </a:r>
+                <a:endParaRPr lang="en-US" altLang="ja-JP" sz="2400" dirty="0">
+                  <a:ea typeface="游明朝" panose="02020400000000000000" pitchFamily="18" charset="-128"/>
+                </a:endParaRPr>
+              </a:p>
+              <a:p>
+                <a:pPr marL="0" indent="0">
+                  <a:buNone/>
+                </a:pPr>
+                <a:r>
+                  <a:rPr lang="en-US" altLang="ja-JP" sz="2400" dirty="0">
+                    <a:latin typeface="游明朝" panose="02020400000000000000" pitchFamily="18" charset="-128"/>
+                    <a:ea typeface="游明朝" panose="02020400000000000000" pitchFamily="18" charset="-128"/>
+                  </a:rPr>
+                  <a:t>3.Roe</a:t>
+                </a:r>
+                <a:r>
+                  <a:rPr lang="ja-JP" altLang="en-US" sz="2400" dirty="0">
+                    <a:latin typeface="游明朝" panose="02020400000000000000" pitchFamily="18" charset="-128"/>
+                    <a:ea typeface="游明朝" panose="02020400000000000000" pitchFamily="18" charset="-128"/>
+                  </a:rPr>
+                  <a:t>平均を用いて</a:t>
+                </a:r>
+                <a:r>
+                  <a:rPr lang="ja-JP" altLang="en-US" sz="2400" dirty="0">
+                    <a:ea typeface="游明朝" panose="02020400000000000000" pitchFamily="18" charset="-128"/>
+                  </a:rPr>
+                  <a:t>隣接格子点間の音速を</a:t>
+                </a:r>
+                <a14:m>
+                  <m:oMath xmlns:m="http://schemas.openxmlformats.org/officeDocument/2006/math">
+                    <m:r>
+                      <a:rPr lang="en-US" altLang="ja-JP" sz="2400" b="0" i="1" smtClean="0">
+                        <a:latin typeface="Cambria Math" panose="02040503050406030204" pitchFamily="18" charset="0"/>
+                        <a:ea typeface="游明朝" panose="02020400000000000000" pitchFamily="18" charset="-128"/>
+                      </a:rPr>
+                      <m:t>𝑐</m:t>
+                    </m:r>
+                    <m:r>
+                      <a:rPr lang="en-US" altLang="ja-JP" sz="2400" b="0" i="1" smtClean="0">
+                        <a:latin typeface="Cambria Math" panose="02040503050406030204" pitchFamily="18" charset="0"/>
+                        <a:ea typeface="游明朝" panose="02020400000000000000" pitchFamily="18" charset="-128"/>
+                      </a:rPr>
+                      <m:t>=</m:t>
+                    </m:r>
+                    <m:rad>
+                      <m:radPr>
+                        <m:degHide m:val="on"/>
+                        <m:ctrlPr>
+                          <a:rPr lang="en-US" altLang="ja-JP" sz="2400" b="0" i="1" smtClean="0">
+                            <a:latin typeface="Cambria Math" panose="02040503050406030204" pitchFamily="18" charset="0"/>
+                            <a:ea typeface="游明朝" panose="02020400000000000000" pitchFamily="18" charset="-128"/>
+                          </a:rPr>
+                        </m:ctrlPr>
+                      </m:radPr>
+                      <m:deg/>
+                      <m:e>
+                        <m:d>
+                          <m:dPr>
+                            <m:ctrlPr>
+                              <a:rPr lang="en-US" altLang="ja-JP" sz="2400" b="0" i="1" smtClean="0">
+                                <a:latin typeface="Cambria Math" panose="02040503050406030204" pitchFamily="18" charset="0"/>
+                                <a:ea typeface="游明朝" panose="02020400000000000000" pitchFamily="18" charset="-128"/>
+                              </a:rPr>
+                            </m:ctrlPr>
+                          </m:dPr>
+                          <m:e>
+                            <m:r>
+                              <a:rPr lang="en-US" altLang="ja-JP" sz="2400" b="0" i="1" smtClean="0">
+                                <a:latin typeface="Cambria Math" panose="02040503050406030204" pitchFamily="18" charset="0"/>
+                                <a:ea typeface="游明朝" panose="02020400000000000000" pitchFamily="18" charset="-128"/>
+                              </a:rPr>
+                              <m:t>𝛾</m:t>
+                            </m:r>
+                            <m:r>
+                              <a:rPr lang="en-US" altLang="ja-JP" sz="2400" b="0" i="1" smtClean="0">
+                                <a:latin typeface="Cambria Math" panose="02040503050406030204" pitchFamily="18" charset="0"/>
+                                <a:ea typeface="游明朝" panose="02020400000000000000" pitchFamily="18" charset="-128"/>
+                              </a:rPr>
+                              <m:t>−1</m:t>
+                            </m:r>
+                          </m:e>
+                        </m:d>
+                        <m:r>
+                          <a:rPr lang="en-US" altLang="ja-JP" sz="2400" b="0" i="1" smtClean="0">
+                            <a:latin typeface="Cambria Math" panose="02040503050406030204" pitchFamily="18" charset="0"/>
+                            <a:ea typeface="游明朝" panose="02020400000000000000" pitchFamily="18" charset="-128"/>
+                          </a:rPr>
+                          <m:t>𝐻</m:t>
+                        </m:r>
+                        <m:r>
+                          <a:rPr lang="en-US" altLang="ja-JP" sz="2400" b="0" i="1" smtClean="0">
+                            <a:latin typeface="Cambria Math" panose="02040503050406030204" pitchFamily="18" charset="0"/>
+                            <a:ea typeface="游明朝" panose="02020400000000000000" pitchFamily="18" charset="-128"/>
+                          </a:rPr>
+                          <m:t>−</m:t>
+                        </m:r>
+                        <m:f>
+                          <m:fPr>
+                            <m:ctrlPr>
+                              <a:rPr lang="en-US" altLang="ja-JP" sz="2400" b="0" i="1" smtClean="0">
+                                <a:latin typeface="Cambria Math" panose="02040503050406030204" pitchFamily="18" charset="0"/>
+                                <a:ea typeface="游明朝" panose="02020400000000000000" pitchFamily="18" charset="-128"/>
+                              </a:rPr>
+                            </m:ctrlPr>
+                          </m:fPr>
+                          <m:num>
+                            <m:r>
+                              <a:rPr lang="en-US" altLang="ja-JP" sz="2400" b="0" i="1" smtClean="0">
+                                <a:latin typeface="Cambria Math" panose="02040503050406030204" pitchFamily="18" charset="0"/>
+                                <a:ea typeface="游明朝" panose="02020400000000000000" pitchFamily="18" charset="-128"/>
+                              </a:rPr>
+                              <m:t>1</m:t>
+                            </m:r>
+                          </m:num>
+                          <m:den>
+                            <m:r>
+                              <a:rPr lang="en-US" altLang="ja-JP" sz="2400" b="0" i="1" smtClean="0">
+                                <a:latin typeface="Cambria Math" panose="02040503050406030204" pitchFamily="18" charset="0"/>
+                                <a:ea typeface="游明朝" panose="02020400000000000000" pitchFamily="18" charset="-128"/>
+                              </a:rPr>
+                              <m:t>2</m:t>
+                            </m:r>
+                          </m:den>
+                        </m:f>
+                        <m:sSup>
+                          <m:sSupPr>
+                            <m:ctrlPr>
+                              <a:rPr lang="en-US" altLang="ja-JP" sz="2400" b="0" i="1" smtClean="0">
+                                <a:latin typeface="Cambria Math" panose="02040503050406030204" pitchFamily="18" charset="0"/>
+                                <a:ea typeface="游明朝" panose="02020400000000000000" pitchFamily="18" charset="-128"/>
+                              </a:rPr>
+                            </m:ctrlPr>
+                          </m:sSupPr>
+                          <m:e>
+                            <m:r>
+                              <a:rPr lang="en-US" altLang="ja-JP" sz="2400" b="0" i="1" smtClean="0">
+                                <a:latin typeface="Cambria Math" panose="02040503050406030204" pitchFamily="18" charset="0"/>
+                                <a:ea typeface="游明朝" panose="02020400000000000000" pitchFamily="18" charset="-128"/>
+                              </a:rPr>
+                              <m:t>𝑢</m:t>
+                            </m:r>
+                          </m:e>
+                          <m:sup>
+                            <m:r>
+                              <a:rPr lang="en-US" altLang="ja-JP" sz="2400" b="0" i="1" smtClean="0">
+                                <a:latin typeface="Cambria Math" panose="02040503050406030204" pitchFamily="18" charset="0"/>
+                                <a:ea typeface="游明朝" panose="02020400000000000000" pitchFamily="18" charset="-128"/>
+                              </a:rPr>
+                              <m:t>2</m:t>
+                            </m:r>
+                          </m:sup>
+                        </m:sSup>
+                      </m:e>
+                    </m:rad>
+                  </m:oMath>
+                </a14:m>
+                <a:r>
+                  <a:rPr lang="ja-JP" altLang="en-US" sz="2400" dirty="0">
+                    <a:latin typeface="游明朝" panose="02020400000000000000" pitchFamily="18" charset="-128"/>
+                    <a:ea typeface="游明朝" panose="02020400000000000000" pitchFamily="18" charset="-128"/>
+                  </a:rPr>
+                  <a:t>で与える</a:t>
+                </a:r>
+                <a:endParaRPr lang="en-US" altLang="ja-JP" sz="2400" dirty="0">
+                  <a:latin typeface="游明朝" panose="02020400000000000000" pitchFamily="18" charset="-128"/>
+                  <a:ea typeface="游明朝" panose="02020400000000000000" pitchFamily="18" charset="-128"/>
+                </a:endParaRPr>
+              </a:p>
+              <a:p>
+                <a:pPr marL="0" indent="0">
+                  <a:buNone/>
+                </a:pPr>
+                <a:r>
+                  <a:rPr lang="en-US" altLang="ja-JP" sz="2400" dirty="0">
+                    <a:latin typeface="游明朝" panose="02020400000000000000" pitchFamily="18" charset="-128"/>
+                    <a:ea typeface="游明朝" panose="02020400000000000000" pitchFamily="18" charset="-128"/>
+                  </a:rPr>
+                  <a:t>4.</a:t>
+                </a:r>
+                <a:r>
+                  <a:rPr lang="ja-JP" altLang="en-US" sz="2400" dirty="0">
+                    <a:latin typeface="游明朝" panose="02020400000000000000" pitchFamily="18" charset="-128"/>
+                    <a:ea typeface="游明朝" panose="02020400000000000000" pitchFamily="18" charset="-128"/>
+                  </a:rPr>
+                  <a:t>上の行列を使って</a:t>
+                </a:r>
+                <a14:m>
+                  <m:oMath xmlns:m="http://schemas.openxmlformats.org/officeDocument/2006/math">
+                    <m:sSub>
+                      <m:sSubPr>
+                        <m:ctrlPr>
+                          <a:rPr lang="en-US" altLang="ja-JP" sz="2400" i="1" dirty="0">
+                            <a:latin typeface="Cambria Math" panose="02040503050406030204" pitchFamily="18" charset="0"/>
+                            <a:ea typeface="游明朝" panose="02020400000000000000" pitchFamily="18" charset="-128"/>
+                          </a:rPr>
+                        </m:ctrlPr>
+                      </m:sSubPr>
+                      <m:e>
+                        <m:d>
+                          <m:dPr>
+                            <m:begChr m:val="|"/>
+                            <m:endChr m:val="|"/>
+                            <m:ctrlPr>
+                              <a:rPr lang="en-US" altLang="ja-JP" sz="2400" i="1">
+                                <a:latin typeface="Cambria Math" panose="02040503050406030204" pitchFamily="18" charset="0"/>
+                                <a:ea typeface="游明朝" panose="02020400000000000000" pitchFamily="18" charset="-128"/>
+                              </a:rPr>
+                            </m:ctrlPr>
+                          </m:dPr>
+                          <m:e>
+                            <m:r>
+                              <a:rPr lang="en-US" altLang="ja-JP" sz="2400" i="1">
+                                <a:latin typeface="Cambria Math" panose="02040503050406030204" pitchFamily="18" charset="0"/>
+                                <a:ea typeface="游明朝" panose="02020400000000000000" pitchFamily="18" charset="-128"/>
+                              </a:rPr>
+                              <m:t>𝐴</m:t>
+                            </m:r>
+                          </m:e>
+                        </m:d>
+                      </m:e>
+                      <m:sub>
+                        <m:r>
+                          <a:rPr lang="en-US" altLang="ja-JP" sz="2400" i="1" dirty="0">
+                            <a:latin typeface="Cambria Math" panose="02040503050406030204" pitchFamily="18" charset="0"/>
+                            <a:ea typeface="游明朝" panose="02020400000000000000" pitchFamily="18" charset="-128"/>
+                          </a:rPr>
+                          <m:t>𝑟𝑜</m:t>
+                        </m:r>
+                        <m:r>
+                          <a:rPr lang="en-US" altLang="ja-JP" sz="2400" i="1" dirty="0" err="1">
+                            <a:latin typeface="Cambria Math" panose="02040503050406030204" pitchFamily="18" charset="0"/>
+                            <a:ea typeface="游明朝" panose="02020400000000000000" pitchFamily="18" charset="-128"/>
+                          </a:rPr>
+                          <m:t>𝑒</m:t>
+                        </m:r>
+                      </m:sub>
+                    </m:sSub>
+                    <m:r>
+                      <a:rPr lang="en-US" altLang="ja-JP" sz="2400" i="1" dirty="0">
+                        <a:latin typeface="Cambria Math" panose="02040503050406030204" pitchFamily="18" charset="0"/>
+                        <a:ea typeface="游明朝" panose="02020400000000000000" pitchFamily="18" charset="-128"/>
+                      </a:rPr>
+                      <m:t>=</m:t>
+                    </m:r>
+                    <m:sSubSup>
+                      <m:sSubSupPr>
+                        <m:ctrlPr>
+                          <a:rPr lang="en-US" altLang="ja-JP" sz="2400" i="1" dirty="0">
+                            <a:latin typeface="Cambria Math" panose="02040503050406030204" pitchFamily="18" charset="0"/>
+                            <a:ea typeface="游明朝" panose="02020400000000000000" pitchFamily="18" charset="-128"/>
+                          </a:rPr>
+                        </m:ctrlPr>
+                      </m:sSubSupPr>
+                      <m:e>
+                        <m:r>
+                          <a:rPr lang="en-US" altLang="ja-JP" sz="2400" i="1" dirty="0">
+                            <a:latin typeface="Cambria Math" panose="02040503050406030204" pitchFamily="18" charset="0"/>
+                            <a:ea typeface="游明朝" panose="02020400000000000000" pitchFamily="18" charset="-128"/>
+                          </a:rPr>
+                          <m:t>𝑅</m:t>
+                        </m:r>
+                      </m:e>
+                      <m:sub>
+                        <m:r>
+                          <a:rPr lang="en-US" altLang="ja-JP" sz="2400" i="1" dirty="0">
+                            <a:latin typeface="Cambria Math" panose="02040503050406030204" pitchFamily="18" charset="0"/>
+                            <a:ea typeface="游明朝" panose="02020400000000000000" pitchFamily="18" charset="-128"/>
+                          </a:rPr>
+                          <m:t>𝑟𝑜𝑒</m:t>
+                        </m:r>
+                      </m:sub>
+                      <m:sup/>
+                    </m:sSubSup>
+                    <m:d>
+                      <m:dPr>
+                        <m:begChr m:val="|"/>
+                        <m:endChr m:val="|"/>
+                        <m:ctrlPr>
+                          <a:rPr lang="en-US" altLang="ja-JP" sz="2400" i="1">
+                            <a:latin typeface="Cambria Math" panose="02040503050406030204" pitchFamily="18" charset="0"/>
+                            <a:ea typeface="游明朝" panose="02020400000000000000" pitchFamily="18" charset="-128"/>
+                          </a:rPr>
+                        </m:ctrlPr>
+                      </m:dPr>
+                      <m:e>
+                        <m:sSub>
+                          <m:sSubPr>
+                            <m:ctrlPr>
+                              <a:rPr lang="en-US" altLang="ja-JP" sz="2400" i="1">
+                                <a:latin typeface="Cambria Math" panose="02040503050406030204" pitchFamily="18" charset="0"/>
+                                <a:ea typeface="游明朝" panose="02020400000000000000" pitchFamily="18" charset="-128"/>
+                              </a:rPr>
+                            </m:ctrlPr>
+                          </m:sSubPr>
+                          <m:e>
+                            <m:r>
+                              <a:rPr lang="en-US" altLang="ja-JP" sz="2400" i="1">
+                                <a:latin typeface="Cambria Math" panose="02040503050406030204" pitchFamily="18" charset="0"/>
+                                <a:ea typeface="游明朝" panose="02020400000000000000" pitchFamily="18" charset="-128"/>
+                              </a:rPr>
+                              <m:t>𝛬</m:t>
+                            </m:r>
+                          </m:e>
+                          <m:sub>
+                            <m:r>
+                              <a:rPr lang="en-US" altLang="ja-JP" sz="2400" i="1">
+                                <a:latin typeface="Cambria Math" panose="02040503050406030204" pitchFamily="18" charset="0"/>
+                                <a:ea typeface="游明朝" panose="02020400000000000000" pitchFamily="18" charset="-128"/>
+                              </a:rPr>
+                              <m:t>𝑟𝑜𝑒</m:t>
+                            </m:r>
+                          </m:sub>
+                        </m:sSub>
+                      </m:e>
+                    </m:d>
+                    <m:sSubSup>
+                      <m:sSubSupPr>
+                        <m:ctrlPr>
+                          <a:rPr lang="en-US" altLang="ja-JP" sz="2400" i="1">
+                            <a:latin typeface="Cambria Math" panose="02040503050406030204" pitchFamily="18" charset="0"/>
+                            <a:ea typeface="游明朝" panose="02020400000000000000" pitchFamily="18" charset="-128"/>
+                          </a:rPr>
+                        </m:ctrlPr>
+                      </m:sSubSupPr>
+                      <m:e>
+                        <m:r>
+                          <a:rPr lang="en-US" altLang="ja-JP" sz="2400" i="1">
+                            <a:latin typeface="Cambria Math" panose="02040503050406030204" pitchFamily="18" charset="0"/>
+                            <a:ea typeface="游明朝" panose="02020400000000000000" pitchFamily="18" charset="-128"/>
+                          </a:rPr>
+                          <m:t>𝑅</m:t>
+                        </m:r>
+                      </m:e>
+                      <m:sub>
+                        <m:r>
+                          <a:rPr lang="en-US" altLang="ja-JP" sz="2400" i="1">
+                            <a:latin typeface="Cambria Math" panose="02040503050406030204" pitchFamily="18" charset="0"/>
+                            <a:ea typeface="游明朝" panose="02020400000000000000" pitchFamily="18" charset="-128"/>
+                          </a:rPr>
+                          <m:t>𝑟𝑜𝑒</m:t>
+                        </m:r>
+                      </m:sub>
+                      <m:sup>
+                        <m:r>
+                          <a:rPr lang="en-US" altLang="ja-JP" sz="2400" i="1">
+                            <a:latin typeface="Cambria Math" panose="02040503050406030204" pitchFamily="18" charset="0"/>
+                            <a:ea typeface="游明朝" panose="02020400000000000000" pitchFamily="18" charset="-128"/>
+                          </a:rPr>
+                          <m:t>−1</m:t>
+                        </m:r>
+                      </m:sup>
+                    </m:sSubSup>
+                  </m:oMath>
+                </a14:m>
+                <a:r>
+                  <a:rPr lang="ja-JP" altLang="en-US" sz="2400" dirty="0">
+                    <a:latin typeface="游明朝" panose="02020400000000000000" pitchFamily="18" charset="-128"/>
+                    <a:ea typeface="游明朝" panose="02020400000000000000" pitchFamily="18" charset="-128"/>
+                  </a:rPr>
+                  <a:t>求める</a:t>
+                </a:r>
+                <a:endParaRPr lang="en-US" altLang="ja-JP" sz="2400" dirty="0">
+                  <a:latin typeface="游明朝" panose="02020400000000000000" pitchFamily="18" charset="-128"/>
+                  <a:ea typeface="游明朝" panose="02020400000000000000" pitchFamily="18" charset="-128"/>
+                </a:endParaRPr>
+              </a:p>
+            </p:txBody>
+          </p:sp>
+        </mc:Choice>
+        <mc:Fallback>
+          <p:sp>
+            <p:nvSpPr>
+              <p:cNvPr id="3" name="コンテンツ プレースホルダー 2">
+                <a:extLst>
+                  <a:ext uri="{FF2B5EF4-FFF2-40B4-BE49-F238E27FC236}">
+                    <a16:creationId xmlns:a16="http://schemas.microsoft.com/office/drawing/2014/main" id="{E28381EC-519A-4A56-A509-7063CC47E794}"/>
+                  </a:ext>
+                </a:extLst>
+              </p:cNvPr>
+              <p:cNvSpPr>
+                <a:spLocks noGrp="1" noRot="1" noChangeAspect="1" noMove="1" noResize="1" noEditPoints="1" noAdjustHandles="1" noChangeArrowheads="1" noChangeShapeType="1" noTextEdit="1"/>
+              </p:cNvSpPr>
+              <p:nvPr>
+                <p:ph idx="1"/>
+              </p:nvPr>
+            </p:nvSpPr>
+            <p:spPr>
+              <a:xfrm>
+                <a:off x="838200" y="1825625"/>
+                <a:ext cx="10515600" cy="4895850"/>
+              </a:xfrm>
+              <a:blipFill>
+                <a:blip r:embed="rId3"/>
+                <a:stretch>
+                  <a:fillRect l="-638" b="-622"/>
+                </a:stretch>
+              </a:blipFill>
+            </p:spPr>
+            <p:txBody>
+              <a:bodyPr/>
+              <a:lstStyle/>
+              <a:p>
+                <a:r>
+                  <a:rPr lang="ja-JP" altLang="en-US">
+                    <a:noFill/>
+                  </a:rPr>
+                  <a:t> </a:t>
+                </a:r>
+              </a:p>
+            </p:txBody>
+          </p:sp>
+        </mc:Fallback>
+      </mc:AlternateContent>
       <p:sp>
         <p:nvSpPr>
           <p:cNvPr id="4" name="スライド番号プレースホルダー 3">
@@ -9945,7 +12086,7 @@
     </p:spTree>
     <p:extLst>
       <p:ext uri="{BB962C8B-B14F-4D97-AF65-F5344CB8AC3E}">
-        <p14:creationId xmlns:p14="http://schemas.microsoft.com/office/powerpoint/2010/main" val="3806883605"/>
+        <p14:creationId xmlns:p14="http://schemas.microsoft.com/office/powerpoint/2010/main" val="1418589420"/>
       </p:ext>
     </p:extLst>
   </p:cSld>
@@ -10015,7 +12156,7 @@
             </a:r>
             <a:r>
               <a:rPr lang="en-US" altLang="ja-JP" dirty="0"/>
-              <a:t>2/2</a:t>
+              <a:t>1/2</a:t>
             </a:r>
             <a:r>
               <a:rPr lang="ja-JP" altLang="en-US" dirty="0"/>
@@ -10025,8 +12166,394 @@
           </a:p>
         </p:txBody>
       </p:sp>
-      <mc:AlternateContent xmlns:mc="http://schemas.openxmlformats.org/markup-compatibility/2006">
-        <mc:Choice xmlns:a14="http://schemas.microsoft.com/office/drawing/2010/main" Requires="a14">
+      <p:sp>
+        <p:nvSpPr>
+          <p:cNvPr id="3" name="コンテンツ プレースホルダー 2">
+            <a:extLst>
+              <a:ext uri="{FF2B5EF4-FFF2-40B4-BE49-F238E27FC236}">
+                <a16:creationId xmlns:a16="http://schemas.microsoft.com/office/drawing/2014/main" id="{E28381EC-519A-4A56-A509-7063CC47E794}"/>
+              </a:ext>
+            </a:extLst>
+          </p:cNvPr>
+          <p:cNvSpPr>
+            <a:spLocks noGrp="1"/>
+          </p:cNvSpPr>
+          <p:nvPr>
+            <p:ph idx="1"/>
+          </p:nvPr>
+        </p:nvSpPr>
+        <p:spPr>
+          <a:xfrm>
+            <a:off x="838200" y="1825624"/>
+            <a:ext cx="10515600" cy="5032375"/>
+          </a:xfrm>
+        </p:spPr>
+        <p:txBody>
+          <a:bodyPr>
+            <a:normAutofit/>
+          </a:bodyPr>
+          <a:lstStyle/>
+          <a:p>
+            <a:pPr marL="0" indent="0">
+              <a:buNone/>
+            </a:pPr>
+            <a:r>
+              <a:rPr lang="en-US" altLang="ja-JP" sz="2400" dirty="0">
+                <a:latin typeface="游明朝" panose="02020400000000000000" pitchFamily="18" charset="-128"/>
+                <a:ea typeface="游明朝" panose="02020400000000000000" pitchFamily="18" charset="-128"/>
+              </a:rPr>
+              <a:t>Monotone Upwind Scheme for Conversation Laws</a:t>
+            </a:r>
+          </a:p>
+          <a:p>
+            <a:pPr marL="0" indent="0">
+              <a:buNone/>
+            </a:pPr>
+            <a:r>
+              <a:rPr lang="en-US" altLang="ja-JP" sz="2400" dirty="0">
+                <a:latin typeface="游明朝" panose="02020400000000000000" pitchFamily="18" charset="-128"/>
+                <a:ea typeface="游明朝" panose="02020400000000000000" pitchFamily="18" charset="-128"/>
+              </a:rPr>
+              <a:t>	</a:t>
+            </a:r>
+            <a:r>
+              <a:rPr lang="ja-JP" altLang="en-US" sz="2400" dirty="0">
+                <a:latin typeface="游明朝" panose="02020400000000000000" pitchFamily="18" charset="-128"/>
+                <a:ea typeface="游明朝" panose="02020400000000000000" pitchFamily="18" charset="-128"/>
+              </a:rPr>
+              <a:t>保存則のための単調風上スキーム</a:t>
+            </a:r>
+            <a:endParaRPr lang="en-US" altLang="ja-JP" sz="2400" dirty="0">
+              <a:latin typeface="游明朝" panose="02020400000000000000" pitchFamily="18" charset="-128"/>
+              <a:ea typeface="游明朝" panose="02020400000000000000" pitchFamily="18" charset="-128"/>
+            </a:endParaRPr>
+          </a:p>
+          <a:p>
+            <a:pPr marL="0" indent="0">
+              <a:buNone/>
+            </a:pPr>
+            <a:r>
+              <a:rPr lang="en-US" altLang="ja-JP" sz="2400" dirty="0">
+                <a:latin typeface="游明朝" panose="02020400000000000000" pitchFamily="18" charset="-128"/>
+                <a:ea typeface="游明朝" panose="02020400000000000000" pitchFamily="18" charset="-128"/>
+              </a:rPr>
+              <a:t>	</a:t>
+            </a:r>
+            <a:r>
+              <a:rPr lang="ja-JP" altLang="en-US" sz="2400" dirty="0">
+                <a:latin typeface="游明朝" panose="02020400000000000000" pitchFamily="18" charset="-128"/>
+                <a:ea typeface="游明朝" panose="02020400000000000000" pitchFamily="18" charset="-128"/>
+              </a:rPr>
+              <a:t>高次精度化のために離散点から滑らかな値を補間する手法</a:t>
+            </a:r>
+            <a:endParaRPr lang="en-US" altLang="ja-JP" sz="2400" dirty="0">
+              <a:latin typeface="游明朝" panose="02020400000000000000" pitchFamily="18" charset="-128"/>
+              <a:ea typeface="游明朝" panose="02020400000000000000" pitchFamily="18" charset="-128"/>
+            </a:endParaRPr>
+          </a:p>
+          <a:p>
+            <a:pPr marL="0" indent="0">
+              <a:buNone/>
+            </a:pPr>
+            <a:endParaRPr lang="en-US" altLang="ja-JP" sz="2400" dirty="0">
+              <a:latin typeface="游明朝" panose="02020400000000000000" pitchFamily="18" charset="-128"/>
+              <a:ea typeface="游明朝" panose="02020400000000000000" pitchFamily="18" charset="-128"/>
+            </a:endParaRPr>
+          </a:p>
+          <a:p>
+            <a:pPr marL="0" indent="0">
+              <a:buNone/>
+            </a:pPr>
+            <a:r>
+              <a:rPr lang="en-US" altLang="ja-JP" sz="2400" dirty="0">
+                <a:latin typeface="游明朝" panose="02020400000000000000" pitchFamily="18" charset="-128"/>
+                <a:ea typeface="游明朝" panose="02020400000000000000" pitchFamily="18" charset="-128"/>
+              </a:rPr>
+              <a:t>Total Variation Diminishing</a:t>
+            </a:r>
+            <a:r>
+              <a:rPr lang="ja-JP" altLang="en-US" sz="2400" dirty="0">
+                <a:latin typeface="游明朝" panose="02020400000000000000" pitchFamily="18" charset="-128"/>
+                <a:ea typeface="游明朝" panose="02020400000000000000" pitchFamily="18" charset="-128"/>
+              </a:rPr>
+              <a:t>条件</a:t>
+            </a:r>
+            <a:endParaRPr lang="en-US" altLang="ja-JP" sz="2400" dirty="0">
+              <a:latin typeface="游明朝" panose="02020400000000000000" pitchFamily="18" charset="-128"/>
+              <a:ea typeface="游明朝" panose="02020400000000000000" pitchFamily="18" charset="-128"/>
+            </a:endParaRPr>
+          </a:p>
+          <a:p>
+            <a:pPr marL="0" indent="0">
+              <a:buNone/>
+            </a:pPr>
+            <a:r>
+              <a:rPr lang="en-US" altLang="ja-JP" sz="2400" dirty="0">
+                <a:latin typeface="游明朝" panose="02020400000000000000" pitchFamily="18" charset="-128"/>
+                <a:ea typeface="游明朝" panose="02020400000000000000" pitchFamily="18" charset="-128"/>
+              </a:rPr>
+              <a:t>	</a:t>
+            </a:r>
+            <a:r>
+              <a:rPr lang="ja-JP" altLang="en-US" sz="2400" dirty="0">
+                <a:latin typeface="游明朝" panose="02020400000000000000" pitchFamily="18" charset="-128"/>
+                <a:ea typeface="游明朝" panose="02020400000000000000" pitchFamily="18" charset="-128"/>
+              </a:rPr>
+              <a:t>・全変動量減少条件</a:t>
+            </a:r>
+            <a:endParaRPr lang="en-US" altLang="ja-JP" sz="2400" dirty="0">
+              <a:latin typeface="游明朝" panose="02020400000000000000" pitchFamily="18" charset="-128"/>
+              <a:ea typeface="游明朝" panose="02020400000000000000" pitchFamily="18" charset="-128"/>
+            </a:endParaRPr>
+          </a:p>
+          <a:p>
+            <a:pPr marL="0" indent="0">
+              <a:buNone/>
+            </a:pPr>
+            <a:r>
+              <a:rPr lang="en-US" altLang="ja-JP" sz="2400" dirty="0">
+                <a:latin typeface="游明朝" panose="02020400000000000000" pitchFamily="18" charset="-128"/>
+                <a:ea typeface="游明朝" panose="02020400000000000000" pitchFamily="18" charset="-128"/>
+              </a:rPr>
+              <a:t>	</a:t>
+            </a:r>
+            <a:r>
+              <a:rPr lang="ja-JP" altLang="en-US" sz="2400" dirty="0">
+                <a:latin typeface="游明朝" panose="02020400000000000000" pitchFamily="18" charset="-128"/>
+                <a:ea typeface="游明朝" panose="02020400000000000000" pitchFamily="18" charset="-128"/>
+              </a:rPr>
+              <a:t>・上記の補完を行う際に</a:t>
+            </a:r>
+            <a:r>
+              <a:rPr lang="en-US" altLang="ja-JP" sz="2400" dirty="0">
+                <a:latin typeface="游明朝" panose="02020400000000000000" pitchFamily="18" charset="-128"/>
+                <a:ea typeface="游明朝" panose="02020400000000000000" pitchFamily="18" charset="-128"/>
+              </a:rPr>
+              <a:t>Over/Under shoot</a:t>
+            </a:r>
+            <a:r>
+              <a:rPr lang="ja-JP" altLang="en-US" sz="2400" dirty="0">
+                <a:latin typeface="游明朝" panose="02020400000000000000" pitchFamily="18" charset="-128"/>
+                <a:ea typeface="游明朝" panose="02020400000000000000" pitchFamily="18" charset="-128"/>
+              </a:rPr>
+              <a:t>を回避するための条件</a:t>
+            </a:r>
+            <a:endParaRPr lang="en-US" altLang="ja-JP" sz="2400" dirty="0">
+              <a:latin typeface="游明朝" panose="02020400000000000000" pitchFamily="18" charset="-128"/>
+              <a:ea typeface="游明朝" panose="02020400000000000000" pitchFamily="18" charset="-128"/>
+            </a:endParaRPr>
+          </a:p>
+          <a:p>
+            <a:pPr marL="0" indent="0">
+              <a:buNone/>
+            </a:pPr>
+            <a:endParaRPr lang="en-US" altLang="ja-JP" sz="2400" dirty="0">
+              <a:latin typeface="游明朝" panose="02020400000000000000" pitchFamily="18" charset="-128"/>
+              <a:ea typeface="游明朝" panose="02020400000000000000" pitchFamily="18" charset="-128"/>
+            </a:endParaRPr>
+          </a:p>
+          <a:p>
+            <a:pPr marL="0" indent="0">
+              <a:buNone/>
+            </a:pPr>
+            <a:r>
+              <a:rPr lang="en-US" altLang="ja-JP" sz="2400" dirty="0">
+                <a:latin typeface="游明朝" panose="02020400000000000000" pitchFamily="18" charset="-128"/>
+                <a:ea typeface="游明朝" panose="02020400000000000000" pitchFamily="18" charset="-128"/>
+              </a:rPr>
+              <a:t>Flux Limiter Function</a:t>
+            </a:r>
+            <a:r>
+              <a:rPr lang="ja-JP" altLang="en-US" sz="2400" dirty="0">
+                <a:latin typeface="游明朝" panose="02020400000000000000" pitchFamily="18" charset="-128"/>
+                <a:ea typeface="游明朝" panose="02020400000000000000" pitchFamily="18" charset="-128"/>
+              </a:rPr>
+              <a:t>（流束制限関数）</a:t>
+            </a:r>
+            <a:endParaRPr lang="en-US" altLang="ja-JP" sz="2400" dirty="0">
+              <a:latin typeface="游明朝" panose="02020400000000000000" pitchFamily="18" charset="-128"/>
+              <a:ea typeface="游明朝" panose="02020400000000000000" pitchFamily="18" charset="-128"/>
+            </a:endParaRPr>
+          </a:p>
+          <a:p>
+            <a:pPr marL="0" indent="0">
+              <a:buNone/>
+            </a:pPr>
+            <a:r>
+              <a:rPr lang="en-US" altLang="ja-JP" sz="2400" dirty="0">
+                <a:latin typeface="游明朝" panose="02020400000000000000" pitchFamily="18" charset="-128"/>
+                <a:ea typeface="游明朝" panose="02020400000000000000" pitchFamily="18" charset="-128"/>
+              </a:rPr>
+              <a:t>	</a:t>
+            </a:r>
+            <a:r>
+              <a:rPr lang="ja-JP" altLang="en-US" sz="2400" dirty="0">
+                <a:latin typeface="游明朝" panose="02020400000000000000" pitchFamily="18" charset="-128"/>
+                <a:ea typeface="游明朝" panose="02020400000000000000" pitchFamily="18" charset="-128"/>
+              </a:rPr>
+              <a:t>・補間関数への</a:t>
+            </a:r>
+            <a:r>
+              <a:rPr lang="en-US" altLang="ja-JP" sz="2400" dirty="0">
+                <a:latin typeface="游明朝" panose="02020400000000000000" pitchFamily="18" charset="-128"/>
+                <a:ea typeface="游明朝" panose="02020400000000000000" pitchFamily="18" charset="-128"/>
+              </a:rPr>
+              <a:t>TVD</a:t>
+            </a:r>
+            <a:r>
+              <a:rPr lang="ja-JP" altLang="en-US" sz="2400" dirty="0">
+                <a:latin typeface="游明朝" panose="02020400000000000000" pitchFamily="18" charset="-128"/>
+                <a:ea typeface="游明朝" panose="02020400000000000000" pitchFamily="18" charset="-128"/>
+              </a:rPr>
+              <a:t>条件の付与</a:t>
+            </a:r>
+            <a:endParaRPr lang="en-US" altLang="ja-JP" sz="2400" dirty="0">
+              <a:latin typeface="游明朝" panose="02020400000000000000" pitchFamily="18" charset="-128"/>
+              <a:ea typeface="游明朝" panose="02020400000000000000" pitchFamily="18" charset="-128"/>
+            </a:endParaRPr>
+          </a:p>
+          <a:p>
+            <a:pPr marL="0" indent="0">
+              <a:buNone/>
+            </a:pPr>
+            <a:r>
+              <a:rPr lang="en-US" altLang="ja-JP" sz="2400" dirty="0">
+                <a:latin typeface="游明朝" panose="02020400000000000000" pitchFamily="18" charset="-128"/>
+                <a:ea typeface="游明朝" panose="02020400000000000000" pitchFamily="18" charset="-128"/>
+              </a:rPr>
+              <a:t>	</a:t>
+            </a:r>
+            <a:r>
+              <a:rPr lang="ja-JP" altLang="en-US" sz="2400" dirty="0">
+                <a:latin typeface="游明朝" panose="02020400000000000000" pitchFamily="18" charset="-128"/>
+                <a:ea typeface="游明朝" panose="02020400000000000000" pitchFamily="18" charset="-128"/>
+              </a:rPr>
+              <a:t>・衝撃波波面の補間を防ぐ</a:t>
+            </a:r>
+            <a:r>
+              <a:rPr lang="en-US" altLang="ja-JP" sz="2400" dirty="0">
+                <a:latin typeface="游明朝" panose="02020400000000000000" pitchFamily="18" charset="-128"/>
+                <a:ea typeface="游明朝" panose="02020400000000000000" pitchFamily="18" charset="-128"/>
+              </a:rPr>
+              <a:t>	</a:t>
+            </a:r>
+          </a:p>
+        </p:txBody>
+      </p:sp>
+      <p:sp>
+        <p:nvSpPr>
+          <p:cNvPr id="4" name="スライド番号プレースホルダー 3">
+            <a:extLst>
+              <a:ext uri="{FF2B5EF4-FFF2-40B4-BE49-F238E27FC236}">
+                <a16:creationId xmlns:a16="http://schemas.microsoft.com/office/drawing/2014/main" id="{23ACA39E-2829-473E-8FBF-61A17625BA1B}"/>
+              </a:ext>
+            </a:extLst>
+          </p:cNvPr>
+          <p:cNvSpPr>
+            <a:spLocks noGrp="1"/>
+          </p:cNvSpPr>
+          <p:nvPr>
+            <p:ph type="sldNum" sz="quarter" idx="12"/>
+          </p:nvPr>
+        </p:nvSpPr>
+        <p:spPr/>
+        <p:txBody>
+          <a:bodyPr/>
+          <a:lstStyle/>
+          <a:p>
+            <a:fld id="{0B878BB1-6FD2-4067-B326-8DA54485A403}" type="slidenum">
+              <a:rPr kumimoji="1" lang="ja-JP" altLang="en-US" smtClean="0"/>
+              <a:t>14</a:t>
+            </a:fld>
+            <a:endParaRPr kumimoji="1" lang="ja-JP" altLang="en-US"/>
+          </a:p>
+        </p:txBody>
+      </p:sp>
+    </p:spTree>
+    <p:extLst>
+      <p:ext uri="{BB962C8B-B14F-4D97-AF65-F5344CB8AC3E}">
+        <p14:creationId xmlns:p14="http://schemas.microsoft.com/office/powerpoint/2010/main" val="3806883605"/>
+      </p:ext>
+    </p:extLst>
+  </p:cSld>
+  <p:clrMapOvr>
+    <a:masterClrMapping/>
+  </p:clrMapOvr>
+</p:sld>
+</file>
+
+<file path=ppt/slides/slide15.xml><?xml version="1.0" encoding="utf-8"?>
+<p:sld xmlns:a="http://schemas.openxmlformats.org/drawingml/2006/main" xmlns:r="http://schemas.openxmlformats.org/officeDocument/2006/relationships" xmlns:p="http://schemas.openxmlformats.org/presentationml/2006/main">
+  <p:cSld>
+    <p:spTree>
+      <p:nvGrpSpPr>
+        <p:cNvPr id="1" name=""/>
+        <p:cNvGrpSpPr/>
+        <p:nvPr/>
+      </p:nvGrpSpPr>
+      <p:grpSpPr>
+        <a:xfrm>
+          <a:off x="0" y="0"/>
+          <a:ext cx="0" cy="0"/>
+          <a:chOff x="0" y="0"/>
+          <a:chExt cx="0" cy="0"/>
+        </a:xfrm>
+      </p:grpSpPr>
+      <p:sp>
+        <p:nvSpPr>
+          <p:cNvPr id="2" name="タイトル 1">
+            <a:extLst>
+              <a:ext uri="{FF2B5EF4-FFF2-40B4-BE49-F238E27FC236}">
+                <a16:creationId xmlns:a16="http://schemas.microsoft.com/office/drawing/2014/main" id="{1CF0FE2F-521F-43C4-A4FA-9806ED3AA9BC}"/>
+              </a:ext>
+            </a:extLst>
+          </p:cNvPr>
+          <p:cNvSpPr>
+            <a:spLocks noGrp="1"/>
+          </p:cNvSpPr>
+          <p:nvPr>
+            <p:ph type="title"/>
+          </p:nvPr>
+        </p:nvSpPr>
+        <p:spPr/>
+        <p:txBody>
+          <a:bodyPr/>
+          <a:lstStyle/>
+          <a:p>
+            <a:r>
+              <a:rPr lang="en-US" altLang="ja-JP" dirty="0"/>
+              <a:t>3</a:t>
+            </a:r>
+            <a:r>
+              <a:rPr kumimoji="1" lang="en-US" altLang="ja-JP" dirty="0"/>
+              <a:t>.3	MUSCL</a:t>
+            </a:r>
+            <a:r>
+              <a:rPr kumimoji="1" lang="ja-JP" altLang="en-US" dirty="0"/>
+              <a:t>と</a:t>
+            </a:r>
+            <a:r>
+              <a:rPr lang="en-US" altLang="ja-JP" dirty="0"/>
+              <a:t>TVD</a:t>
+            </a:r>
+            <a:r>
+              <a:rPr lang="ja-JP" altLang="en-US" dirty="0"/>
+              <a:t>条件（</a:t>
+            </a:r>
+            <a:r>
+              <a:rPr lang="en-US" altLang="ja-JP" dirty="0"/>
+              <a:t>2/2</a:t>
+            </a:r>
+            <a:r>
+              <a:rPr lang="ja-JP" altLang="en-US" dirty="0"/>
+              <a:t>）</a:t>
+            </a:r>
+            <a:endParaRPr kumimoji="1" lang="ja-JP" altLang="en-US" dirty="0"/>
+          </a:p>
+        </p:txBody>
+      </p:sp>
+      <mc:AlternateContent xmlns:mc="http://schemas.openxmlformats.org/markup-compatibility/2006" xmlns:a14="http://schemas.microsoft.com/office/drawing/2010/main">
+        <mc:Choice Requires="a14">
           <p:sp>
             <p:nvSpPr>
               <p:cNvPr id="3" name="コンテンツ プレースホルダー 2">
@@ -10864,7 +13391,7 @@
             </p:txBody>
           </p:sp>
         </mc:Choice>
-        <mc:Fallback>
+        <mc:Fallback xmlns="">
           <p:sp>
             <p:nvSpPr>
               <p:cNvPr id="3" name="コンテンツ プレースホルダー 2">
@@ -10931,7 +13458,7 @@
           <a:p>
             <a:fld id="{0B878BB1-6FD2-4067-B326-8DA54485A403}" type="slidenum">
               <a:rPr kumimoji="1" lang="ja-JP" altLang="en-US" smtClean="0"/>
-              <a:t>14</a:t>
+              <a:t>15</a:t>
             </a:fld>
             <a:endParaRPr kumimoji="1" lang="ja-JP" altLang="en-US"/>
           </a:p>
@@ -10950,7 +13477,7 @@
 </p:sld>
 </file>
 
-<file path=ppt/slides/slide15.xml><?xml version="1.0" encoding="utf-8"?>
+<file path=ppt/slides/slide16.xml><?xml version="1.0" encoding="utf-8"?>
 <p:sld xmlns:a="http://schemas.openxmlformats.org/drawingml/2006/main" xmlns:r="http://schemas.openxmlformats.org/officeDocument/2006/relationships" xmlns:p="http://schemas.openxmlformats.org/presentationml/2006/main">
   <p:cSld>
     <p:spTree>
@@ -11000,8 +13527,8 @@
           </a:p>
         </p:txBody>
       </p:sp>
-      <mc:AlternateContent xmlns:mc="http://schemas.openxmlformats.org/markup-compatibility/2006">
-        <mc:Choice xmlns:a14="http://schemas.microsoft.com/office/drawing/2010/main" Requires="a14">
+      <mc:AlternateContent xmlns:mc="http://schemas.openxmlformats.org/markup-compatibility/2006" xmlns:a14="http://schemas.microsoft.com/office/drawing/2010/main">
+        <mc:Choice Requires="a14">
           <p:sp>
             <p:nvSpPr>
               <p:cNvPr id="3" name="コンテンツ プレースホルダー 2">
@@ -11506,7 +14033,7 @@
             </p:txBody>
           </p:sp>
         </mc:Choice>
-        <mc:Fallback>
+        <mc:Fallback xmlns="">
           <p:sp>
             <p:nvSpPr>
               <p:cNvPr id="3" name="コンテンツ プレースホルダー 2">
@@ -11569,377 +14096,52 @@
           <a:p>
             <a:fld id="{0B878BB1-6FD2-4067-B326-8DA54485A403}" type="slidenum">
               <a:rPr kumimoji="1" lang="ja-JP" altLang="en-US" smtClean="0"/>
-              <a:t>15</a:t>
-            </a:fld>
-            <a:endParaRPr kumimoji="1" lang="ja-JP" altLang="en-US"/>
-          </a:p>
-        </p:txBody>
-      </p:sp>
-    </p:spTree>
-    <p:extLst>
-      <p:ext uri="{BB962C8B-B14F-4D97-AF65-F5344CB8AC3E}">
-        <p14:creationId xmlns:p14="http://schemas.microsoft.com/office/powerpoint/2010/main" val="1486176856"/>
-      </p:ext>
-    </p:extLst>
-  </p:cSld>
-  <p:clrMapOvr>
-    <a:masterClrMapping/>
-  </p:clrMapOvr>
-</p:sld>
-</file>
-
-<file path=ppt/slides/slide16.xml><?xml version="1.0" encoding="utf-8"?>
-<p:sld xmlns:a="http://schemas.openxmlformats.org/drawingml/2006/main" xmlns:r="http://schemas.openxmlformats.org/officeDocument/2006/relationships" xmlns:p="http://schemas.openxmlformats.org/presentationml/2006/main">
-  <p:cSld>
-    <p:spTree>
-      <p:nvGrpSpPr>
-        <p:cNvPr id="1" name=""/>
-        <p:cNvGrpSpPr/>
-        <p:nvPr/>
-      </p:nvGrpSpPr>
-      <p:grpSpPr>
-        <a:xfrm>
-          <a:off x="0" y="0"/>
-          <a:ext cx="0" cy="0"/>
-          <a:chOff x="0" y="0"/>
-          <a:chExt cx="0" cy="0"/>
-        </a:xfrm>
-      </p:grpSpPr>
-      <p:sp>
-        <p:nvSpPr>
-          <p:cNvPr id="2" name="タイトル 1">
-            <a:extLst>
-              <a:ext uri="{FF2B5EF4-FFF2-40B4-BE49-F238E27FC236}">
-                <a16:creationId xmlns:a16="http://schemas.microsoft.com/office/drawing/2014/main" id="{1CF0FE2F-521F-43C4-A4FA-9806ED3AA9BC}"/>
-              </a:ext>
-            </a:extLst>
-          </p:cNvPr>
-          <p:cNvSpPr>
-            <a:spLocks noGrp="1"/>
-          </p:cNvSpPr>
-          <p:nvPr>
-            <p:ph type="title"/>
-          </p:nvPr>
-        </p:nvSpPr>
-        <p:spPr/>
-        <p:txBody>
-          <a:bodyPr/>
-          <a:lstStyle/>
-          <a:p>
-            <a:r>
-              <a:rPr kumimoji="1" lang="en-US" altLang="ja-JP" dirty="0"/>
-              <a:t>3.4	</a:t>
-            </a:r>
-            <a:r>
-              <a:rPr kumimoji="1" lang="ja-JP" altLang="en-US" dirty="0"/>
-              <a:t>修正</a:t>
-            </a:r>
-            <a:r>
-              <a:rPr kumimoji="1" lang="en-US" altLang="ja-JP" dirty="0"/>
-              <a:t>VP</a:t>
-            </a:r>
-            <a:r>
-              <a:rPr kumimoji="1" lang="ja-JP" altLang="en-US" dirty="0"/>
-              <a:t>法</a:t>
-            </a:r>
-            <a:r>
-              <a:rPr lang="ja-JP" altLang="en-US" dirty="0"/>
-              <a:t>（</a:t>
-            </a:r>
-            <a:r>
-              <a:rPr lang="en-US" altLang="ja-JP" dirty="0"/>
-              <a:t>1/4</a:t>
-            </a:r>
-            <a:r>
-              <a:rPr lang="ja-JP" altLang="en-US" dirty="0"/>
-              <a:t>）</a:t>
-            </a:r>
-            <a:endParaRPr kumimoji="1" lang="ja-JP" altLang="en-US" dirty="0"/>
-          </a:p>
-        </p:txBody>
-      </p:sp>
-      <p:sp>
-        <p:nvSpPr>
-          <p:cNvPr id="3" name="コンテンツ プレースホルダー 2">
-            <a:extLst>
-              <a:ext uri="{FF2B5EF4-FFF2-40B4-BE49-F238E27FC236}">
-                <a16:creationId xmlns:a16="http://schemas.microsoft.com/office/drawing/2014/main" id="{E28381EC-519A-4A56-A509-7063CC47E794}"/>
-              </a:ext>
-            </a:extLst>
-          </p:cNvPr>
-          <p:cNvSpPr>
-            <a:spLocks noGrp="1"/>
-          </p:cNvSpPr>
-          <p:nvPr>
-            <p:ph idx="1"/>
-          </p:nvPr>
-        </p:nvSpPr>
-        <p:spPr>
-          <a:xfrm>
-            <a:off x="838200" y="1825624"/>
-            <a:ext cx="10515600" cy="5032375"/>
-          </a:xfrm>
-        </p:spPr>
-        <p:txBody>
-          <a:bodyPr>
-            <a:normAutofit/>
-          </a:bodyPr>
-          <a:lstStyle/>
-          <a:p>
-            <a:pPr marL="0" indent="0">
-              <a:buNone/>
-            </a:pPr>
-            <a:r>
-              <a:rPr lang="ja-JP" altLang="en-US" sz="2400" b="0" dirty="0">
-                <a:ea typeface="游明朝" panose="02020400000000000000" pitchFamily="18" charset="-128"/>
-              </a:rPr>
-              <a:t>物体表面は一般に境界条件で表現</a:t>
-            </a:r>
-            <a:endParaRPr lang="en-US" altLang="ja-JP" sz="2400" b="0" dirty="0">
-              <a:ea typeface="游明朝" panose="02020400000000000000" pitchFamily="18" charset="-128"/>
-            </a:endParaRPr>
-          </a:p>
-          <a:p>
-            <a:pPr marL="0" indent="0">
-              <a:buNone/>
-            </a:pPr>
-            <a:r>
-              <a:rPr lang="ja-JP" altLang="en-US" sz="2400" dirty="0">
-                <a:ea typeface="游明朝" panose="02020400000000000000" pitchFamily="18" charset="-128"/>
-              </a:rPr>
-              <a:t>・速度指定</a:t>
-            </a:r>
-            <a:endParaRPr lang="en-US" altLang="ja-JP" sz="2400" dirty="0">
-              <a:ea typeface="游明朝" panose="02020400000000000000" pitchFamily="18" charset="-128"/>
-            </a:endParaRPr>
-          </a:p>
-          <a:p>
-            <a:pPr marL="0" indent="0">
-              <a:buNone/>
-            </a:pPr>
-            <a:r>
-              <a:rPr lang="ja-JP" altLang="en-US" sz="2400" dirty="0">
-                <a:ea typeface="游明朝" panose="02020400000000000000" pitchFamily="18" charset="-128"/>
-              </a:rPr>
-              <a:t>・等温</a:t>
-            </a:r>
-            <a:r>
-              <a:rPr lang="en-US" altLang="ja-JP" sz="2400" dirty="0">
-                <a:ea typeface="游明朝" panose="02020400000000000000" pitchFamily="18" charset="-128"/>
-              </a:rPr>
-              <a:t>or</a:t>
-            </a:r>
-            <a:r>
-              <a:rPr lang="ja-JP" altLang="en-US" sz="2400" dirty="0">
-                <a:ea typeface="游明朝" panose="02020400000000000000" pitchFamily="18" charset="-128"/>
-              </a:rPr>
-              <a:t>断熱</a:t>
-            </a:r>
-            <a:endParaRPr lang="en-US" altLang="ja-JP" sz="2400" dirty="0">
-              <a:ea typeface="游明朝" panose="02020400000000000000" pitchFamily="18" charset="-128"/>
-            </a:endParaRPr>
-          </a:p>
-          <a:p>
-            <a:pPr marL="0" indent="0">
-              <a:buNone/>
-            </a:pPr>
-            <a:r>
-              <a:rPr lang="ja-JP" altLang="en-US" sz="2400" dirty="0">
-                <a:ea typeface="游明朝" panose="02020400000000000000" pitchFamily="18" charset="-128"/>
-              </a:rPr>
-              <a:t>みたいな境界条件を与える</a:t>
-            </a:r>
-            <a:endParaRPr lang="en-US" altLang="ja-JP" sz="2400" dirty="0">
-              <a:ea typeface="游明朝" panose="02020400000000000000" pitchFamily="18" charset="-128"/>
-            </a:endParaRPr>
-          </a:p>
-          <a:p>
-            <a:pPr marL="0" indent="0">
-              <a:buNone/>
-            </a:pPr>
-            <a:endParaRPr lang="en-US" altLang="ja-JP" sz="2400" b="0" dirty="0">
-              <a:ea typeface="游明朝" panose="02020400000000000000" pitchFamily="18" charset="-128"/>
-            </a:endParaRPr>
-          </a:p>
-          <a:p>
-            <a:pPr marL="0" indent="0">
-              <a:buNone/>
-            </a:pPr>
-            <a:r>
-              <a:rPr lang="ja-JP" altLang="en-US" sz="2400" dirty="0">
-                <a:ea typeface="游明朝" panose="02020400000000000000" pitchFamily="18" charset="-128"/>
-              </a:rPr>
-              <a:t>物体形状が複雑なときは？</a:t>
-            </a:r>
-            <a:endParaRPr lang="en-US" altLang="ja-JP" sz="2400" dirty="0">
-              <a:ea typeface="游明朝" panose="02020400000000000000" pitchFamily="18" charset="-128"/>
-            </a:endParaRPr>
-          </a:p>
-          <a:p>
-            <a:pPr marL="0" indent="0">
-              <a:buNone/>
-            </a:pPr>
-            <a:r>
-              <a:rPr lang="ja-JP" altLang="en-US" sz="2400" dirty="0">
-                <a:ea typeface="游明朝" panose="02020400000000000000" pitchFamily="18" charset="-128"/>
-              </a:rPr>
-              <a:t>・非構造格子法（任意多角形・多面体形状の格子で形状適合）</a:t>
-            </a:r>
-            <a:endParaRPr lang="en-US" altLang="ja-JP" sz="2400" dirty="0">
-              <a:ea typeface="游明朝" panose="02020400000000000000" pitchFamily="18" charset="-128"/>
-            </a:endParaRPr>
-          </a:p>
-          <a:p>
-            <a:pPr marL="0" indent="0">
-              <a:buNone/>
-            </a:pPr>
-            <a:r>
-              <a:rPr lang="ja-JP" altLang="en-US" sz="2400" dirty="0">
-                <a:ea typeface="游明朝" panose="02020400000000000000" pitchFamily="18" charset="-128"/>
-              </a:rPr>
-              <a:t>・八分木格子法（局所的な格子細分化で形状適合）</a:t>
-            </a:r>
-            <a:endParaRPr lang="en-US" altLang="ja-JP" sz="2400" dirty="0">
-              <a:ea typeface="游明朝" panose="02020400000000000000" pitchFamily="18" charset="-128"/>
-            </a:endParaRPr>
-          </a:p>
-          <a:p>
-            <a:pPr marL="0" indent="0">
-              <a:buNone/>
-            </a:pPr>
-            <a:endParaRPr lang="en-US" altLang="ja-JP" sz="2400" dirty="0">
-              <a:ea typeface="游明朝" panose="02020400000000000000" pitchFamily="18" charset="-128"/>
-            </a:endParaRPr>
-          </a:p>
-          <a:p>
-            <a:pPr marL="0" indent="0">
-              <a:buNone/>
-            </a:pPr>
-            <a:r>
-              <a:rPr lang="ja-JP" altLang="en-US" sz="2400" dirty="0">
-                <a:ea typeface="游明朝" panose="02020400000000000000" pitchFamily="18" charset="-128"/>
-              </a:rPr>
-              <a:t>・物体表面が格子境界と一致しないケース</a:t>
-            </a:r>
-            <a:endParaRPr lang="en-US" altLang="ja-JP" sz="2400" dirty="0">
-              <a:ea typeface="游明朝" panose="02020400000000000000" pitchFamily="18" charset="-128"/>
-            </a:endParaRPr>
-          </a:p>
-          <a:p>
-            <a:pPr marL="0" indent="0">
-              <a:buNone/>
-            </a:pPr>
-            <a:r>
-              <a:rPr lang="en-US" altLang="ja-JP" sz="2400" b="0" dirty="0">
-                <a:ea typeface="游明朝" panose="02020400000000000000" pitchFamily="18" charset="-128"/>
-              </a:rPr>
-              <a:t>	</a:t>
-            </a:r>
-            <a:r>
-              <a:rPr lang="ja-JP" altLang="en-US" sz="2400" b="0" dirty="0">
-                <a:ea typeface="游明朝" panose="02020400000000000000" pitchFamily="18" charset="-128"/>
-              </a:rPr>
-              <a:t>埋込境界法（直交格子の中に物体情報を埋込）</a:t>
-            </a:r>
-            <a:r>
-              <a:rPr lang="en-US" altLang="ja-JP" sz="2400" dirty="0">
-                <a:ea typeface="游明朝" panose="02020400000000000000" pitchFamily="18" charset="-128"/>
-              </a:rPr>
-              <a:t> ※VP</a:t>
-            </a:r>
-            <a:r>
-              <a:rPr lang="ja-JP" altLang="en-US" sz="2400" dirty="0">
-                <a:ea typeface="游明朝" panose="02020400000000000000" pitchFamily="18" charset="-128"/>
-              </a:rPr>
-              <a:t>法はこれの一種</a:t>
-            </a:r>
-            <a:endParaRPr lang="en-US" altLang="ja-JP" sz="2400" b="0" dirty="0">
-              <a:ea typeface="游明朝" panose="02020400000000000000" pitchFamily="18" charset="-128"/>
-            </a:endParaRPr>
-          </a:p>
-          <a:p>
-            <a:pPr marL="0" indent="0">
-              <a:buNone/>
-            </a:pPr>
-            <a:endParaRPr lang="en-US" altLang="ja-JP" sz="2400" dirty="0">
-              <a:ea typeface="游明朝" panose="02020400000000000000" pitchFamily="18" charset="-128"/>
-            </a:endParaRPr>
-          </a:p>
-          <a:p>
-            <a:pPr marL="0" indent="0">
-              <a:buNone/>
-            </a:pPr>
-            <a:endParaRPr lang="en-US" altLang="ja-JP" sz="2400" dirty="0">
-              <a:ea typeface="游明朝" panose="02020400000000000000" pitchFamily="18" charset="-128"/>
-            </a:endParaRPr>
-          </a:p>
-          <a:p>
-            <a:pPr marL="0" indent="0">
-              <a:buNone/>
-            </a:pPr>
-            <a:endParaRPr lang="en-US" altLang="ja-JP" sz="2400" dirty="0">
-              <a:ea typeface="游明朝" panose="02020400000000000000" pitchFamily="18" charset="-128"/>
-            </a:endParaRPr>
-          </a:p>
-          <a:p>
-            <a:pPr marL="0" indent="0">
-              <a:buNone/>
-            </a:pPr>
-            <a:endParaRPr lang="en-US" altLang="ja-JP" sz="2400" dirty="0">
-              <a:ea typeface="游明朝" panose="02020400000000000000" pitchFamily="18" charset="-128"/>
-            </a:endParaRPr>
-          </a:p>
-          <a:p>
-            <a:pPr marL="0" indent="0">
-              <a:buNone/>
-            </a:pPr>
-            <a:endParaRPr lang="en-US" altLang="ja-JP" sz="2400" b="0" dirty="0">
-              <a:ea typeface="游明朝" panose="02020400000000000000" pitchFamily="18" charset="-128"/>
-            </a:endParaRPr>
-          </a:p>
-          <a:p>
-            <a:pPr marL="0" indent="0">
-              <a:buNone/>
-            </a:pPr>
-            <a:endParaRPr lang="en-US" altLang="ja-JP" sz="2400" b="0" dirty="0">
-              <a:ea typeface="游明朝" panose="02020400000000000000" pitchFamily="18" charset="-128"/>
-            </a:endParaRPr>
-          </a:p>
-        </p:txBody>
-      </p:sp>
-      <p:sp>
-        <p:nvSpPr>
-          <p:cNvPr id="4" name="スライド番号プレースホルダー 3">
-            <a:extLst>
-              <a:ext uri="{FF2B5EF4-FFF2-40B4-BE49-F238E27FC236}">
-                <a16:creationId xmlns:a16="http://schemas.microsoft.com/office/drawing/2014/main" id="{23ACA39E-2829-473E-8FBF-61A17625BA1B}"/>
-              </a:ext>
-            </a:extLst>
-          </p:cNvPr>
-          <p:cNvSpPr>
-            <a:spLocks noGrp="1"/>
-          </p:cNvSpPr>
-          <p:nvPr>
-            <p:ph type="sldNum" sz="quarter" idx="12"/>
-          </p:nvPr>
-        </p:nvSpPr>
-        <p:spPr/>
-        <p:txBody>
-          <a:bodyPr/>
-          <a:lstStyle/>
-          <a:p>
-            <a:fld id="{0B878BB1-6FD2-4067-B326-8DA54485A403}" type="slidenum">
-              <a:rPr kumimoji="1" lang="ja-JP" altLang="en-US" smtClean="0"/>
               <a:t>16</a:t>
             </a:fld>
             <a:endParaRPr kumimoji="1" lang="ja-JP" altLang="en-US"/>
           </a:p>
         </p:txBody>
       </p:sp>
+      <p:pic>
+        <p:nvPicPr>
+          <p:cNvPr id="6" name="図 5" descr="テキスト, 地図 が含まれている画像&#10;&#10;自動的に生成された説明">
+            <a:extLst>
+              <a:ext uri="{FF2B5EF4-FFF2-40B4-BE49-F238E27FC236}">
+                <a16:creationId xmlns:a16="http://schemas.microsoft.com/office/drawing/2014/main" id="{A9864612-188C-4FCF-816F-68D3E62F95C2}"/>
+              </a:ext>
+            </a:extLst>
+          </p:cNvPr>
+          <p:cNvPicPr>
+            <a:picLocks noChangeAspect="1"/>
+          </p:cNvPicPr>
+          <p:nvPr/>
+        </p:nvPicPr>
+        <p:blipFill>
+          <a:blip r:embed="rId4">
+            <a:extLst>
+              <a:ext uri="{28A0092B-C50C-407E-A947-70E740481C1C}">
+                <a14:useLocalDpi xmlns:a14="http://schemas.microsoft.com/office/drawing/2010/main" val="0"/>
+              </a:ext>
+            </a:extLst>
+          </a:blip>
+          <a:stretch>
+            <a:fillRect/>
+          </a:stretch>
+        </p:blipFill>
+        <p:spPr>
+          <a:xfrm>
+            <a:off x="5684514" y="2350634"/>
+            <a:ext cx="5852172" cy="4370841"/>
+          </a:xfrm>
+          <a:prstGeom prst="rect">
+            <a:avLst/>
+          </a:prstGeom>
+        </p:spPr>
+      </p:pic>
     </p:spTree>
     <p:extLst>
       <p:ext uri="{BB962C8B-B14F-4D97-AF65-F5344CB8AC3E}">
-        <p14:creationId xmlns:p14="http://schemas.microsoft.com/office/powerpoint/2010/main" val="430373782"/>
+        <p14:creationId xmlns:p14="http://schemas.microsoft.com/office/powerpoint/2010/main" val="1486176856"/>
       </p:ext>
     </p:extLst>
   </p:cSld>
@@ -12009,7 +14211,7 @@
             </a:r>
             <a:r>
               <a:rPr lang="en-US" altLang="ja-JP" dirty="0"/>
-              <a:t>2/4</a:t>
+              <a:t>1/4</a:t>
             </a:r>
             <a:r>
               <a:rPr lang="ja-JP" altLang="en-US" dirty="0"/>
@@ -12051,21 +14253,10 @@
               <a:buNone/>
             </a:pPr>
             <a:r>
-              <a:rPr lang="en-US" altLang="ja-JP" sz="2400" b="0" dirty="0">
-                <a:ea typeface="游明朝" panose="02020400000000000000" pitchFamily="18" charset="-128"/>
-              </a:rPr>
-              <a:t>(Corrected) Volume Penalization Method</a:t>
-            </a:r>
-          </a:p>
-          <a:p>
-            <a:pPr marL="0" indent="0">
-              <a:buNone/>
-            </a:pPr>
-            <a:r>
               <a:rPr lang="ja-JP" altLang="en-US" sz="2400" b="0" dirty="0">
                 <a:ea typeface="游明朝" panose="02020400000000000000" pitchFamily="18" charset="-128"/>
               </a:rPr>
-              <a:t>・土質力学系分野で誕生</a:t>
+              <a:t>物体表面は一般に境界条件で表現</a:t>
             </a:r>
             <a:endParaRPr lang="en-US" altLang="ja-JP" sz="2400" b="0" dirty="0">
               <a:ea typeface="游明朝" panose="02020400000000000000" pitchFamily="18" charset="-128"/>
@@ -12076,24 +14267,52 @@
               <a:buNone/>
             </a:pPr>
             <a:r>
-              <a:rPr lang="ja-JP" altLang="en-US" sz="2400" b="0" dirty="0">
+              <a:rPr lang="ja-JP" altLang="en-US" sz="2400" dirty="0">
                 <a:ea typeface="游明朝" panose="02020400000000000000" pitchFamily="18" charset="-128"/>
               </a:rPr>
-              <a:t>・物体 </a:t>
-            </a:r>
-            <a:r>
-              <a:rPr lang="en-US" altLang="ja-JP" sz="2400" b="0" dirty="0">
+              <a:t>・速度指定</a:t>
+            </a:r>
+            <a:endParaRPr lang="en-US" altLang="ja-JP" sz="2400" dirty="0">
+              <a:ea typeface="游明朝" panose="02020400000000000000" pitchFamily="18" charset="-128"/>
+            </a:endParaRPr>
+          </a:p>
+          <a:p>
+            <a:pPr marL="0" indent="0">
+              <a:buNone/>
+            </a:pPr>
+            <a:r>
+              <a:rPr lang="ja-JP" altLang="en-US" sz="2400" dirty="0">
                 <a:ea typeface="游明朝" panose="02020400000000000000" pitchFamily="18" charset="-128"/>
               </a:rPr>
-              <a:t>= </a:t>
-            </a:r>
-            <a:r>
-              <a:rPr lang="ja-JP" altLang="en-US" sz="2400" b="0" dirty="0">
+              <a:t>・等温</a:t>
+            </a:r>
+            <a:r>
+              <a:rPr lang="en-US" altLang="ja-JP" sz="2400" dirty="0">
                 <a:ea typeface="游明朝" panose="02020400000000000000" pitchFamily="18" charset="-128"/>
               </a:rPr>
-              <a:t>流体が透過しづらい領域と考える手法</a:t>
-            </a:r>
-            <a:endParaRPr lang="en-US" altLang="ja-JP" sz="2400" b="0" dirty="0">
+              <a:t>or</a:t>
+            </a:r>
+            <a:r>
+              <a:rPr lang="ja-JP" altLang="en-US" sz="2400" dirty="0">
+                <a:ea typeface="游明朝" panose="02020400000000000000" pitchFamily="18" charset="-128"/>
+              </a:rPr>
+              <a:t>断熱</a:t>
+            </a:r>
+            <a:endParaRPr lang="en-US" altLang="ja-JP" sz="2400" dirty="0">
+              <a:ea typeface="游明朝" panose="02020400000000000000" pitchFamily="18" charset="-128"/>
+            </a:endParaRPr>
+          </a:p>
+          <a:p>
+            <a:pPr marL="0" indent="0">
+              <a:buNone/>
+            </a:pPr>
+            <a:r>
+              <a:rPr lang="ja-JP" altLang="en-US" sz="2400" dirty="0">
+                <a:ea typeface="游明朝" panose="02020400000000000000" pitchFamily="18" charset="-128"/>
+              </a:rPr>
+              <a:t>みたいな境界条件を与える</a:t>
+            </a:r>
+            <a:endParaRPr lang="en-US" altLang="ja-JP" sz="2400" dirty="0">
               <a:ea typeface="游明朝" panose="02020400000000000000" pitchFamily="18" charset="-128"/>
             </a:endParaRPr>
           </a:p>
@@ -12283,7 +14502,7 @@
     </p:spTree>
     <p:extLst>
       <p:ext uri="{BB962C8B-B14F-4D97-AF65-F5344CB8AC3E}">
-        <p14:creationId xmlns:p14="http://schemas.microsoft.com/office/powerpoint/2010/main" val="2114017557"/>
+        <p14:creationId xmlns:p14="http://schemas.microsoft.com/office/powerpoint/2010/main" val="430373782"/>
       </p:ext>
     </p:extLst>
   </p:cSld>
@@ -12353,7 +14572,7 @@
             </a:r>
             <a:r>
               <a:rPr lang="en-US" altLang="ja-JP" dirty="0"/>
-              <a:t>3/4</a:t>
+              <a:t>2/4</a:t>
             </a:r>
             <a:r>
               <a:rPr lang="ja-JP" altLang="en-US" dirty="0"/>
@@ -12363,8 +14582,352 @@
           </a:p>
         </p:txBody>
       </p:sp>
-      <mc:AlternateContent xmlns:mc="http://schemas.openxmlformats.org/markup-compatibility/2006">
-        <mc:Choice xmlns:a14="http://schemas.microsoft.com/office/drawing/2010/main" Requires="a14">
+      <p:sp>
+        <p:nvSpPr>
+          <p:cNvPr id="3" name="コンテンツ プレースホルダー 2">
+            <a:extLst>
+              <a:ext uri="{FF2B5EF4-FFF2-40B4-BE49-F238E27FC236}">
+                <a16:creationId xmlns:a16="http://schemas.microsoft.com/office/drawing/2014/main" id="{E28381EC-519A-4A56-A509-7063CC47E794}"/>
+              </a:ext>
+            </a:extLst>
+          </p:cNvPr>
+          <p:cNvSpPr>
+            <a:spLocks noGrp="1"/>
+          </p:cNvSpPr>
+          <p:nvPr>
+            <p:ph idx="1"/>
+          </p:nvPr>
+        </p:nvSpPr>
+        <p:spPr>
+          <a:xfrm>
+            <a:off x="838200" y="1825624"/>
+            <a:ext cx="10515600" cy="5032375"/>
+          </a:xfrm>
+        </p:spPr>
+        <p:txBody>
+          <a:bodyPr>
+            <a:normAutofit/>
+          </a:bodyPr>
+          <a:lstStyle/>
+          <a:p>
+            <a:pPr marL="0" indent="0">
+              <a:buNone/>
+            </a:pPr>
+            <a:r>
+              <a:rPr lang="en-US" altLang="ja-JP" sz="2400" b="0" dirty="0">
+                <a:ea typeface="游明朝" panose="02020400000000000000" pitchFamily="18" charset="-128"/>
+              </a:rPr>
+              <a:t>(Corrected) Volume Penalization Method</a:t>
+            </a:r>
+          </a:p>
+          <a:p>
+            <a:pPr marL="0" indent="0">
+              <a:buNone/>
+            </a:pPr>
+            <a:r>
+              <a:rPr lang="ja-JP" altLang="en-US" sz="2400" b="0" dirty="0">
+                <a:ea typeface="游明朝" panose="02020400000000000000" pitchFamily="18" charset="-128"/>
+              </a:rPr>
+              <a:t>・土質力学系分野で誕生</a:t>
+            </a:r>
+            <a:endParaRPr lang="en-US" altLang="ja-JP" sz="2400" b="0" dirty="0">
+              <a:ea typeface="游明朝" panose="02020400000000000000" pitchFamily="18" charset="-128"/>
+            </a:endParaRPr>
+          </a:p>
+          <a:p>
+            <a:pPr marL="0" indent="0">
+              <a:buNone/>
+            </a:pPr>
+            <a:r>
+              <a:rPr lang="ja-JP" altLang="en-US" sz="2400" b="0" dirty="0">
+                <a:ea typeface="游明朝" panose="02020400000000000000" pitchFamily="18" charset="-128"/>
+              </a:rPr>
+              <a:t>・物体 </a:t>
+            </a:r>
+            <a:r>
+              <a:rPr lang="en-US" altLang="ja-JP" sz="2400" b="0" dirty="0">
+                <a:ea typeface="游明朝" panose="02020400000000000000" pitchFamily="18" charset="-128"/>
+              </a:rPr>
+              <a:t>= </a:t>
+            </a:r>
+            <a:r>
+              <a:rPr lang="ja-JP" altLang="en-US" sz="2400" b="0" dirty="0">
+                <a:ea typeface="游明朝" panose="02020400000000000000" pitchFamily="18" charset="-128"/>
+              </a:rPr>
+              <a:t>流体が透過しづらい領域と考える手法</a:t>
+            </a:r>
+            <a:endParaRPr lang="en-US" altLang="ja-JP" sz="2400" b="0" dirty="0">
+              <a:ea typeface="游明朝" panose="02020400000000000000" pitchFamily="18" charset="-128"/>
+            </a:endParaRPr>
+          </a:p>
+          <a:p>
+            <a:pPr marL="0" indent="0">
+              <a:buNone/>
+            </a:pPr>
+            <a:endParaRPr lang="en-US" altLang="ja-JP" sz="2400" b="0" dirty="0">
+              <a:ea typeface="游明朝" panose="02020400000000000000" pitchFamily="18" charset="-128"/>
+            </a:endParaRPr>
+          </a:p>
+          <a:p>
+            <a:pPr marL="0" indent="0">
+              <a:buNone/>
+            </a:pPr>
+            <a:r>
+              <a:rPr lang="ja-JP" altLang="en-US" sz="2400" dirty="0">
+                <a:ea typeface="游明朝" panose="02020400000000000000" pitchFamily="18" charset="-128"/>
+              </a:rPr>
+              <a:t>物体形状が複雑なときは？</a:t>
+            </a:r>
+            <a:endParaRPr lang="en-US" altLang="ja-JP" sz="2400" dirty="0">
+              <a:ea typeface="游明朝" panose="02020400000000000000" pitchFamily="18" charset="-128"/>
+            </a:endParaRPr>
+          </a:p>
+          <a:p>
+            <a:pPr marL="0" indent="0">
+              <a:buNone/>
+            </a:pPr>
+            <a:r>
+              <a:rPr lang="ja-JP" altLang="en-US" sz="2400" dirty="0">
+                <a:ea typeface="游明朝" panose="02020400000000000000" pitchFamily="18" charset="-128"/>
+              </a:rPr>
+              <a:t>・非構造格子法（任意多角形・多面体形状の格子で形状適合）</a:t>
+            </a:r>
+            <a:endParaRPr lang="en-US" altLang="ja-JP" sz="2400" dirty="0">
+              <a:ea typeface="游明朝" panose="02020400000000000000" pitchFamily="18" charset="-128"/>
+            </a:endParaRPr>
+          </a:p>
+          <a:p>
+            <a:pPr marL="0" indent="0">
+              <a:buNone/>
+            </a:pPr>
+            <a:r>
+              <a:rPr lang="ja-JP" altLang="en-US" sz="2400" dirty="0">
+                <a:ea typeface="游明朝" panose="02020400000000000000" pitchFamily="18" charset="-128"/>
+              </a:rPr>
+              <a:t>・八分木格子法（局所的な格子細分化で形状適合）</a:t>
+            </a:r>
+            <a:endParaRPr lang="en-US" altLang="ja-JP" sz="2400" dirty="0">
+              <a:ea typeface="游明朝" panose="02020400000000000000" pitchFamily="18" charset="-128"/>
+            </a:endParaRPr>
+          </a:p>
+          <a:p>
+            <a:pPr marL="0" indent="0">
+              <a:buNone/>
+            </a:pPr>
+            <a:endParaRPr lang="en-US" altLang="ja-JP" sz="2400" dirty="0">
+              <a:ea typeface="游明朝" panose="02020400000000000000" pitchFamily="18" charset="-128"/>
+            </a:endParaRPr>
+          </a:p>
+          <a:p>
+            <a:pPr marL="0" indent="0">
+              <a:buNone/>
+            </a:pPr>
+            <a:r>
+              <a:rPr lang="ja-JP" altLang="en-US" sz="2400" dirty="0">
+                <a:ea typeface="游明朝" panose="02020400000000000000" pitchFamily="18" charset="-128"/>
+              </a:rPr>
+              <a:t>・物体表面が格子境界と一致しないケース</a:t>
+            </a:r>
+            <a:endParaRPr lang="en-US" altLang="ja-JP" sz="2400" dirty="0">
+              <a:ea typeface="游明朝" panose="02020400000000000000" pitchFamily="18" charset="-128"/>
+            </a:endParaRPr>
+          </a:p>
+          <a:p>
+            <a:pPr marL="0" indent="0">
+              <a:buNone/>
+            </a:pPr>
+            <a:r>
+              <a:rPr lang="en-US" altLang="ja-JP" sz="2400" b="0" dirty="0">
+                <a:ea typeface="游明朝" panose="02020400000000000000" pitchFamily="18" charset="-128"/>
+              </a:rPr>
+              <a:t>	</a:t>
+            </a:r>
+            <a:r>
+              <a:rPr lang="ja-JP" altLang="en-US" sz="2400" b="0" dirty="0">
+                <a:ea typeface="游明朝" panose="02020400000000000000" pitchFamily="18" charset="-128"/>
+              </a:rPr>
+              <a:t>埋込境界法（直交格子の中に物体情報を埋込）</a:t>
+            </a:r>
+            <a:r>
+              <a:rPr lang="en-US" altLang="ja-JP" sz="2400" dirty="0">
+                <a:ea typeface="游明朝" panose="02020400000000000000" pitchFamily="18" charset="-128"/>
+              </a:rPr>
+              <a:t> ※VP</a:t>
+            </a:r>
+            <a:r>
+              <a:rPr lang="ja-JP" altLang="en-US" sz="2400" dirty="0">
+                <a:ea typeface="游明朝" panose="02020400000000000000" pitchFamily="18" charset="-128"/>
+              </a:rPr>
+              <a:t>法はこれの一種</a:t>
+            </a:r>
+            <a:endParaRPr lang="en-US" altLang="ja-JP" sz="2400" b="0" dirty="0">
+              <a:ea typeface="游明朝" panose="02020400000000000000" pitchFamily="18" charset="-128"/>
+            </a:endParaRPr>
+          </a:p>
+          <a:p>
+            <a:pPr marL="0" indent="0">
+              <a:buNone/>
+            </a:pPr>
+            <a:endParaRPr lang="en-US" altLang="ja-JP" sz="2400" dirty="0">
+              <a:ea typeface="游明朝" panose="02020400000000000000" pitchFamily="18" charset="-128"/>
+            </a:endParaRPr>
+          </a:p>
+          <a:p>
+            <a:pPr marL="0" indent="0">
+              <a:buNone/>
+            </a:pPr>
+            <a:endParaRPr lang="en-US" altLang="ja-JP" sz="2400" dirty="0">
+              <a:ea typeface="游明朝" panose="02020400000000000000" pitchFamily="18" charset="-128"/>
+            </a:endParaRPr>
+          </a:p>
+          <a:p>
+            <a:pPr marL="0" indent="0">
+              <a:buNone/>
+            </a:pPr>
+            <a:endParaRPr lang="en-US" altLang="ja-JP" sz="2400" dirty="0">
+              <a:ea typeface="游明朝" panose="02020400000000000000" pitchFamily="18" charset="-128"/>
+            </a:endParaRPr>
+          </a:p>
+          <a:p>
+            <a:pPr marL="0" indent="0">
+              <a:buNone/>
+            </a:pPr>
+            <a:endParaRPr lang="en-US" altLang="ja-JP" sz="2400" dirty="0">
+              <a:ea typeface="游明朝" panose="02020400000000000000" pitchFamily="18" charset="-128"/>
+            </a:endParaRPr>
+          </a:p>
+          <a:p>
+            <a:pPr marL="0" indent="0">
+              <a:buNone/>
+            </a:pPr>
+            <a:endParaRPr lang="en-US" altLang="ja-JP" sz="2400" b="0" dirty="0">
+              <a:ea typeface="游明朝" panose="02020400000000000000" pitchFamily="18" charset="-128"/>
+            </a:endParaRPr>
+          </a:p>
+          <a:p>
+            <a:pPr marL="0" indent="0">
+              <a:buNone/>
+            </a:pPr>
+            <a:endParaRPr lang="en-US" altLang="ja-JP" sz="2400" b="0" dirty="0">
+              <a:ea typeface="游明朝" panose="02020400000000000000" pitchFamily="18" charset="-128"/>
+            </a:endParaRPr>
+          </a:p>
+        </p:txBody>
+      </p:sp>
+      <p:sp>
+        <p:nvSpPr>
+          <p:cNvPr id="4" name="スライド番号プレースホルダー 3">
+            <a:extLst>
+              <a:ext uri="{FF2B5EF4-FFF2-40B4-BE49-F238E27FC236}">
+                <a16:creationId xmlns:a16="http://schemas.microsoft.com/office/drawing/2014/main" id="{23ACA39E-2829-473E-8FBF-61A17625BA1B}"/>
+              </a:ext>
+            </a:extLst>
+          </p:cNvPr>
+          <p:cNvSpPr>
+            <a:spLocks noGrp="1"/>
+          </p:cNvSpPr>
+          <p:nvPr>
+            <p:ph type="sldNum" sz="quarter" idx="12"/>
+          </p:nvPr>
+        </p:nvSpPr>
+        <p:spPr/>
+        <p:txBody>
+          <a:bodyPr/>
+          <a:lstStyle/>
+          <a:p>
+            <a:fld id="{0B878BB1-6FD2-4067-B326-8DA54485A403}" type="slidenum">
+              <a:rPr kumimoji="1" lang="ja-JP" altLang="en-US" smtClean="0"/>
+              <a:t>18</a:t>
+            </a:fld>
+            <a:endParaRPr kumimoji="1" lang="ja-JP" altLang="en-US"/>
+          </a:p>
+        </p:txBody>
+      </p:sp>
+    </p:spTree>
+    <p:extLst>
+      <p:ext uri="{BB962C8B-B14F-4D97-AF65-F5344CB8AC3E}">
+        <p14:creationId xmlns:p14="http://schemas.microsoft.com/office/powerpoint/2010/main" val="2114017557"/>
+      </p:ext>
+    </p:extLst>
+  </p:cSld>
+  <p:clrMapOvr>
+    <a:masterClrMapping/>
+  </p:clrMapOvr>
+</p:sld>
+</file>
+
+<file path=ppt/slides/slide19.xml><?xml version="1.0" encoding="utf-8"?>
+<p:sld xmlns:a="http://schemas.openxmlformats.org/drawingml/2006/main" xmlns:r="http://schemas.openxmlformats.org/officeDocument/2006/relationships" xmlns:p="http://schemas.openxmlformats.org/presentationml/2006/main">
+  <p:cSld>
+    <p:spTree>
+      <p:nvGrpSpPr>
+        <p:cNvPr id="1" name=""/>
+        <p:cNvGrpSpPr/>
+        <p:nvPr/>
+      </p:nvGrpSpPr>
+      <p:grpSpPr>
+        <a:xfrm>
+          <a:off x="0" y="0"/>
+          <a:ext cx="0" cy="0"/>
+          <a:chOff x="0" y="0"/>
+          <a:chExt cx="0" cy="0"/>
+        </a:xfrm>
+      </p:grpSpPr>
+      <p:sp>
+        <p:nvSpPr>
+          <p:cNvPr id="2" name="タイトル 1">
+            <a:extLst>
+              <a:ext uri="{FF2B5EF4-FFF2-40B4-BE49-F238E27FC236}">
+                <a16:creationId xmlns:a16="http://schemas.microsoft.com/office/drawing/2014/main" id="{1CF0FE2F-521F-43C4-A4FA-9806ED3AA9BC}"/>
+              </a:ext>
+            </a:extLst>
+          </p:cNvPr>
+          <p:cNvSpPr>
+            <a:spLocks noGrp="1"/>
+          </p:cNvSpPr>
+          <p:nvPr>
+            <p:ph type="title"/>
+          </p:nvPr>
+        </p:nvSpPr>
+        <p:spPr/>
+        <p:txBody>
+          <a:bodyPr/>
+          <a:lstStyle/>
+          <a:p>
+            <a:r>
+              <a:rPr kumimoji="1" lang="en-US" altLang="ja-JP" dirty="0"/>
+              <a:t>3.4	</a:t>
+            </a:r>
+            <a:r>
+              <a:rPr kumimoji="1" lang="ja-JP" altLang="en-US" dirty="0"/>
+              <a:t>修正</a:t>
+            </a:r>
+            <a:r>
+              <a:rPr kumimoji="1" lang="en-US" altLang="ja-JP" dirty="0"/>
+              <a:t>VP</a:t>
+            </a:r>
+            <a:r>
+              <a:rPr kumimoji="1" lang="ja-JP" altLang="en-US" dirty="0"/>
+              <a:t>法</a:t>
+            </a:r>
+            <a:r>
+              <a:rPr lang="ja-JP" altLang="en-US" dirty="0"/>
+              <a:t>（</a:t>
+            </a:r>
+            <a:r>
+              <a:rPr lang="en-US" altLang="ja-JP" dirty="0"/>
+              <a:t>3/4</a:t>
+            </a:r>
+            <a:r>
+              <a:rPr lang="ja-JP" altLang="en-US" dirty="0"/>
+              <a:t>）</a:t>
+            </a:r>
+            <a:endParaRPr kumimoji="1" lang="ja-JP" altLang="en-US" dirty="0"/>
+          </a:p>
+        </p:txBody>
+      </p:sp>
+      <mc:AlternateContent xmlns:mc="http://schemas.openxmlformats.org/markup-compatibility/2006" xmlns:a14="http://schemas.microsoft.com/office/drawing/2010/main">
+        <mc:Choice Requires="a14">
           <p:sp>
             <p:nvSpPr>
               <p:cNvPr id="3" name="コンテンツ プレースホルダー 2">
@@ -12487,22 +15050,30 @@
                       <m:f>
                         <m:fPr>
                           <m:ctrlPr>
-                            <a:rPr lang="ja-JP" altLang="ja-JP" i="1"/>
+                            <a:rPr lang="ja-JP" altLang="ja-JP" i="1">
+                              <a:latin typeface="Cambria Math" panose="02040503050406030204" pitchFamily="18" charset="0"/>
+                            </a:rPr>
                           </m:ctrlPr>
                         </m:fPr>
                         <m:num>
                           <m:r>
-                            <a:rPr lang="en-US" altLang="ja-JP" i="1"/>
+                            <a:rPr lang="en-US" altLang="ja-JP" i="1">
+                              <a:latin typeface="Cambria Math" panose="02040503050406030204" pitchFamily="18" charset="0"/>
+                            </a:rPr>
                             <m:t>𝜕</m:t>
                           </m:r>
                         </m:num>
                         <m:den>
                           <m:r>
-                            <a:rPr lang="en-US" altLang="ja-JP" i="1"/>
+                            <a:rPr lang="en-US" altLang="ja-JP" i="1">
+                              <a:latin typeface="Cambria Math" panose="02040503050406030204" pitchFamily="18" charset="0"/>
+                            </a:rPr>
                             <m:t>𝜕</m:t>
                           </m:r>
                           <m:r>
-                            <a:rPr lang="en-US" altLang="ja-JP" i="1"/>
+                            <a:rPr lang="en-US" altLang="ja-JP" i="1">
+                              <a:latin typeface="Cambria Math" panose="02040503050406030204" pitchFamily="18" charset="0"/>
+                            </a:rPr>
                             <m:t>𝑡</m:t>
                           </m:r>
                         </m:den>
@@ -12572,7 +15143,9 @@
                         </m:e>
                       </m:d>
                       <m:r>
-                        <a:rPr lang="en-US" altLang="ja-JP" i="1"/>
+                        <a:rPr lang="en-US" altLang="ja-JP" i="1">
+                          <a:latin typeface="Cambria Math" panose="02040503050406030204" pitchFamily="18" charset="0"/>
+                        </a:rPr>
                         <m:t>+</m:t>
                       </m:r>
                       <m:r>
@@ -13436,7 +16009,7 @@
             </p:txBody>
           </p:sp>
         </mc:Choice>
-        <mc:Fallback>
+        <mc:Fallback xmlns="">
           <p:sp>
             <p:nvSpPr>
               <p:cNvPr id="3" name="コンテンツ プレースホルダー 2">
@@ -13503,7 +16076,7 @@
           <a:p>
             <a:fld id="{0B878BB1-6FD2-4067-B326-8DA54485A403}" type="slidenum">
               <a:rPr kumimoji="1" lang="ja-JP" altLang="en-US" smtClean="0"/>
-              <a:t>18</a:t>
+              <a:t>19</a:t>
             </a:fld>
             <a:endParaRPr kumimoji="1" lang="ja-JP" altLang="en-US" dirty="0"/>
           </a:p>
@@ -13522,7 +16095,7 @@
 </p:sld>
 </file>
 
-<file path=ppt/slides/slide19.xml><?xml version="1.0" encoding="utf-8"?>
+<file path=ppt/slides/slide2.xml><?xml version="1.0" encoding="utf-8"?>
 <p:sld xmlns:a="http://schemas.openxmlformats.org/drawingml/2006/main" xmlns:r="http://schemas.openxmlformats.org/officeDocument/2006/relationships" xmlns:p="http://schemas.openxmlformats.org/presentationml/2006/main">
   <p:cSld>
     <p:spTree>
@@ -13561,6 +16134,315 @@
           <a:lstStyle/>
           <a:p>
             <a:r>
+              <a:rPr lang="ja-JP" altLang="en-US" dirty="0"/>
+              <a:t>授業の内容</a:t>
+            </a:r>
+            <a:endParaRPr kumimoji="1" lang="ja-JP" altLang="en-US" dirty="0"/>
+          </a:p>
+        </p:txBody>
+      </p:sp>
+      <p:sp>
+        <p:nvSpPr>
+          <p:cNvPr id="3" name="コンテンツ プレースホルダー 2">
+            <a:extLst>
+              <a:ext uri="{FF2B5EF4-FFF2-40B4-BE49-F238E27FC236}">
+                <a16:creationId xmlns:a16="http://schemas.microsoft.com/office/drawing/2014/main" id="{E28381EC-519A-4A56-A509-7063CC47E794}"/>
+              </a:ext>
+            </a:extLst>
+          </p:cNvPr>
+          <p:cNvSpPr>
+            <a:spLocks noGrp="1"/>
+          </p:cNvSpPr>
+          <p:nvPr>
+            <p:ph idx="1"/>
+          </p:nvPr>
+        </p:nvSpPr>
+        <p:spPr/>
+        <p:txBody>
+          <a:bodyPr>
+            <a:normAutofit/>
+          </a:bodyPr>
+          <a:lstStyle/>
+          <a:p>
+            <a:pPr marL="457200" indent="-457200">
+              <a:buFont typeface="+mj-lt"/>
+              <a:buAutoNum type="arabicPeriod"/>
+            </a:pPr>
+            <a:r>
+              <a:rPr lang="ja-JP" altLang="en-US" sz="2400" dirty="0">
+                <a:latin typeface="游明朝" panose="02020400000000000000" pitchFamily="18" charset="-128"/>
+                <a:ea typeface="游明朝" panose="02020400000000000000" pitchFamily="18" charset="-128"/>
+              </a:rPr>
+              <a:t>数値計算法の基礎</a:t>
+            </a:r>
+            <a:endParaRPr lang="en-US" altLang="ja-JP" sz="2400" dirty="0">
+              <a:latin typeface="游明朝" panose="02020400000000000000" pitchFamily="18" charset="-128"/>
+              <a:ea typeface="游明朝" panose="02020400000000000000" pitchFamily="18" charset="-128"/>
+            </a:endParaRPr>
+          </a:p>
+          <a:p>
+            <a:pPr marL="457200" lvl="1" indent="0">
+              <a:buNone/>
+            </a:pPr>
+            <a:r>
+              <a:rPr lang="ja-JP" altLang="en-US" sz="2000" dirty="0">
+                <a:latin typeface="游明朝" panose="02020400000000000000" pitchFamily="18" charset="-128"/>
+                <a:ea typeface="游明朝" panose="02020400000000000000" pitchFamily="18" charset="-128"/>
+              </a:rPr>
+              <a:t>・方程式をプログラムに落とし込む手法について</a:t>
+            </a:r>
+            <a:endParaRPr lang="en-US" altLang="ja-JP" sz="2000" dirty="0">
+              <a:latin typeface="游明朝" panose="02020400000000000000" pitchFamily="18" charset="-128"/>
+              <a:ea typeface="游明朝" panose="02020400000000000000" pitchFamily="18" charset="-128"/>
+            </a:endParaRPr>
+          </a:p>
+          <a:p>
+            <a:pPr marL="457200" lvl="1" indent="0">
+              <a:buNone/>
+            </a:pPr>
+            <a:endParaRPr lang="en-US" altLang="ja-JP" sz="2000" dirty="0">
+              <a:latin typeface="游明朝" panose="02020400000000000000" pitchFamily="18" charset="-128"/>
+              <a:ea typeface="游明朝" panose="02020400000000000000" pitchFamily="18" charset="-128"/>
+            </a:endParaRPr>
+          </a:p>
+          <a:p>
+            <a:pPr marL="457200" indent="-457200">
+              <a:buFont typeface="+mj-lt"/>
+              <a:buAutoNum type="arabicPeriod"/>
+            </a:pPr>
+            <a:r>
+              <a:rPr lang="ja-JP" altLang="en-US" sz="2400" dirty="0">
+                <a:latin typeface="游明朝" panose="02020400000000000000" pitchFamily="18" charset="-128"/>
+                <a:ea typeface="游明朝" panose="02020400000000000000" pitchFamily="18" charset="-128"/>
+              </a:rPr>
+              <a:t>偏微分方程式の数値解法</a:t>
+            </a:r>
+            <a:endParaRPr lang="en-US" altLang="ja-JP" sz="2400" dirty="0">
+              <a:latin typeface="游明朝" panose="02020400000000000000" pitchFamily="18" charset="-128"/>
+              <a:ea typeface="游明朝" panose="02020400000000000000" pitchFamily="18" charset="-128"/>
+            </a:endParaRPr>
+          </a:p>
+          <a:p>
+            <a:pPr marL="457200" lvl="1" indent="0">
+              <a:buNone/>
+            </a:pPr>
+            <a:r>
+              <a:rPr lang="ja-JP" altLang="en-US" sz="2000" dirty="0">
+                <a:latin typeface="游明朝" panose="02020400000000000000" pitchFamily="18" charset="-128"/>
+                <a:ea typeface="游明朝" panose="02020400000000000000" pitchFamily="18" charset="-128"/>
+              </a:rPr>
+              <a:t>・移流・拡散などの方程式を分類　→　それぞれの解法</a:t>
+            </a:r>
+            <a:endParaRPr lang="en-US" altLang="ja-JP" sz="2000" dirty="0">
+              <a:latin typeface="游明朝" panose="02020400000000000000" pitchFamily="18" charset="-128"/>
+              <a:ea typeface="游明朝" panose="02020400000000000000" pitchFamily="18" charset="-128"/>
+            </a:endParaRPr>
+          </a:p>
+          <a:p>
+            <a:pPr marL="457200" lvl="1" indent="0">
+              <a:buNone/>
+            </a:pPr>
+            <a:endParaRPr lang="en-US" altLang="ja-JP" sz="2000" dirty="0">
+              <a:latin typeface="游明朝" panose="02020400000000000000" pitchFamily="18" charset="-128"/>
+              <a:ea typeface="游明朝" panose="02020400000000000000" pitchFamily="18" charset="-128"/>
+            </a:endParaRPr>
+          </a:p>
+          <a:p>
+            <a:pPr marL="457200" indent="-457200">
+              <a:buFont typeface="+mj-lt"/>
+              <a:buAutoNum type="arabicPeriod"/>
+            </a:pPr>
+            <a:r>
+              <a:rPr lang="ja-JP" altLang="en-US" sz="2400" dirty="0">
+                <a:latin typeface="游明朝" panose="02020400000000000000" pitchFamily="18" charset="-128"/>
+                <a:ea typeface="游明朝" panose="02020400000000000000" pitchFamily="18" charset="-128"/>
+              </a:rPr>
+              <a:t>圧縮性</a:t>
+            </a:r>
+            <a:r>
+              <a:rPr lang="en-US" altLang="ja-JP" sz="2400" dirty="0">
+                <a:latin typeface="游明朝" panose="02020400000000000000" pitchFamily="18" charset="-128"/>
+                <a:ea typeface="游明朝" panose="02020400000000000000" pitchFamily="18" charset="-128"/>
+              </a:rPr>
+              <a:t>Euler</a:t>
+            </a:r>
+            <a:r>
+              <a:rPr lang="ja-JP" altLang="en-US" sz="2400" dirty="0">
+                <a:latin typeface="游明朝" panose="02020400000000000000" pitchFamily="18" charset="-128"/>
+                <a:ea typeface="游明朝" panose="02020400000000000000" pitchFamily="18" charset="-128"/>
+              </a:rPr>
+              <a:t>方程式の数値解法</a:t>
+            </a:r>
+            <a:endParaRPr lang="en-US" altLang="ja-JP" sz="2400" dirty="0">
+              <a:latin typeface="游明朝" panose="02020400000000000000" pitchFamily="18" charset="-128"/>
+              <a:ea typeface="游明朝" panose="02020400000000000000" pitchFamily="18" charset="-128"/>
+            </a:endParaRPr>
+          </a:p>
+          <a:p>
+            <a:pPr marL="457200" lvl="1" indent="0">
+              <a:buNone/>
+            </a:pPr>
+            <a:r>
+              <a:rPr lang="ja-JP" altLang="en-US" sz="2000" dirty="0">
+                <a:latin typeface="游明朝" panose="02020400000000000000" pitchFamily="18" charset="-128"/>
+                <a:ea typeface="游明朝" panose="02020400000000000000" pitchFamily="18" charset="-128"/>
+              </a:rPr>
+              <a:t>・粘性項を落とした流体方程式を実装　→　服部先生の</a:t>
+            </a:r>
+            <a:r>
+              <a:rPr lang="en-US" altLang="ja-JP" sz="2000" dirty="0">
+                <a:latin typeface="游明朝" panose="02020400000000000000" pitchFamily="18" charset="-128"/>
+                <a:ea typeface="游明朝" panose="02020400000000000000" pitchFamily="18" charset="-128"/>
+              </a:rPr>
+              <a:t>VP</a:t>
+            </a:r>
+            <a:r>
+              <a:rPr lang="ja-JP" altLang="en-US" sz="2000" dirty="0">
+                <a:latin typeface="游明朝" panose="02020400000000000000" pitchFamily="18" charset="-128"/>
+                <a:ea typeface="游明朝" panose="02020400000000000000" pitchFamily="18" charset="-128"/>
+              </a:rPr>
+              <a:t>法</a:t>
+            </a:r>
+            <a:endParaRPr lang="en-US" altLang="ja-JP" sz="2000" dirty="0">
+              <a:latin typeface="游明朝" panose="02020400000000000000" pitchFamily="18" charset="-128"/>
+              <a:ea typeface="游明朝" panose="02020400000000000000" pitchFamily="18" charset="-128"/>
+            </a:endParaRPr>
+          </a:p>
+          <a:p>
+            <a:pPr marL="457200" lvl="1" indent="0">
+              <a:buNone/>
+            </a:pPr>
+            <a:endParaRPr lang="en-US" altLang="ja-JP" sz="2000" dirty="0">
+              <a:latin typeface="游明朝" panose="02020400000000000000" pitchFamily="18" charset="-128"/>
+              <a:ea typeface="游明朝" panose="02020400000000000000" pitchFamily="18" charset="-128"/>
+            </a:endParaRPr>
+          </a:p>
+          <a:p>
+            <a:pPr marL="457200" indent="-457200">
+              <a:buFont typeface="+mj-lt"/>
+              <a:buAutoNum type="arabicPeriod"/>
+            </a:pPr>
+            <a:r>
+              <a:rPr lang="ja-JP" altLang="en-US" sz="2400" dirty="0">
+                <a:latin typeface="游明朝" panose="02020400000000000000" pitchFamily="18" charset="-128"/>
+                <a:ea typeface="游明朝" panose="02020400000000000000" pitchFamily="18" charset="-128"/>
+              </a:rPr>
+              <a:t>その他の話題</a:t>
+            </a:r>
+            <a:endParaRPr lang="en-US" altLang="ja-JP" sz="2400" dirty="0">
+              <a:latin typeface="游明朝" panose="02020400000000000000" pitchFamily="18" charset="-128"/>
+              <a:ea typeface="游明朝" panose="02020400000000000000" pitchFamily="18" charset="-128"/>
+            </a:endParaRPr>
+          </a:p>
+          <a:p>
+            <a:pPr marL="457200" lvl="1" indent="0">
+              <a:buNone/>
+            </a:pPr>
+            <a:r>
+              <a:rPr lang="ja-JP" altLang="en-US" sz="2000" dirty="0">
+                <a:latin typeface="游明朝" panose="02020400000000000000" pitchFamily="18" charset="-128"/>
+                <a:ea typeface="游明朝" panose="02020400000000000000" pitchFamily="18" charset="-128"/>
+              </a:rPr>
+              <a:t>・</a:t>
+            </a:r>
+            <a:r>
+              <a:rPr lang="en-US" altLang="ja-JP" sz="2000" dirty="0">
+                <a:latin typeface="游明朝" panose="02020400000000000000" pitchFamily="18" charset="-128"/>
+                <a:ea typeface="游明朝" panose="02020400000000000000" pitchFamily="18" charset="-128"/>
+              </a:rPr>
+              <a:t>CFD</a:t>
+            </a:r>
+            <a:r>
+              <a:rPr lang="ja-JP" altLang="en-US" sz="2000" dirty="0">
+                <a:latin typeface="游明朝" panose="02020400000000000000" pitchFamily="18" charset="-128"/>
+                <a:ea typeface="游明朝" panose="02020400000000000000" pitchFamily="18" charset="-128"/>
+              </a:rPr>
+              <a:t>やっていくうえで知っておいて欲しい小ネタ類</a:t>
+            </a:r>
+          </a:p>
+        </p:txBody>
+      </p:sp>
+      <p:sp>
+        <p:nvSpPr>
+          <p:cNvPr id="4" name="スライド番号プレースホルダー 3">
+            <a:extLst>
+              <a:ext uri="{FF2B5EF4-FFF2-40B4-BE49-F238E27FC236}">
+                <a16:creationId xmlns:a16="http://schemas.microsoft.com/office/drawing/2014/main" id="{23ACA39E-2829-473E-8FBF-61A17625BA1B}"/>
+              </a:ext>
+            </a:extLst>
+          </p:cNvPr>
+          <p:cNvSpPr>
+            <a:spLocks noGrp="1"/>
+          </p:cNvSpPr>
+          <p:nvPr>
+            <p:ph type="sldNum" sz="quarter" idx="12"/>
+          </p:nvPr>
+        </p:nvSpPr>
+        <p:spPr/>
+        <p:txBody>
+          <a:bodyPr/>
+          <a:lstStyle/>
+          <a:p>
+            <a:fld id="{0B878BB1-6FD2-4067-B326-8DA54485A403}" type="slidenum">
+              <a:rPr kumimoji="1" lang="ja-JP" altLang="en-US" smtClean="0"/>
+              <a:t>2</a:t>
+            </a:fld>
+            <a:endParaRPr kumimoji="1" lang="ja-JP" altLang="en-US"/>
+          </a:p>
+        </p:txBody>
+      </p:sp>
+    </p:spTree>
+    <p:extLst>
+      <p:ext uri="{BB962C8B-B14F-4D97-AF65-F5344CB8AC3E}">
+        <p14:creationId xmlns:p14="http://schemas.microsoft.com/office/powerpoint/2010/main" val="549071044"/>
+      </p:ext>
+    </p:extLst>
+  </p:cSld>
+  <p:clrMapOvr>
+    <a:masterClrMapping/>
+  </p:clrMapOvr>
+</p:sld>
+</file>
+
+<file path=ppt/slides/slide20.xml><?xml version="1.0" encoding="utf-8"?>
+<p:sld xmlns:a="http://schemas.openxmlformats.org/drawingml/2006/main" xmlns:r="http://schemas.openxmlformats.org/officeDocument/2006/relationships" xmlns:p="http://schemas.openxmlformats.org/presentationml/2006/main">
+  <p:cSld>
+    <p:spTree>
+      <p:nvGrpSpPr>
+        <p:cNvPr id="1" name=""/>
+        <p:cNvGrpSpPr/>
+        <p:nvPr/>
+      </p:nvGrpSpPr>
+      <p:grpSpPr>
+        <a:xfrm>
+          <a:off x="0" y="0"/>
+          <a:ext cx="0" cy="0"/>
+          <a:chOff x="0" y="0"/>
+          <a:chExt cx="0" cy="0"/>
+        </a:xfrm>
+      </p:grpSpPr>
+      <p:sp>
+        <p:nvSpPr>
+          <p:cNvPr id="2" name="タイトル 1">
+            <a:extLst>
+              <a:ext uri="{FF2B5EF4-FFF2-40B4-BE49-F238E27FC236}">
+                <a16:creationId xmlns:a16="http://schemas.microsoft.com/office/drawing/2014/main" id="{1CF0FE2F-521F-43C4-A4FA-9806ED3AA9BC}"/>
+              </a:ext>
+            </a:extLst>
+          </p:cNvPr>
+          <p:cNvSpPr>
+            <a:spLocks noGrp="1"/>
+          </p:cNvSpPr>
+          <p:nvPr>
+            <p:ph type="title"/>
+          </p:nvPr>
+        </p:nvSpPr>
+        <p:spPr/>
+        <p:txBody>
+          <a:bodyPr/>
+          <a:lstStyle/>
+          <a:p>
+            <a:r>
               <a:rPr kumimoji="1" lang="en-US" altLang="ja-JP" dirty="0"/>
               <a:t>3.4	</a:t>
             </a:r>
@@ -13618,7 +16500,7 @@
             </p:spPr>
             <p:txBody>
               <a:bodyPr>
-                <a:normAutofit fontScale="92500" lnSpcReduction="10000"/>
+                <a:normAutofit lnSpcReduction="10000"/>
               </a:bodyPr>
               <a:lstStyle/>
               <a:p>
@@ -13686,8 +16568,45 @@
                         <m:num>
                           <m:d>
                             <m:dPr>
+                              <m:begChr m:val="|"/>
+                              <m:endChr m:val="|"/>
                               <m:ctrlPr>
-                                <a:rPr lang="en-US" altLang="ja-JP" sz="2400" b="0" i="1" dirty="0" smtClean="0">
+                                <a:rPr lang="en-US" altLang="ja-JP" sz="2400" i="1" dirty="0">
+                                  <a:latin typeface="Cambria Math" panose="02040503050406030204" pitchFamily="18" charset="0"/>
+                                  <a:ea typeface="游明朝" panose="02020400000000000000" pitchFamily="18" charset="-128"/>
+                                </a:rPr>
+                              </m:ctrlPr>
+                            </m:dPr>
+                            <m:e>
+                              <m:r>
+                                <a:rPr lang="en-US" altLang="ja-JP" sz="2400" i="1" dirty="0">
+                                  <a:latin typeface="Cambria Math" panose="02040503050406030204" pitchFamily="18" charset="0"/>
+                                  <a:ea typeface="游明朝" panose="02020400000000000000" pitchFamily="18" charset="-128"/>
+                                </a:rPr>
+                                <m:t>𝑢</m:t>
+                              </m:r>
+                            </m:e>
+                          </m:d>
+                          <m:r>
+                            <a:rPr lang="en-US" altLang="ja-JP" sz="2400" i="1" dirty="0">
+                              <a:latin typeface="Cambria Math" panose="02040503050406030204" pitchFamily="18" charset="0"/>
+                              <a:ea typeface="游明朝" panose="02020400000000000000" pitchFamily="18" charset="-128"/>
+                            </a:rPr>
+                            <m:t>+</m:t>
+                          </m:r>
+                          <m:r>
+                            <a:rPr lang="en-US" altLang="ja-JP" sz="2400" i="1" dirty="0">
+                              <a:latin typeface="Cambria Math" panose="02040503050406030204" pitchFamily="18" charset="0"/>
+                              <a:ea typeface="游明朝" panose="02020400000000000000" pitchFamily="18" charset="-128"/>
+                            </a:rPr>
+                            <m:t>𝑐</m:t>
+                          </m:r>
+                        </m:num>
+                        <m:den>
+                          <m:d>
+                            <m:dPr>
+                              <m:ctrlPr>
+                                <a:rPr lang="en-US" altLang="ja-JP" sz="2400" i="1" dirty="0">
                                   <a:latin typeface="Cambria Math" panose="02040503050406030204" pitchFamily="18" charset="0"/>
                                   <a:ea typeface="游明朝" panose="02020400000000000000" pitchFamily="18" charset="-128"/>
                                 </a:rPr>
@@ -13704,55 +16623,34 @@
                                   </m:ctrlPr>
                                 </m:fPr>
                                 <m:num>
-                                  <m:sSup>
-                                    <m:sSupPr>
+                                  <m:d>
+                                    <m:dPr>
+                                      <m:begChr m:val="|"/>
+                                      <m:endChr m:val="|"/>
                                       <m:ctrlPr>
                                         <a:rPr lang="en-US" altLang="ja-JP" sz="2400" i="1" dirty="0">
                                           <a:latin typeface="Cambria Math" panose="02040503050406030204" pitchFamily="18" charset="0"/>
                                           <a:ea typeface="游明朝" panose="02020400000000000000" pitchFamily="18" charset="-128"/>
                                         </a:rPr>
                                       </m:ctrlPr>
-                                    </m:sSupPr>
+                                    </m:dPr>
                                     <m:e>
-                                      <m:d>
-                                        <m:dPr>
-                                          <m:begChr m:val="|"/>
-                                          <m:endChr m:val="|"/>
-                                          <m:ctrlPr>
-                                            <a:rPr lang="en-US" altLang="ja-JP" sz="2400" i="1" dirty="0">
-                                              <a:latin typeface="Cambria Math" panose="02040503050406030204" pitchFamily="18" charset="0"/>
-                                              <a:ea typeface="游明朝" panose="02020400000000000000" pitchFamily="18" charset="-128"/>
-                                            </a:rPr>
-                                          </m:ctrlPr>
-                                        </m:dPr>
-                                        <m:e>
-                                          <m:r>
-                                            <a:rPr lang="en-US" altLang="ja-JP" sz="2400" i="1" dirty="0">
-                                              <a:latin typeface="Cambria Math" panose="02040503050406030204" pitchFamily="18" charset="0"/>
-                                              <a:ea typeface="游明朝" panose="02020400000000000000" pitchFamily="18" charset="-128"/>
-                                            </a:rPr>
-                                            <m:t>∆</m:t>
-                                          </m:r>
-                                          <m:r>
-                                            <a:rPr lang="en-US" altLang="ja-JP" sz="2400" b="1" i="1" dirty="0">
-                                              <a:latin typeface="Cambria Math" panose="02040503050406030204" pitchFamily="18" charset="0"/>
-                                              <a:ea typeface="游明朝" panose="02020400000000000000" pitchFamily="18" charset="-128"/>
-                                            </a:rPr>
-                                            <m:t>𝒓</m:t>
-                                          </m:r>
-                                        </m:e>
-                                      </m:d>
-                                    </m:e>
-                                    <m:sup>
                                       <m:r>
                                         <a:rPr lang="en-US" altLang="ja-JP" sz="2400" i="1" dirty="0">
                                           <a:latin typeface="Cambria Math" panose="02040503050406030204" pitchFamily="18" charset="0"/>
                                           <a:ea typeface="游明朝" panose="02020400000000000000" pitchFamily="18" charset="-128"/>
                                         </a:rPr>
-                                        <m:t>2</m:t>
+                                        <m:t>∆</m:t>
                                       </m:r>
-                                    </m:sup>
-                                  </m:sSup>
+                                      <m:r>
+                                        <a:rPr lang="en-US" altLang="ja-JP" sz="2400" b="1" i="1" dirty="0">
+                                          <a:latin typeface="Cambria Math" panose="02040503050406030204" pitchFamily="18" charset="0"/>
+                                          <a:ea typeface="游明朝" panose="02020400000000000000" pitchFamily="18" charset="-128"/>
+                                        </a:rPr>
+                                        <m:t>𝒓</m:t>
+                                      </m:r>
+                                    </m:e>
+                                  </m:d>
                                 </m:num>
                                 <m:den>
                                   <m:r>
@@ -13773,43 +16671,6 @@
                               </m:f>
                             </m:e>
                           </m:d>
-                        </m:num>
-                        <m:den>
-                          <m:d>
-                            <m:dPr>
-                              <m:begChr m:val="|"/>
-                              <m:endChr m:val="|"/>
-                              <m:ctrlPr>
-                                <a:rPr lang="en-US" altLang="ja-JP" sz="2400" i="1" dirty="0">
-                                  <a:latin typeface="Cambria Math" panose="02040503050406030204" pitchFamily="18" charset="0"/>
-                                  <a:ea typeface="游明朝" panose="02020400000000000000" pitchFamily="18" charset="-128"/>
-                                </a:rPr>
-                              </m:ctrlPr>
-                            </m:dPr>
-                            <m:e>
-                              <m:r>
-                                <a:rPr lang="en-US" altLang="ja-JP" sz="2400" i="1" dirty="0" smtClean="0">
-                                  <a:latin typeface="Cambria Math" panose="02040503050406030204" pitchFamily="18" charset="0"/>
-                                  <a:ea typeface="游明朝" panose="02020400000000000000" pitchFamily="18" charset="-128"/>
-                                </a:rPr>
-                                <m:t>𝑢</m:t>
-                              </m:r>
-                            </m:e>
-                          </m:d>
-                          <m:r>
-                            <a:rPr lang="en-US" altLang="ja-JP" sz="2400" b="0" i="1" dirty="0" smtClean="0">
-                              <a:latin typeface="Cambria Math" panose="02040503050406030204" pitchFamily="18" charset="0"/>
-                              <a:ea typeface="游明朝" panose="02020400000000000000" pitchFamily="18" charset="-128"/>
-                            </a:rPr>
-                            <m:t>+</m:t>
-                          </m:r>
-                          <m:r>
-                            <a:rPr lang="en-US" altLang="ja-JP" sz="2400" b="0" i="1" dirty="0" smtClean="0">
-                              <a:latin typeface="Cambria Math" panose="02040503050406030204" pitchFamily="18" charset="0"/>
-                              <a:ea typeface="游明朝" panose="02020400000000000000" pitchFamily="18" charset="-128"/>
-                            </a:rPr>
-                            <m:t>𝑐</m:t>
-                          </m:r>
                         </m:den>
                       </m:f>
                       <m:r>
@@ -13822,20 +16683,6 @@
                     </m:oMath>
                   </m:oMathPara>
                 </a14:m>
-                <a:endParaRPr lang="en-US" altLang="ja-JP" sz="2400" b="0" dirty="0">
-                  <a:ea typeface="游明朝" panose="02020400000000000000" pitchFamily="18" charset="-128"/>
-                </a:endParaRPr>
-              </a:p>
-              <a:p>
-                <a:pPr marL="0" indent="0">
-                  <a:buNone/>
-                </a:pPr>
-                <a:r>
-                  <a:rPr lang="ja-JP" altLang="en-US" sz="2400" b="0" dirty="0">
-                    <a:ea typeface="游明朝" panose="02020400000000000000" pitchFamily="18" charset="-128"/>
-                  </a:rPr>
-                  <a:t>・あえて過大評価している点に注意</a:t>
-                </a:r>
                 <a:endParaRPr lang="en-US" altLang="ja-JP" sz="2400" b="0" dirty="0">
                   <a:ea typeface="游明朝" panose="02020400000000000000" pitchFamily="18" charset="-128"/>
                 </a:endParaRPr>
@@ -14090,7 +16937,7 @@
               <a:blipFill>
                 <a:blip r:embed="rId3"/>
                 <a:stretch>
-                  <a:fillRect l="-754" t="-2058"/>
+                  <a:fillRect l="-928" t="-2421" b="-2421"/>
                 </a:stretch>
               </a:blipFill>
             </p:spPr>
@@ -14132,7 +16979,7 @@
           <a:p>
             <a:fld id="{0B878BB1-6FD2-4067-B326-8DA54485A403}" type="slidenum">
               <a:rPr kumimoji="1" lang="ja-JP" altLang="en-US" smtClean="0"/>
-              <a:t>19</a:t>
+              <a:t>20</a:t>
             </a:fld>
             <a:endParaRPr kumimoji="1" lang="ja-JP" altLang="en-US"/>
           </a:p>
@@ -14151,316 +16998,7 @@
 </p:sld>
 </file>
 
-<file path=ppt/slides/slide2.xml><?xml version="1.0" encoding="utf-8"?>
-<p:sld xmlns:a="http://schemas.openxmlformats.org/drawingml/2006/main" xmlns:r="http://schemas.openxmlformats.org/officeDocument/2006/relationships" xmlns:p="http://schemas.openxmlformats.org/presentationml/2006/main">
-  <p:cSld>
-    <p:spTree>
-      <p:nvGrpSpPr>
-        <p:cNvPr id="1" name=""/>
-        <p:cNvGrpSpPr/>
-        <p:nvPr/>
-      </p:nvGrpSpPr>
-      <p:grpSpPr>
-        <a:xfrm>
-          <a:off x="0" y="0"/>
-          <a:ext cx="0" cy="0"/>
-          <a:chOff x="0" y="0"/>
-          <a:chExt cx="0" cy="0"/>
-        </a:xfrm>
-      </p:grpSpPr>
-      <p:sp>
-        <p:nvSpPr>
-          <p:cNvPr id="2" name="タイトル 1">
-            <a:extLst>
-              <a:ext uri="{FF2B5EF4-FFF2-40B4-BE49-F238E27FC236}">
-                <a16:creationId xmlns:a16="http://schemas.microsoft.com/office/drawing/2014/main" id="{1CF0FE2F-521F-43C4-A4FA-9806ED3AA9BC}"/>
-              </a:ext>
-            </a:extLst>
-          </p:cNvPr>
-          <p:cNvSpPr>
-            <a:spLocks noGrp="1"/>
-          </p:cNvSpPr>
-          <p:nvPr>
-            <p:ph type="title"/>
-          </p:nvPr>
-        </p:nvSpPr>
-        <p:spPr/>
-        <p:txBody>
-          <a:bodyPr/>
-          <a:lstStyle/>
-          <a:p>
-            <a:r>
-              <a:rPr lang="ja-JP" altLang="en-US" dirty="0"/>
-              <a:t>授業の内容</a:t>
-            </a:r>
-            <a:endParaRPr kumimoji="1" lang="ja-JP" altLang="en-US" dirty="0"/>
-          </a:p>
-        </p:txBody>
-      </p:sp>
-      <p:sp>
-        <p:nvSpPr>
-          <p:cNvPr id="3" name="コンテンツ プレースホルダー 2">
-            <a:extLst>
-              <a:ext uri="{FF2B5EF4-FFF2-40B4-BE49-F238E27FC236}">
-                <a16:creationId xmlns:a16="http://schemas.microsoft.com/office/drawing/2014/main" id="{E28381EC-519A-4A56-A509-7063CC47E794}"/>
-              </a:ext>
-            </a:extLst>
-          </p:cNvPr>
-          <p:cNvSpPr>
-            <a:spLocks noGrp="1"/>
-          </p:cNvSpPr>
-          <p:nvPr>
-            <p:ph idx="1"/>
-          </p:nvPr>
-        </p:nvSpPr>
-        <p:spPr/>
-        <p:txBody>
-          <a:bodyPr>
-            <a:normAutofit/>
-          </a:bodyPr>
-          <a:lstStyle/>
-          <a:p>
-            <a:pPr marL="457200" indent="-457200">
-              <a:buFont typeface="+mj-lt"/>
-              <a:buAutoNum type="arabicPeriod"/>
-            </a:pPr>
-            <a:r>
-              <a:rPr lang="ja-JP" altLang="en-US" sz="2400" dirty="0">
-                <a:latin typeface="游明朝" panose="02020400000000000000" pitchFamily="18" charset="-128"/>
-                <a:ea typeface="游明朝" panose="02020400000000000000" pitchFamily="18" charset="-128"/>
-              </a:rPr>
-              <a:t>数値計算法の基礎</a:t>
-            </a:r>
-            <a:endParaRPr lang="en-US" altLang="ja-JP" sz="2400" dirty="0">
-              <a:latin typeface="游明朝" panose="02020400000000000000" pitchFamily="18" charset="-128"/>
-              <a:ea typeface="游明朝" panose="02020400000000000000" pitchFamily="18" charset="-128"/>
-            </a:endParaRPr>
-          </a:p>
-          <a:p>
-            <a:pPr marL="457200" lvl="1" indent="0">
-              <a:buNone/>
-            </a:pPr>
-            <a:r>
-              <a:rPr lang="ja-JP" altLang="en-US" sz="2000" dirty="0">
-                <a:latin typeface="游明朝" panose="02020400000000000000" pitchFamily="18" charset="-128"/>
-                <a:ea typeface="游明朝" panose="02020400000000000000" pitchFamily="18" charset="-128"/>
-              </a:rPr>
-              <a:t>・方程式をプログラムに落とし込む手法について</a:t>
-            </a:r>
-            <a:endParaRPr lang="en-US" altLang="ja-JP" sz="2000" dirty="0">
-              <a:latin typeface="游明朝" panose="02020400000000000000" pitchFamily="18" charset="-128"/>
-              <a:ea typeface="游明朝" panose="02020400000000000000" pitchFamily="18" charset="-128"/>
-            </a:endParaRPr>
-          </a:p>
-          <a:p>
-            <a:pPr marL="457200" lvl="1" indent="0">
-              <a:buNone/>
-            </a:pPr>
-            <a:endParaRPr lang="en-US" altLang="ja-JP" sz="2000" dirty="0">
-              <a:latin typeface="游明朝" panose="02020400000000000000" pitchFamily="18" charset="-128"/>
-              <a:ea typeface="游明朝" panose="02020400000000000000" pitchFamily="18" charset="-128"/>
-            </a:endParaRPr>
-          </a:p>
-          <a:p>
-            <a:pPr marL="457200" indent="-457200">
-              <a:buFont typeface="+mj-lt"/>
-              <a:buAutoNum type="arabicPeriod"/>
-            </a:pPr>
-            <a:r>
-              <a:rPr lang="ja-JP" altLang="en-US" sz="2400" dirty="0">
-                <a:latin typeface="游明朝" panose="02020400000000000000" pitchFamily="18" charset="-128"/>
-                <a:ea typeface="游明朝" panose="02020400000000000000" pitchFamily="18" charset="-128"/>
-              </a:rPr>
-              <a:t>偏微分方程式の数値解法</a:t>
-            </a:r>
-            <a:endParaRPr lang="en-US" altLang="ja-JP" sz="2400" dirty="0">
-              <a:latin typeface="游明朝" panose="02020400000000000000" pitchFamily="18" charset="-128"/>
-              <a:ea typeface="游明朝" panose="02020400000000000000" pitchFamily="18" charset="-128"/>
-            </a:endParaRPr>
-          </a:p>
-          <a:p>
-            <a:pPr marL="457200" lvl="1" indent="0">
-              <a:buNone/>
-            </a:pPr>
-            <a:r>
-              <a:rPr lang="ja-JP" altLang="en-US" sz="2000" dirty="0">
-                <a:latin typeface="游明朝" panose="02020400000000000000" pitchFamily="18" charset="-128"/>
-                <a:ea typeface="游明朝" panose="02020400000000000000" pitchFamily="18" charset="-128"/>
-              </a:rPr>
-              <a:t>・移流・拡散などの方程式を分類　→　それぞれの解法</a:t>
-            </a:r>
-            <a:endParaRPr lang="en-US" altLang="ja-JP" sz="2000" dirty="0">
-              <a:latin typeface="游明朝" panose="02020400000000000000" pitchFamily="18" charset="-128"/>
-              <a:ea typeface="游明朝" panose="02020400000000000000" pitchFamily="18" charset="-128"/>
-            </a:endParaRPr>
-          </a:p>
-          <a:p>
-            <a:pPr marL="457200" lvl="1" indent="0">
-              <a:buNone/>
-            </a:pPr>
-            <a:endParaRPr lang="en-US" altLang="ja-JP" sz="2000" dirty="0">
-              <a:latin typeface="游明朝" panose="02020400000000000000" pitchFamily="18" charset="-128"/>
-              <a:ea typeface="游明朝" panose="02020400000000000000" pitchFamily="18" charset="-128"/>
-            </a:endParaRPr>
-          </a:p>
-          <a:p>
-            <a:pPr marL="457200" indent="-457200">
-              <a:buFont typeface="+mj-lt"/>
-              <a:buAutoNum type="arabicPeriod"/>
-            </a:pPr>
-            <a:r>
-              <a:rPr lang="ja-JP" altLang="en-US" sz="2400" dirty="0">
-                <a:latin typeface="游明朝" panose="02020400000000000000" pitchFamily="18" charset="-128"/>
-                <a:ea typeface="游明朝" panose="02020400000000000000" pitchFamily="18" charset="-128"/>
-              </a:rPr>
-              <a:t>圧縮性</a:t>
-            </a:r>
-            <a:r>
-              <a:rPr lang="en-US" altLang="ja-JP" sz="2400" dirty="0">
-                <a:latin typeface="游明朝" panose="02020400000000000000" pitchFamily="18" charset="-128"/>
-                <a:ea typeface="游明朝" panose="02020400000000000000" pitchFamily="18" charset="-128"/>
-              </a:rPr>
-              <a:t>Euler</a:t>
-            </a:r>
-            <a:r>
-              <a:rPr lang="ja-JP" altLang="en-US" sz="2400" dirty="0">
-                <a:latin typeface="游明朝" panose="02020400000000000000" pitchFamily="18" charset="-128"/>
-                <a:ea typeface="游明朝" panose="02020400000000000000" pitchFamily="18" charset="-128"/>
-              </a:rPr>
-              <a:t>方程式の数値解法</a:t>
-            </a:r>
-            <a:endParaRPr lang="en-US" altLang="ja-JP" sz="2400" dirty="0">
-              <a:latin typeface="游明朝" panose="02020400000000000000" pitchFamily="18" charset="-128"/>
-              <a:ea typeface="游明朝" panose="02020400000000000000" pitchFamily="18" charset="-128"/>
-            </a:endParaRPr>
-          </a:p>
-          <a:p>
-            <a:pPr marL="457200" lvl="1" indent="0">
-              <a:buNone/>
-            </a:pPr>
-            <a:r>
-              <a:rPr lang="ja-JP" altLang="en-US" sz="2000" dirty="0">
-                <a:latin typeface="游明朝" panose="02020400000000000000" pitchFamily="18" charset="-128"/>
-                <a:ea typeface="游明朝" panose="02020400000000000000" pitchFamily="18" charset="-128"/>
-              </a:rPr>
-              <a:t>・粘性項を落とした流体方程式を実装　→　服部先生の</a:t>
-            </a:r>
-            <a:r>
-              <a:rPr lang="en-US" altLang="ja-JP" sz="2000" dirty="0">
-                <a:latin typeface="游明朝" panose="02020400000000000000" pitchFamily="18" charset="-128"/>
-                <a:ea typeface="游明朝" panose="02020400000000000000" pitchFamily="18" charset="-128"/>
-              </a:rPr>
-              <a:t>VP</a:t>
-            </a:r>
-            <a:r>
-              <a:rPr lang="ja-JP" altLang="en-US" sz="2000" dirty="0">
-                <a:latin typeface="游明朝" panose="02020400000000000000" pitchFamily="18" charset="-128"/>
-                <a:ea typeface="游明朝" panose="02020400000000000000" pitchFamily="18" charset="-128"/>
-              </a:rPr>
-              <a:t>法</a:t>
-            </a:r>
-            <a:endParaRPr lang="en-US" altLang="ja-JP" sz="2000" dirty="0">
-              <a:latin typeface="游明朝" panose="02020400000000000000" pitchFamily="18" charset="-128"/>
-              <a:ea typeface="游明朝" panose="02020400000000000000" pitchFamily="18" charset="-128"/>
-            </a:endParaRPr>
-          </a:p>
-          <a:p>
-            <a:pPr marL="457200" lvl="1" indent="0">
-              <a:buNone/>
-            </a:pPr>
-            <a:endParaRPr lang="en-US" altLang="ja-JP" sz="2000" dirty="0">
-              <a:latin typeface="游明朝" panose="02020400000000000000" pitchFamily="18" charset="-128"/>
-              <a:ea typeface="游明朝" panose="02020400000000000000" pitchFamily="18" charset="-128"/>
-            </a:endParaRPr>
-          </a:p>
-          <a:p>
-            <a:pPr marL="457200" indent="-457200">
-              <a:buFont typeface="+mj-lt"/>
-              <a:buAutoNum type="arabicPeriod"/>
-            </a:pPr>
-            <a:r>
-              <a:rPr lang="ja-JP" altLang="en-US" sz="2400" dirty="0">
-                <a:latin typeface="游明朝" panose="02020400000000000000" pitchFamily="18" charset="-128"/>
-                <a:ea typeface="游明朝" panose="02020400000000000000" pitchFamily="18" charset="-128"/>
-              </a:rPr>
-              <a:t>その他の話題</a:t>
-            </a:r>
-            <a:endParaRPr lang="en-US" altLang="ja-JP" sz="2400" dirty="0">
-              <a:latin typeface="游明朝" panose="02020400000000000000" pitchFamily="18" charset="-128"/>
-              <a:ea typeface="游明朝" panose="02020400000000000000" pitchFamily="18" charset="-128"/>
-            </a:endParaRPr>
-          </a:p>
-          <a:p>
-            <a:pPr marL="457200" lvl="1" indent="0">
-              <a:buNone/>
-            </a:pPr>
-            <a:r>
-              <a:rPr lang="ja-JP" altLang="en-US" sz="2000" dirty="0">
-                <a:latin typeface="游明朝" panose="02020400000000000000" pitchFamily="18" charset="-128"/>
-                <a:ea typeface="游明朝" panose="02020400000000000000" pitchFamily="18" charset="-128"/>
-              </a:rPr>
-              <a:t>・</a:t>
-            </a:r>
-            <a:r>
-              <a:rPr lang="en-US" altLang="ja-JP" sz="2000" dirty="0">
-                <a:latin typeface="游明朝" panose="02020400000000000000" pitchFamily="18" charset="-128"/>
-                <a:ea typeface="游明朝" panose="02020400000000000000" pitchFamily="18" charset="-128"/>
-              </a:rPr>
-              <a:t>CFD</a:t>
-            </a:r>
-            <a:r>
-              <a:rPr lang="ja-JP" altLang="en-US" sz="2000" dirty="0">
-                <a:latin typeface="游明朝" panose="02020400000000000000" pitchFamily="18" charset="-128"/>
-                <a:ea typeface="游明朝" panose="02020400000000000000" pitchFamily="18" charset="-128"/>
-              </a:rPr>
-              <a:t>やっていくうえで知っておいて欲しい小ネタ類</a:t>
-            </a:r>
-          </a:p>
-        </p:txBody>
-      </p:sp>
-      <p:sp>
-        <p:nvSpPr>
-          <p:cNvPr id="4" name="スライド番号プレースホルダー 3">
-            <a:extLst>
-              <a:ext uri="{FF2B5EF4-FFF2-40B4-BE49-F238E27FC236}">
-                <a16:creationId xmlns:a16="http://schemas.microsoft.com/office/drawing/2014/main" id="{23ACA39E-2829-473E-8FBF-61A17625BA1B}"/>
-              </a:ext>
-            </a:extLst>
-          </p:cNvPr>
-          <p:cNvSpPr>
-            <a:spLocks noGrp="1"/>
-          </p:cNvSpPr>
-          <p:nvPr>
-            <p:ph type="sldNum" sz="quarter" idx="12"/>
-          </p:nvPr>
-        </p:nvSpPr>
-        <p:spPr/>
-        <p:txBody>
-          <a:bodyPr/>
-          <a:lstStyle/>
-          <a:p>
-            <a:fld id="{0B878BB1-6FD2-4067-B326-8DA54485A403}" type="slidenum">
-              <a:rPr kumimoji="1" lang="ja-JP" altLang="en-US" smtClean="0"/>
-              <a:t>2</a:t>
-            </a:fld>
-            <a:endParaRPr kumimoji="1" lang="ja-JP" altLang="en-US"/>
-          </a:p>
-        </p:txBody>
-      </p:sp>
-    </p:spTree>
-    <p:extLst>
-      <p:ext uri="{BB962C8B-B14F-4D97-AF65-F5344CB8AC3E}">
-        <p14:creationId xmlns:p14="http://schemas.microsoft.com/office/powerpoint/2010/main" val="549071044"/>
-      </p:ext>
-    </p:extLst>
-  </p:cSld>
-  <p:clrMapOvr>
-    <a:masterClrMapping/>
-  </p:clrMapOvr>
-</p:sld>
-</file>
-
-<file path=ppt/slides/slide20.xml><?xml version="1.0" encoding="utf-8"?>
+<file path=ppt/slides/slide21.xml><?xml version="1.0" encoding="utf-8"?>
 <p:sld xmlns:a="http://schemas.openxmlformats.org/drawingml/2006/main" xmlns:r="http://schemas.openxmlformats.org/officeDocument/2006/relationships" xmlns:p="http://schemas.openxmlformats.org/presentationml/2006/main">
   <p:cSld>
     <p:spTree>
@@ -14826,7 +17364,7 @@
           <a:p>
             <a:fld id="{0B878BB1-6FD2-4067-B326-8DA54485A403}" type="slidenum">
               <a:rPr kumimoji="1" lang="ja-JP" altLang="en-US" smtClean="0"/>
-              <a:t>20</a:t>
+              <a:t>21</a:t>
             </a:fld>
             <a:endParaRPr kumimoji="1" lang="ja-JP" altLang="en-US"/>
           </a:p>
@@ -14845,7 +17383,7 @@
 </p:sld>
 </file>
 
-<file path=ppt/slides/slide21.xml><?xml version="1.0" encoding="utf-8"?>
+<file path=ppt/slides/slide22.xml><?xml version="1.0" encoding="utf-8"?>
 <p:sld xmlns:a="http://schemas.openxmlformats.org/drawingml/2006/main" xmlns:r="http://schemas.openxmlformats.org/officeDocument/2006/relationships" xmlns:p="http://schemas.openxmlformats.org/presentationml/2006/main">
   <p:cSld>
     <p:spTree>
@@ -14907,8 +17445,8 @@
           </a:p>
         </p:txBody>
       </p:sp>
-      <mc:AlternateContent xmlns:mc="http://schemas.openxmlformats.org/markup-compatibility/2006">
-        <mc:Choice xmlns:a14="http://schemas.microsoft.com/office/drawing/2010/main" Requires="a14">
+      <mc:AlternateContent xmlns:mc="http://schemas.openxmlformats.org/markup-compatibility/2006" xmlns:a14="http://schemas.microsoft.com/office/drawing/2010/main">
+        <mc:Choice Requires="a14">
           <p:sp>
             <p:nvSpPr>
               <p:cNvPr id="3" name="コンテンツ プレースホルダー 2">
@@ -15726,7 +18264,7 @@
             </p:txBody>
           </p:sp>
         </mc:Choice>
-        <mc:Fallback>
+        <mc:Fallback xmlns="">
           <p:sp>
             <p:nvSpPr>
               <p:cNvPr id="3" name="コンテンツ プレースホルダー 2">
@@ -15793,7 +18331,7 @@
           <a:p>
             <a:fld id="{0B878BB1-6FD2-4067-B326-8DA54485A403}" type="slidenum">
               <a:rPr kumimoji="1" lang="ja-JP" altLang="en-US" smtClean="0"/>
-              <a:t>21</a:t>
+              <a:t>22</a:t>
             </a:fld>
             <a:endParaRPr kumimoji="1" lang="ja-JP" altLang="en-US" dirty="0"/>
           </a:p>
@@ -15812,7 +18350,7 @@
 </p:sld>
 </file>
 
-<file path=ppt/slides/slide22.xml><?xml version="1.0" encoding="utf-8"?>
+<file path=ppt/slides/slide23.xml><?xml version="1.0" encoding="utf-8"?>
 <p:sld xmlns:a="http://schemas.openxmlformats.org/drawingml/2006/main" xmlns:r="http://schemas.openxmlformats.org/officeDocument/2006/relationships" xmlns:p="http://schemas.openxmlformats.org/presentationml/2006/main">
   <p:cSld>
     <p:spTree>
@@ -16274,6 +18812,18 @@
                                 </a:rPr>
                                 <m:t>1.0</m:t>
                               </m:r>
+                              <m:r>
+                                <a:rPr lang="en-US" altLang="ja-JP" sz="2000" b="0" i="1" smtClean="0">
+                                  <a:latin typeface="Cambria Math" panose="02040503050406030204" pitchFamily="18" charset="0"/>
+                                </a:rPr>
+                                <m:t>/</m:t>
+                              </m:r>
+                              <m:r>
+                                <a:rPr lang="en-US" altLang="ja-JP" sz="2000" b="0" i="1" smtClean="0">
+                                  <a:latin typeface="Cambria Math" panose="02040503050406030204" pitchFamily="18" charset="0"/>
+                                </a:rPr>
+                                <m:t>𝛾</m:t>
+                              </m:r>
                             </m:e>
                           </m:mr>
                         </m:m>
@@ -16477,6 +19027,18 @@
                                 </a:rPr>
                                 <m:t>0.1</m:t>
                               </m:r>
+                              <m:r>
+                                <a:rPr lang="en-US" altLang="ja-JP" sz="2000" i="1">
+                                  <a:latin typeface="Cambria Math" panose="02040503050406030204" pitchFamily="18" charset="0"/>
+                                </a:rPr>
+                                <m:t>/</m:t>
+                              </m:r>
+                              <m:r>
+                                <a:rPr lang="en-US" altLang="ja-JP" sz="2000" i="1">
+                                  <a:latin typeface="Cambria Math" panose="02040503050406030204" pitchFamily="18" charset="0"/>
+                                </a:rPr>
+                                <m:t>𝛾</m:t>
+                              </m:r>
                             </m:e>
                           </m:mr>
                         </m:m>
@@ -16498,13 +19060,7 @@
                       <a:rPr lang="en-US" altLang="ja-JP" sz="2000" i="1">
                         <a:latin typeface="Cambria Math" panose="02040503050406030204" pitchFamily="18" charset="0"/>
                       </a:rPr>
-                      <m:t>≥</m:t>
-                    </m:r>
-                    <m:r>
-                      <a:rPr lang="en-US" altLang="ja-JP" sz="2000" i="1">
-                        <a:latin typeface="Cambria Math" panose="02040503050406030204" pitchFamily="18" charset="0"/>
-                      </a:rPr>
-                      <m:t>0</m:t>
+                      <m:t>≥0</m:t>
                     </m:r>
                   </m:oMath>
                 </a14:m>
@@ -16692,7 +19248,7 @@
                   </m:oMath>
                 </a14:m>
                 <a:r>
-                  <a:rPr lang="ja-JP" altLang="en-US" sz="2000">
+                  <a:rPr lang="ja-JP" altLang="en-US" sz="2000" dirty="0">
                     <a:latin typeface="游明朝" panose="02020400000000000000" pitchFamily="18" charset="-128"/>
                     <a:ea typeface="游明朝" panose="02020400000000000000" pitchFamily="18" charset="-128"/>
                   </a:rPr>
@@ -16773,7 +19329,7 @@
           <a:p>
             <a:fld id="{0B878BB1-6FD2-4067-B326-8DA54485A403}" type="slidenum">
               <a:rPr kumimoji="1" lang="ja-JP" altLang="en-US" smtClean="0"/>
-              <a:t>22</a:t>
+              <a:t>23</a:t>
             </a:fld>
             <a:endParaRPr kumimoji="1" lang="ja-JP" altLang="en-US" dirty="0"/>
           </a:p>
@@ -16792,7 +19348,7 @@
 </p:sld>
 </file>
 
-<file path=ppt/slides/slide23.xml><?xml version="1.0" encoding="utf-8"?>
+<file path=ppt/slides/slide24.xml><?xml version="1.0" encoding="utf-8"?>
 <p:sld xmlns:a="http://schemas.openxmlformats.org/drawingml/2006/main" xmlns:r="http://schemas.openxmlformats.org/officeDocument/2006/relationships" xmlns:p="http://schemas.openxmlformats.org/presentationml/2006/main" show="0">
   <p:cSld>
     <p:spTree>
@@ -20522,7 +23078,7 @@
           <a:p>
             <a:fld id="{0B878BB1-6FD2-4067-B326-8DA54485A403}" type="slidenum">
               <a:rPr kumimoji="1" lang="ja-JP" altLang="en-US" smtClean="0"/>
-              <a:t>23</a:t>
+              <a:t>24</a:t>
             </a:fld>
             <a:endParaRPr kumimoji="1" lang="ja-JP" altLang="en-US"/>
           </a:p>
@@ -21138,10 +23694,10 @@
       </p:sp>
       <p:pic>
         <p:nvPicPr>
-          <p:cNvPr id="6" name="図 5">
+          <p:cNvPr id="6" name="図 5" descr="テキスト, 地図 が含まれている画像&#10;&#10;自動的に生成された説明">
             <a:extLst>
               <a:ext uri="{FF2B5EF4-FFF2-40B4-BE49-F238E27FC236}">
-                <a16:creationId xmlns:a16="http://schemas.microsoft.com/office/drawing/2014/main" id="{AE559FF5-AC3D-48AA-B289-62BA99E9DEEB}"/>
+                <a16:creationId xmlns:a16="http://schemas.microsoft.com/office/drawing/2014/main" id="{48A108AA-E3AF-463F-92ED-A53D88D77F11}"/>
               </a:ext>
             </a:extLst>
           </p:cNvPr>
@@ -21164,8 +23720,8 @@
         </p:blipFill>
         <p:spPr>
           <a:xfrm>
-            <a:off x="5562600" y="1405551"/>
-            <a:ext cx="6096000" cy="4572000"/>
+            <a:off x="5684514" y="1690688"/>
+            <a:ext cx="5852172" cy="4370841"/>
           </a:xfrm>
           <a:prstGeom prst="rect">
             <a:avLst/>
@@ -21250,8 +23806,8 @@
           </a:p>
         </p:txBody>
       </p:sp>
-      <mc:AlternateContent xmlns:mc="http://schemas.openxmlformats.org/markup-compatibility/2006">
-        <mc:Choice xmlns:a14="http://schemas.microsoft.com/office/drawing/2010/main" Requires="a14">
+      <mc:AlternateContent xmlns:mc="http://schemas.openxmlformats.org/markup-compatibility/2006" xmlns:a14="http://schemas.microsoft.com/office/drawing/2010/main">
+        <mc:Choice Requires="a14">
           <p:sp>
             <p:nvSpPr>
               <p:cNvPr id="3" name="コンテンツ プレースホルダー 2">
@@ -22569,7 +25125,7 @@
             </p:txBody>
           </p:sp>
         </mc:Choice>
-        <mc:Fallback>
+        <mc:Fallback xmlns="">
           <p:sp>
             <p:nvSpPr>
               <p:cNvPr id="3" name="コンテンツ プレースホルダー 2">
@@ -22724,8 +25280,8 @@
           </a:p>
         </p:txBody>
       </p:sp>
-      <mc:AlternateContent xmlns:mc="http://schemas.openxmlformats.org/markup-compatibility/2006">
-        <mc:Choice xmlns:a14="http://schemas.microsoft.com/office/drawing/2010/main" Requires="a14">
+      <mc:AlternateContent xmlns:mc="http://schemas.openxmlformats.org/markup-compatibility/2006" xmlns:a14="http://schemas.microsoft.com/office/drawing/2010/main">
+        <mc:Choice Requires="a14">
           <p:sp>
             <p:nvSpPr>
               <p:cNvPr id="3" name="コンテンツ プレースホルダー 2">
@@ -23388,13 +25944,7 @@
                         <a:rPr lang="en-US" altLang="ja-JP" sz="2400" b="1" i="1" smtClean="0">
                           <a:latin typeface="Cambria Math" panose="02040503050406030204" pitchFamily="18" charset="0"/>
                         </a:rPr>
-                        <m:t>𝑨</m:t>
-                      </m:r>
-                      <m:r>
-                        <a:rPr lang="en-US" altLang="ja-JP" sz="2400" b="1" i="1" smtClean="0">
-                          <a:latin typeface="Cambria Math" panose="02040503050406030204" pitchFamily="18" charset="0"/>
-                        </a:rPr>
-                        <m:t>𝑵</m:t>
+                        <m:t>𝑨𝑵</m:t>
                       </m:r>
                       <m:f>
                         <m:fPr>
@@ -24064,7 +26614,7 @@
             </p:txBody>
           </p:sp>
         </mc:Choice>
-        <mc:Fallback>
+        <mc:Fallback xmlns="">
           <p:sp>
             <p:nvSpPr>
               <p:cNvPr id="3" name="コンテンツ プレースホルダー 2">
@@ -24215,8 +26765,8 @@
           </a:p>
         </p:txBody>
       </p:sp>
-      <mc:AlternateContent xmlns:mc="http://schemas.openxmlformats.org/markup-compatibility/2006">
-        <mc:Choice xmlns:a14="http://schemas.microsoft.com/office/drawing/2010/main" Requires="a14">
+      <mc:AlternateContent xmlns:mc="http://schemas.openxmlformats.org/markup-compatibility/2006" xmlns:a14="http://schemas.microsoft.com/office/drawing/2010/main">
+        <mc:Choice Requires="a14">
           <p:sp>
             <p:nvSpPr>
               <p:cNvPr id="3" name="コンテンツ プレースホルダー 2">
@@ -25812,7 +28362,7 @@
             </p:txBody>
           </p:sp>
         </mc:Choice>
-        <mc:Fallback>
+        <mc:Fallback xmlns="">
           <p:sp>
             <p:nvSpPr>
               <p:cNvPr id="3" name="コンテンツ プレースホルダー 2">
@@ -25963,8 +28513,8 @@
           </a:p>
         </p:txBody>
       </p:sp>
-      <mc:AlternateContent xmlns:mc="http://schemas.openxmlformats.org/markup-compatibility/2006">
-        <mc:Choice xmlns:a14="http://schemas.microsoft.com/office/drawing/2010/main" Requires="a14">
+      <mc:AlternateContent xmlns:mc="http://schemas.openxmlformats.org/markup-compatibility/2006" xmlns:a14="http://schemas.microsoft.com/office/drawing/2010/main">
+        <mc:Choice Requires="a14">
           <p:sp>
             <p:nvSpPr>
               <p:cNvPr id="3" name="コンテンツ プレースホルダー 2">
@@ -26508,7 +29058,7 @@
             </p:txBody>
           </p:sp>
         </mc:Choice>
-        <mc:Fallback>
+        <mc:Fallback xmlns="">
           <p:sp>
             <p:nvSpPr>
               <p:cNvPr id="3" name="コンテンツ プレースホルダー 2">
@@ -26656,8 +29206,8 @@
           </a:p>
         </p:txBody>
       </p:sp>
-      <mc:AlternateContent xmlns:mc="http://schemas.openxmlformats.org/markup-compatibility/2006">
-        <mc:Choice xmlns:a14="http://schemas.microsoft.com/office/drawing/2010/main" Requires="a14">
+      <mc:AlternateContent xmlns:mc="http://schemas.openxmlformats.org/markup-compatibility/2006" xmlns:a14="http://schemas.microsoft.com/office/drawing/2010/main">
+        <mc:Choice Requires="a14">
           <p:sp>
             <p:nvSpPr>
               <p:cNvPr id="3" name="コンテンツ プレースホルダー 2">
@@ -27481,12 +30031,16 @@
                       <m:f>
                         <m:fPr>
                           <m:ctrlPr>
-                            <a:rPr lang="ja-JP" altLang="ja-JP" i="1"/>
+                            <a:rPr lang="ja-JP" altLang="ja-JP" i="1">
+                              <a:latin typeface="Cambria Math" panose="02040503050406030204" pitchFamily="18" charset="0"/>
+                            </a:rPr>
                           </m:ctrlPr>
                         </m:fPr>
                         <m:num>
                           <m:r>
-                            <a:rPr lang="en-US" altLang="ja-JP" i="1"/>
+                            <a:rPr lang="en-US" altLang="ja-JP" i="1">
+                              <a:latin typeface="Cambria Math" panose="02040503050406030204" pitchFamily="18" charset="0"/>
+                            </a:rPr>
                             <m:t>𝜕</m:t>
                           </m:r>
                           <m:r>
@@ -27498,17 +30052,23 @@
                         </m:num>
                         <m:den>
                           <m:r>
-                            <a:rPr lang="en-US" altLang="ja-JP" i="1"/>
+                            <a:rPr lang="en-US" altLang="ja-JP" i="1">
+                              <a:latin typeface="Cambria Math" panose="02040503050406030204" pitchFamily="18" charset="0"/>
+                            </a:rPr>
                             <m:t>𝜕</m:t>
                           </m:r>
                           <m:r>
-                            <a:rPr lang="en-US" altLang="ja-JP" i="1"/>
+                            <a:rPr lang="en-US" altLang="ja-JP" i="1">
+                              <a:latin typeface="Cambria Math" panose="02040503050406030204" pitchFamily="18" charset="0"/>
+                            </a:rPr>
                             <m:t>𝑡</m:t>
                           </m:r>
                         </m:den>
                       </m:f>
                       <m:r>
-                        <a:rPr lang="en-US" altLang="ja-JP" i="1"/>
+                        <a:rPr lang="en-US" altLang="ja-JP" i="1">
+                          <a:latin typeface="Cambria Math" panose="02040503050406030204" pitchFamily="18" charset="0"/>
+                        </a:rPr>
                         <m:t>+</m:t>
                       </m:r>
                       <m:f>
@@ -27572,7 +30132,9 @@
                         </m:den>
                       </m:f>
                       <m:r>
-                        <a:rPr lang="en-US" altLang="ja-JP" i="1"/>
+                        <a:rPr lang="en-US" altLang="ja-JP" i="1">
+                          <a:latin typeface="Cambria Math" panose="02040503050406030204" pitchFamily="18" charset="0"/>
+                        </a:rPr>
                         <m:t>=0</m:t>
                       </m:r>
                     </m:oMath>
@@ -27827,7 +30389,7 @@
             </p:txBody>
           </p:sp>
         </mc:Choice>
-        <mc:Fallback>
+        <mc:Fallback xmlns="">
           <p:sp>
             <p:nvSpPr>
               <p:cNvPr id="3" name="コンテンツ プレースホルダー 2">
@@ -28001,7 +30563,7 @@
             </p:spPr>
             <p:txBody>
               <a:bodyPr>
-                <a:normAutofit fontScale="85000" lnSpcReduction="10000"/>
+                <a:normAutofit fontScale="92500"/>
               </a:bodyPr>
               <a:lstStyle/>
               <a:p>
@@ -28101,13 +30663,7 @@
                             <a:rPr lang="en-US" altLang="ja-JP" sz="2400" b="0" i="1" smtClean="0">
                               <a:latin typeface="Cambria Math" panose="02040503050406030204" pitchFamily="18" charset="0"/>
                             </a:rPr>
-                            <m:t>𝐹𝑑</m:t>
-                          </m:r>
-                          <m:r>
-                            <a:rPr lang="en-US" altLang="ja-JP" sz="2400" i="1">
-                              <a:latin typeface="Cambria Math" panose="02040503050406030204" pitchFamily="18" charset="0"/>
-                            </a:rPr>
-                            <m:t>𝑉</m:t>
+                            <m:t>𝐹𝑑𝑉</m:t>
                           </m:r>
                         </m:e>
                       </m:nary>
@@ -28201,13 +30757,7 @@
                             <a:rPr lang="en-US" altLang="ja-JP" sz="2400" i="1">
                               <a:latin typeface="Cambria Math" panose="02040503050406030204" pitchFamily="18" charset="0"/>
                             </a:rPr>
-                            <m:t>𝑄</m:t>
-                          </m:r>
-                          <m:r>
-                            <a:rPr lang="en-US" altLang="ja-JP" sz="2400" i="1">
-                              <a:latin typeface="Cambria Math" panose="02040503050406030204" pitchFamily="18" charset="0"/>
-                            </a:rPr>
-                            <m:t>𝑑𝑉</m:t>
+                            <m:t>𝑄𝑑𝑉</m:t>
                           </m:r>
                         </m:e>
                       </m:nary>
@@ -28320,22 +30870,30 @@
                       <m:f>
                         <m:fPr>
                           <m:ctrlPr>
-                            <a:rPr lang="ja-JP" altLang="ja-JP" i="1"/>
+                            <a:rPr lang="ja-JP" altLang="ja-JP" i="1">
+                              <a:latin typeface="Cambria Math" panose="02040503050406030204" pitchFamily="18" charset="0"/>
+                            </a:rPr>
                           </m:ctrlPr>
                         </m:fPr>
                         <m:num>
                           <m:r>
-                            <a:rPr lang="en-US" altLang="ja-JP" i="1"/>
+                            <a:rPr lang="en-US" altLang="ja-JP" i="1">
+                              <a:latin typeface="Cambria Math" panose="02040503050406030204" pitchFamily="18" charset="0"/>
+                            </a:rPr>
                             <m:t>𝜕</m:t>
                           </m:r>
                         </m:num>
                         <m:den>
                           <m:r>
-                            <a:rPr lang="en-US" altLang="ja-JP" i="1"/>
+                            <a:rPr lang="en-US" altLang="ja-JP" i="1">
+                              <a:latin typeface="Cambria Math" panose="02040503050406030204" pitchFamily="18" charset="0"/>
+                            </a:rPr>
                             <m:t>𝜕</m:t>
                           </m:r>
                           <m:r>
-                            <a:rPr lang="en-US" altLang="ja-JP" i="1"/>
+                            <a:rPr lang="en-US" altLang="ja-JP" i="1">
+                              <a:latin typeface="Cambria Math" panose="02040503050406030204" pitchFamily="18" charset="0"/>
+                            </a:rPr>
                             <m:t>𝑡</m:t>
                           </m:r>
                         </m:den>
@@ -28344,16 +30902,22 @@
                         <m:naryPr>
                           <m:limLoc m:val="subSup"/>
                           <m:ctrlPr>
-                            <a:rPr lang="ja-JP" altLang="ja-JP" i="1"/>
+                            <a:rPr lang="ja-JP" altLang="ja-JP" i="1">
+                              <a:latin typeface="Cambria Math" panose="02040503050406030204" pitchFamily="18" charset="0"/>
+                            </a:rPr>
                           </m:ctrlPr>
                         </m:naryPr>
                         <m:sub>
                           <m:r>
-                            <a:rPr lang="en-US" altLang="ja-JP" i="1"/>
+                            <a:rPr lang="en-US" altLang="ja-JP" i="1">
+                              <a:latin typeface="Cambria Math" panose="02040503050406030204" pitchFamily="18" charset="0"/>
+                            </a:rPr>
                             <m:t>𝛿</m:t>
                           </m:r>
                           <m:r>
-                            <a:rPr lang="en-US" altLang="ja-JP" i="1"/>
+                            <a:rPr lang="en-US" altLang="ja-JP" i="1">
+                              <a:latin typeface="Cambria Math" panose="02040503050406030204" pitchFamily="18" charset="0"/>
+                            </a:rPr>
                             <m:t>𝑉</m:t>
                           </m:r>
                         </m:sub>
@@ -28366,13 +30930,17 @@
                             <m:t>𝑄</m:t>
                           </m:r>
                           <m:r>
-                            <a:rPr lang="en-US" altLang="ja-JP" i="1"/>
+                            <a:rPr lang="en-US" altLang="ja-JP" i="1">
+                              <a:latin typeface="Cambria Math" panose="02040503050406030204" pitchFamily="18" charset="0"/>
+                            </a:rPr>
                             <m:t>𝑑𝑉</m:t>
                           </m:r>
                         </m:e>
                       </m:nary>
                       <m:r>
-                        <a:rPr lang="en-US" altLang="ja-JP" i="1"/>
+                        <a:rPr lang="en-US" altLang="ja-JP" i="1">
+                          <a:latin typeface="Cambria Math" panose="02040503050406030204" pitchFamily="18" charset="0"/>
+                        </a:rPr>
                         <m:t>+</m:t>
                       </m:r>
                       <m:nary>
@@ -28380,24 +30948,34 @@
                           <m:chr m:val="∑"/>
                           <m:limLoc m:val="undOvr"/>
                           <m:ctrlPr>
-                            <a:rPr lang="ja-JP" altLang="ja-JP" i="1"/>
+                            <a:rPr lang="ja-JP" altLang="ja-JP" i="1">
+                              <a:latin typeface="Cambria Math" panose="02040503050406030204" pitchFamily="18" charset="0"/>
+                            </a:rPr>
                           </m:ctrlPr>
                         </m:naryPr>
                         <m:sub>
                           <m:r>
-                            <a:rPr lang="en-US" altLang="ja-JP" i="1"/>
+                            <a:rPr lang="en-US" altLang="ja-JP" i="1">
+                              <a:latin typeface="Cambria Math" panose="02040503050406030204" pitchFamily="18" charset="0"/>
+                            </a:rPr>
                             <m:t>𝑗</m:t>
                           </m:r>
                           <m:r>
-                            <a:rPr lang="en-US" altLang="ja-JP" i="1"/>
+                            <a:rPr lang="en-US" altLang="ja-JP" i="1">
+                              <a:latin typeface="Cambria Math" panose="02040503050406030204" pitchFamily="18" charset="0"/>
+                            </a:rPr>
                             <m:t>∈</m:t>
                           </m:r>
                           <m:r>
-                            <a:rPr lang="en-US" altLang="ja-JP" i="1"/>
+                            <a:rPr lang="en-US" altLang="ja-JP" i="1">
+                              <a:latin typeface="Cambria Math" panose="02040503050406030204" pitchFamily="18" charset="0"/>
+                            </a:rPr>
                             <m:t>𝛿</m:t>
                           </m:r>
                           <m:r>
-                            <a:rPr lang="en-US" altLang="ja-JP" i="1"/>
+                            <a:rPr lang="en-US" altLang="ja-JP" i="1">
+                              <a:latin typeface="Cambria Math" panose="02040503050406030204" pitchFamily="18" charset="0"/>
+                            </a:rPr>
                             <m:t>𝑆</m:t>
                           </m:r>
                         </m:sub>
@@ -28410,47 +30988,63 @@
                             <m:t>𝐹</m:t>
                           </m:r>
                           <m:r>
-                            <a:rPr lang="en-US" altLang="ja-JP" i="1"/>
+                            <a:rPr lang="en-US" altLang="ja-JP" i="1">
+                              <a:latin typeface="Cambria Math" panose="02040503050406030204" pitchFamily="18" charset="0"/>
+                            </a:rPr>
                             <m:t>∙</m:t>
                           </m:r>
                           <m:sSub>
                             <m:sSubPr>
                               <m:ctrlPr>
-                                <a:rPr lang="ja-JP" altLang="ja-JP" i="1"/>
+                                <a:rPr lang="ja-JP" altLang="ja-JP" i="1">
+                                  <a:latin typeface="Cambria Math" panose="02040503050406030204" pitchFamily="18" charset="0"/>
+                                </a:rPr>
                               </m:ctrlPr>
                             </m:sSubPr>
                             <m:e>
                               <m:r>
-                                <a:rPr lang="en-US" altLang="ja-JP" b="1" i="1"/>
+                                <a:rPr lang="en-US" altLang="ja-JP" b="1" i="1">
+                                  <a:latin typeface="Cambria Math" panose="02040503050406030204" pitchFamily="18" charset="0"/>
+                                </a:rPr>
                                 <m:t>𝒏</m:t>
                               </m:r>
                             </m:e>
                             <m:sub>
                               <m:r>
-                                <a:rPr lang="en-US" altLang="ja-JP" i="1"/>
+                                <a:rPr lang="en-US" altLang="ja-JP" i="1">
+                                  <a:latin typeface="Cambria Math" panose="02040503050406030204" pitchFamily="18" charset="0"/>
+                                </a:rPr>
                                 <m:t>𝑗</m:t>
                               </m:r>
                             </m:sub>
                           </m:sSub>
                           <m:r>
-                            <a:rPr lang="en-US" altLang="ja-JP" i="1"/>
+                            <a:rPr lang="en-US" altLang="ja-JP" i="1">
+                              <a:latin typeface="Cambria Math" panose="02040503050406030204" pitchFamily="18" charset="0"/>
+                            </a:rPr>
                             <m:t>∆</m:t>
                           </m:r>
                           <m:sSub>
                             <m:sSubPr>
                               <m:ctrlPr>
-                                <a:rPr lang="ja-JP" altLang="ja-JP" i="1"/>
+                                <a:rPr lang="ja-JP" altLang="ja-JP" i="1">
+                                  <a:latin typeface="Cambria Math" panose="02040503050406030204" pitchFamily="18" charset="0"/>
+                                </a:rPr>
                               </m:ctrlPr>
                             </m:sSubPr>
                             <m:e>
                               <m:r>
-                                <a:rPr lang="en-US" altLang="ja-JP" i="1"/>
+                                <a:rPr lang="en-US" altLang="ja-JP" i="1">
+                                  <a:latin typeface="Cambria Math" panose="02040503050406030204" pitchFamily="18" charset="0"/>
+                                </a:rPr>
                                 <m:t>𝑆</m:t>
                               </m:r>
                             </m:e>
                             <m:sub>
                               <m:r>
-                                <a:rPr lang="en-US" altLang="ja-JP" i="1"/>
+                                <a:rPr lang="en-US" altLang="ja-JP" i="1">
+                                  <a:latin typeface="Cambria Math" panose="02040503050406030204" pitchFamily="18" charset="0"/>
+                                </a:rPr>
                                 <m:t>𝑗</m:t>
                               </m:r>
                             </m:sub>
@@ -28458,7 +31052,9 @@
                         </m:e>
                       </m:nary>
                       <m:r>
-                        <a:rPr lang="en-US" altLang="ja-JP" i="1"/>
+                        <a:rPr lang="en-US" altLang="ja-JP" i="1">
+                          <a:latin typeface="Cambria Math" panose="02040503050406030204" pitchFamily="18" charset="0"/>
+                        </a:rPr>
                         <m:t>=0</m:t>
                       </m:r>
                     </m:oMath>
@@ -28954,96 +31550,132 @@
                       <m:sSubSup>
                         <m:sSubSupPr>
                           <m:ctrlPr>
-                            <a:rPr lang="ja-JP" altLang="ja-JP" i="1"/>
+                            <a:rPr lang="ja-JP" altLang="ja-JP" i="1">
+                              <a:latin typeface="Cambria Math" panose="02040503050406030204" pitchFamily="18" charset="0"/>
+                            </a:rPr>
                           </m:ctrlPr>
                         </m:sSubSupPr>
                         <m:e>
                           <m:r>
-                            <a:rPr lang="en-US" altLang="ja-JP" b="1" i="1"/>
+                            <a:rPr lang="en-US" altLang="ja-JP" b="1" i="1">
+                              <a:latin typeface="Cambria Math" panose="02040503050406030204" pitchFamily="18" charset="0"/>
+                            </a:rPr>
                             <m:t>𝑸</m:t>
                           </m:r>
                         </m:e>
                         <m:sub>
                           <m:r>
-                            <a:rPr lang="en-US" altLang="ja-JP" i="1"/>
+                            <a:rPr lang="en-US" altLang="ja-JP" i="1">
+                              <a:latin typeface="Cambria Math" panose="02040503050406030204" pitchFamily="18" charset="0"/>
+                            </a:rPr>
                             <m:t>1,</m:t>
                           </m:r>
                           <m:r>
-                            <a:rPr lang="en-US" altLang="ja-JP" i="1"/>
+                            <a:rPr lang="en-US" altLang="ja-JP" i="1">
+                              <a:latin typeface="Cambria Math" panose="02040503050406030204" pitchFamily="18" charset="0"/>
+                            </a:rPr>
                             <m:t>𝑖</m:t>
                           </m:r>
                         </m:sub>
                         <m:sup>
                           <m:r>
-                            <a:rPr lang="en-US" altLang="ja-JP" i="1"/>
+                            <a:rPr lang="en-US" altLang="ja-JP" i="1">
+                              <a:latin typeface="Cambria Math" panose="02040503050406030204" pitchFamily="18" charset="0"/>
+                            </a:rPr>
                             <m:t>𝑛</m:t>
                           </m:r>
                           <m:r>
-                            <a:rPr lang="en-US" altLang="ja-JP" i="1"/>
+                            <a:rPr lang="en-US" altLang="ja-JP" i="1">
+                              <a:latin typeface="Cambria Math" panose="02040503050406030204" pitchFamily="18" charset="0"/>
+                            </a:rPr>
                             <m:t>+1</m:t>
                           </m:r>
                         </m:sup>
                       </m:sSubSup>
                       <m:r>
-                        <a:rPr lang="en-US" altLang="ja-JP" i="1"/>
+                        <a:rPr lang="en-US" altLang="ja-JP" i="1">
+                          <a:latin typeface="Cambria Math" panose="02040503050406030204" pitchFamily="18" charset="0"/>
+                        </a:rPr>
                         <m:t>=</m:t>
                       </m:r>
                       <m:sSubSup>
                         <m:sSubSupPr>
                           <m:ctrlPr>
-                            <a:rPr lang="ja-JP" altLang="ja-JP" i="1"/>
+                            <a:rPr lang="ja-JP" altLang="ja-JP" i="1">
+                              <a:latin typeface="Cambria Math" panose="02040503050406030204" pitchFamily="18" charset="0"/>
+                            </a:rPr>
                           </m:ctrlPr>
                         </m:sSubSupPr>
                         <m:e>
                           <m:r>
-                            <a:rPr lang="en-US" altLang="ja-JP" b="1" i="1"/>
+                            <a:rPr lang="en-US" altLang="ja-JP" b="1" i="1">
+                              <a:latin typeface="Cambria Math" panose="02040503050406030204" pitchFamily="18" charset="0"/>
+                            </a:rPr>
                             <m:t>𝑸</m:t>
                           </m:r>
                         </m:e>
                         <m:sub>
                           <m:r>
-                            <a:rPr lang="en-US" altLang="ja-JP" i="1"/>
+                            <a:rPr lang="en-US" altLang="ja-JP" i="1">
+                              <a:latin typeface="Cambria Math" panose="02040503050406030204" pitchFamily="18" charset="0"/>
+                            </a:rPr>
                             <m:t>1,</m:t>
                           </m:r>
                           <m:r>
-                            <a:rPr lang="en-US" altLang="ja-JP" i="1"/>
+                            <a:rPr lang="en-US" altLang="ja-JP" i="1">
+                              <a:latin typeface="Cambria Math" panose="02040503050406030204" pitchFamily="18" charset="0"/>
+                            </a:rPr>
                             <m:t>𝑖</m:t>
                           </m:r>
                         </m:sub>
                         <m:sup>
                           <m:r>
-                            <a:rPr lang="en-US" altLang="ja-JP" i="1"/>
+                            <a:rPr lang="en-US" altLang="ja-JP" i="1">
+                              <a:latin typeface="Cambria Math" panose="02040503050406030204" pitchFamily="18" charset="0"/>
+                            </a:rPr>
                             <m:t>𝑛</m:t>
                           </m:r>
                         </m:sup>
                       </m:sSubSup>
                       <m:r>
-                        <a:rPr lang="en-US" altLang="ja-JP" i="1"/>
+                        <a:rPr lang="en-US" altLang="ja-JP" i="1">
+                          <a:latin typeface="Cambria Math" panose="02040503050406030204" pitchFamily="18" charset="0"/>
+                        </a:rPr>
                         <m:t>−</m:t>
                       </m:r>
                       <m:f>
                         <m:fPr>
                           <m:ctrlPr>
-                            <a:rPr lang="ja-JP" altLang="ja-JP" i="1"/>
+                            <a:rPr lang="ja-JP" altLang="ja-JP" i="1">
+                              <a:latin typeface="Cambria Math" panose="02040503050406030204" pitchFamily="18" charset="0"/>
+                            </a:rPr>
                           </m:ctrlPr>
                         </m:fPr>
                         <m:num>
                           <m:r>
-                            <a:rPr lang="en-US" altLang="ja-JP" i="1"/>
+                            <a:rPr lang="en-US" altLang="ja-JP" i="1">
+                              <a:latin typeface="Cambria Math" panose="02040503050406030204" pitchFamily="18" charset="0"/>
+                            </a:rPr>
                             <m:t>∆</m:t>
                           </m:r>
                           <m:r>
-                            <a:rPr lang="en-US" altLang="ja-JP" i="1"/>
+                            <a:rPr lang="en-US" altLang="ja-JP" i="1">
+                              <a:latin typeface="Cambria Math" panose="02040503050406030204" pitchFamily="18" charset="0"/>
+                            </a:rPr>
                             <m:t>𝑡</m:t>
                           </m:r>
                         </m:num>
                         <m:den>
                           <m:r>
-                            <a:rPr lang="en-US" altLang="ja-JP" i="1"/>
+                            <a:rPr lang="en-US" altLang="ja-JP" i="1">
+                              <a:latin typeface="Cambria Math" panose="02040503050406030204" pitchFamily="18" charset="0"/>
+                            </a:rPr>
                             <m:t>∆</m:t>
                           </m:r>
                           <m:r>
-                            <a:rPr lang="en-US" altLang="ja-JP" i="1"/>
+                            <a:rPr lang="en-US" altLang="ja-JP" i="1">
+                              <a:latin typeface="Cambria Math" panose="02040503050406030204" pitchFamily="18" charset="0"/>
+                            </a:rPr>
                             <m:t>𝑥</m:t>
                           </m:r>
                         </m:den>
@@ -29051,50 +31683,68 @@
                       <m:d>
                         <m:dPr>
                           <m:ctrlPr>
-                            <a:rPr lang="ja-JP" altLang="ja-JP" i="1"/>
+                            <a:rPr lang="ja-JP" altLang="ja-JP" i="1">
+                              <a:latin typeface="Cambria Math" panose="02040503050406030204" pitchFamily="18" charset="0"/>
+                            </a:rPr>
                           </m:ctrlPr>
                         </m:dPr>
                         <m:e>
                           <m:sSubSup>
                             <m:sSubSupPr>
                               <m:ctrlPr>
-                                <a:rPr lang="ja-JP" altLang="ja-JP" i="1"/>
+                                <a:rPr lang="ja-JP" altLang="ja-JP" i="1">
+                                  <a:latin typeface="Cambria Math" panose="02040503050406030204" pitchFamily="18" charset="0"/>
+                                </a:rPr>
                               </m:ctrlPr>
                             </m:sSubSupPr>
                             <m:e>
                               <m:r>
-                                <a:rPr lang="en-US" altLang="ja-JP" b="1" i="1"/>
+                                <a:rPr lang="en-US" altLang="ja-JP" b="1" i="1">
+                                  <a:latin typeface="Cambria Math" panose="02040503050406030204" pitchFamily="18" charset="0"/>
+                                </a:rPr>
                                 <m:t>𝑭</m:t>
                               </m:r>
                             </m:e>
                             <m:sub>
                               <m:r>
-                                <a:rPr lang="en-US" altLang="ja-JP" i="1"/>
+                                <a:rPr lang="en-US" altLang="ja-JP" i="1">
+                                  <a:latin typeface="Cambria Math" panose="02040503050406030204" pitchFamily="18" charset="0"/>
+                                </a:rPr>
                                 <m:t>1,</m:t>
                               </m:r>
                               <m:r>
-                                <a:rPr lang="en-US" altLang="ja-JP" i="1"/>
+                                <a:rPr lang="en-US" altLang="ja-JP" i="1">
+                                  <a:latin typeface="Cambria Math" panose="02040503050406030204" pitchFamily="18" charset="0"/>
+                                </a:rPr>
                                 <m:t>𝑖</m:t>
                               </m:r>
                               <m:r>
-                                <a:rPr lang="en-US" altLang="ja-JP" i="1"/>
+                                <a:rPr lang="en-US" altLang="ja-JP" i="1">
+                                  <a:latin typeface="Cambria Math" panose="02040503050406030204" pitchFamily="18" charset="0"/>
+                                </a:rPr>
                                 <m:t>+</m:t>
                               </m:r>
                               <m:f>
                                 <m:fPr>
                                   <m:ctrlPr>
-                                    <a:rPr lang="ja-JP" altLang="ja-JP" i="1"/>
+                                    <a:rPr lang="ja-JP" altLang="ja-JP" i="1">
+                                      <a:latin typeface="Cambria Math" panose="02040503050406030204" pitchFamily="18" charset="0"/>
+                                    </a:rPr>
                                   </m:ctrlPr>
                                 </m:fPr>
                                 <m:num>
                                   <m:r>
-                                    <a:rPr lang="en-US" altLang="ja-JP" i="1"/>
+                                    <a:rPr lang="en-US" altLang="ja-JP" i="1">
+                                      <a:latin typeface="Cambria Math" panose="02040503050406030204" pitchFamily="18" charset="0"/>
+                                    </a:rPr>
                                     <m:t>1</m:t>
                                   </m:r>
                                 </m:num>
                                 <m:den>
                                   <m:r>
-                                    <a:rPr lang="en-US" altLang="ja-JP" i="1"/>
+                                    <a:rPr lang="en-US" altLang="ja-JP" i="1">
+                                      <a:latin typeface="Cambria Math" panose="02040503050406030204" pitchFamily="18" charset="0"/>
+                                    </a:rPr>
                                     <m:t>2</m:t>
                                   </m:r>
                                 </m:den>
@@ -29102,55 +31752,75 @@
                             </m:sub>
                             <m:sup>
                               <m:r>
-                                <a:rPr lang="en-US" altLang="ja-JP" i="1"/>
+                                <a:rPr lang="en-US" altLang="ja-JP" i="1">
+                                  <a:latin typeface="Cambria Math" panose="02040503050406030204" pitchFamily="18" charset="0"/>
+                                </a:rPr>
                                 <m:t>𝑛</m:t>
                               </m:r>
                             </m:sup>
                           </m:sSubSup>
                           <m:r>
-                            <a:rPr lang="en-US" altLang="ja-JP" i="1"/>
+                            <a:rPr lang="en-US" altLang="ja-JP" i="1">
+                              <a:latin typeface="Cambria Math" panose="02040503050406030204" pitchFamily="18" charset="0"/>
+                            </a:rPr>
                             <m:t>−</m:t>
                           </m:r>
                           <m:sSubSup>
                             <m:sSubSupPr>
                               <m:ctrlPr>
-                                <a:rPr lang="ja-JP" altLang="ja-JP" i="1"/>
+                                <a:rPr lang="ja-JP" altLang="ja-JP" i="1">
+                                  <a:latin typeface="Cambria Math" panose="02040503050406030204" pitchFamily="18" charset="0"/>
+                                </a:rPr>
                               </m:ctrlPr>
                             </m:sSubSupPr>
                             <m:e>
                               <m:r>
-                                <a:rPr lang="en-US" altLang="ja-JP" b="1" i="1"/>
+                                <a:rPr lang="en-US" altLang="ja-JP" b="1" i="1">
+                                  <a:latin typeface="Cambria Math" panose="02040503050406030204" pitchFamily="18" charset="0"/>
+                                </a:rPr>
                                 <m:t>𝑭</m:t>
                               </m:r>
                             </m:e>
                             <m:sub>
                               <m:r>
-                                <a:rPr lang="en-US" altLang="ja-JP" i="1"/>
+                                <a:rPr lang="en-US" altLang="ja-JP" i="1">
+                                  <a:latin typeface="Cambria Math" panose="02040503050406030204" pitchFamily="18" charset="0"/>
+                                </a:rPr>
                                 <m:t>1,</m:t>
                               </m:r>
                               <m:r>
-                                <a:rPr lang="en-US" altLang="ja-JP" i="1"/>
+                                <a:rPr lang="en-US" altLang="ja-JP" i="1">
+                                  <a:latin typeface="Cambria Math" panose="02040503050406030204" pitchFamily="18" charset="0"/>
+                                </a:rPr>
                                 <m:t>𝑖</m:t>
                               </m:r>
                               <m:r>
-                                <a:rPr lang="en-US" altLang="ja-JP" i="1"/>
+                                <a:rPr lang="en-US" altLang="ja-JP" i="1">
+                                  <a:latin typeface="Cambria Math" panose="02040503050406030204" pitchFamily="18" charset="0"/>
+                                </a:rPr>
                                 <m:t>−</m:t>
                               </m:r>
                               <m:f>
                                 <m:fPr>
                                   <m:ctrlPr>
-                                    <a:rPr lang="ja-JP" altLang="ja-JP" i="1"/>
+                                    <a:rPr lang="ja-JP" altLang="ja-JP" i="1">
+                                      <a:latin typeface="Cambria Math" panose="02040503050406030204" pitchFamily="18" charset="0"/>
+                                    </a:rPr>
                                   </m:ctrlPr>
                                 </m:fPr>
                                 <m:num>
                                   <m:r>
-                                    <a:rPr lang="en-US" altLang="ja-JP" i="1"/>
+                                    <a:rPr lang="en-US" altLang="ja-JP" i="1">
+                                      <a:latin typeface="Cambria Math" panose="02040503050406030204" pitchFamily="18" charset="0"/>
+                                    </a:rPr>
                                     <m:t>1</m:t>
                                   </m:r>
                                 </m:num>
                                 <m:den>
                                   <m:r>
-                                    <a:rPr lang="en-US" altLang="ja-JP" i="1"/>
+                                    <a:rPr lang="en-US" altLang="ja-JP" i="1">
+                                      <a:latin typeface="Cambria Math" panose="02040503050406030204" pitchFamily="18" charset="0"/>
+                                    </a:rPr>
                                     <m:t>2</m:t>
                                   </m:r>
                                 </m:den>
@@ -29158,7 +31828,9 @@
                             </m:sub>
                             <m:sup>
                               <m:r>
-                                <a:rPr lang="en-US" altLang="ja-JP" i="1"/>
+                                <a:rPr lang="en-US" altLang="ja-JP" i="1">
+                                  <a:latin typeface="Cambria Math" panose="02040503050406030204" pitchFamily="18" charset="0"/>
+                                </a:rPr>
                                 <m:t>𝑛</m:t>
                               </m:r>
                             </m:sup>
